--- a/HavingYourCoffee/CONDG_Lightning2013/Having_Your_Coffee.pptx
+++ b/HavingYourCoffee/CONDG_Lightning2013/Having_Your_Coffee.pptx
@@ -5,7 +5,7 @@
     <p:sldMasterId id="2147483648" r:id="rId1"/>
   </p:sldMasterIdLst>
   <p:notesMasterIdLst>
-    <p:notesMasterId r:id="rId13"/>
+    <p:notesMasterId r:id="rId12"/>
   </p:notesMasterIdLst>
   <p:sldIdLst>
     <p:sldId id="256" r:id="rId2"/>
@@ -18,7 +18,6 @@
     <p:sldId id="266" r:id="rId9"/>
     <p:sldId id="258" r:id="rId10"/>
     <p:sldId id="259" r:id="rId11"/>
-    <p:sldId id="260" r:id="rId12"/>
   </p:sldIdLst>
   <p:sldSz cx="9144000" cy="6858000" type="screen4x3"/>
   <p:notesSz cx="6858000" cy="9144000"/>
@@ -119,7 +118,7 @@
   </p:defaultTextStyle>
   <p:extLst>
     <p:ext uri="{EFAFB233-063F-42B5-8137-9DF3F51BA10A}">
-      <p15:sldGuideLst xmlns:p15="http://schemas.microsoft.com/office/powerpoint/2012/main">
+      <p15:sldGuideLst xmlns:p15="http://schemas.microsoft.com/office/powerpoint/2012/main" xmlns="">
         <p15:guide id="1" orient="horz" pos="2160">
           <p15:clr>
             <a:srgbClr val="A4A3A4"/>
@@ -218,7 +217,7 @@
           <a:p>
             <a:fld id="{96511FE2-A61B-45CC-B210-C390F4E9F222}" type="datetimeFigureOut">
               <a:rPr lang="en-US" smtClean="0"/>
-              <a:t>6/1/2013</a:t>
+              <a:t>7/25/2013</a:t>
             </a:fld>
             <a:endParaRPr lang="en-US"/>
           </a:p>
@@ -1034,7 +1033,7 @@
           <a:p>
             <a:fld id="{7B7338AB-7A8F-4BF5-96DA-F3029945E2E3}" type="datetimeFigureOut">
               <a:rPr lang="en-US" smtClean="0"/>
-              <a:t>6/1/2013</a:t>
+              <a:t>7/25/2013</a:t>
             </a:fld>
             <a:endParaRPr lang="en-US"/>
           </a:p>
@@ -1204,7 +1203,7 @@
           <a:p>
             <a:fld id="{7B7338AB-7A8F-4BF5-96DA-F3029945E2E3}" type="datetimeFigureOut">
               <a:rPr lang="en-US" smtClean="0"/>
-              <a:t>6/1/2013</a:t>
+              <a:t>7/25/2013</a:t>
             </a:fld>
             <a:endParaRPr lang="en-US"/>
           </a:p>
@@ -1384,7 +1383,7 @@
           <a:p>
             <a:fld id="{7B7338AB-7A8F-4BF5-96DA-F3029945E2E3}" type="datetimeFigureOut">
               <a:rPr lang="en-US" smtClean="0"/>
-              <a:t>6/1/2013</a:t>
+              <a:t>7/25/2013</a:t>
             </a:fld>
             <a:endParaRPr lang="en-US"/>
           </a:p>
@@ -1554,7 +1553,7 @@
           <a:p>
             <a:fld id="{7B7338AB-7A8F-4BF5-96DA-F3029945E2E3}" type="datetimeFigureOut">
               <a:rPr lang="en-US" smtClean="0"/>
-              <a:t>6/1/2013</a:t>
+              <a:t>7/25/2013</a:t>
             </a:fld>
             <a:endParaRPr lang="en-US"/>
           </a:p>
@@ -1800,7 +1799,7 @@
           <a:p>
             <a:fld id="{7B7338AB-7A8F-4BF5-96DA-F3029945E2E3}" type="datetimeFigureOut">
               <a:rPr lang="en-US" smtClean="0"/>
-              <a:t>6/1/2013</a:t>
+              <a:t>7/25/2013</a:t>
             </a:fld>
             <a:endParaRPr lang="en-US"/>
           </a:p>
@@ -2088,7 +2087,7 @@
           <a:p>
             <a:fld id="{7B7338AB-7A8F-4BF5-96DA-F3029945E2E3}" type="datetimeFigureOut">
               <a:rPr lang="en-US" smtClean="0"/>
-              <a:t>6/1/2013</a:t>
+              <a:t>7/25/2013</a:t>
             </a:fld>
             <a:endParaRPr lang="en-US"/>
           </a:p>
@@ -2510,7 +2509,7 @@
           <a:p>
             <a:fld id="{7B7338AB-7A8F-4BF5-96DA-F3029945E2E3}" type="datetimeFigureOut">
               <a:rPr lang="en-US" smtClean="0"/>
-              <a:t>6/1/2013</a:t>
+              <a:t>7/25/2013</a:t>
             </a:fld>
             <a:endParaRPr lang="en-US"/>
           </a:p>
@@ -2628,7 +2627,7 @@
           <a:p>
             <a:fld id="{7B7338AB-7A8F-4BF5-96DA-F3029945E2E3}" type="datetimeFigureOut">
               <a:rPr lang="en-US" smtClean="0"/>
-              <a:t>6/1/2013</a:t>
+              <a:t>7/25/2013</a:t>
             </a:fld>
             <a:endParaRPr lang="en-US"/>
           </a:p>
@@ -2723,7 +2722,7 @@
           <a:p>
             <a:fld id="{7B7338AB-7A8F-4BF5-96DA-F3029945E2E3}" type="datetimeFigureOut">
               <a:rPr lang="en-US" smtClean="0"/>
-              <a:t>6/1/2013</a:t>
+              <a:t>7/25/2013</a:t>
             </a:fld>
             <a:endParaRPr lang="en-US"/>
           </a:p>
@@ -3000,7 +2999,7 @@
           <a:p>
             <a:fld id="{7B7338AB-7A8F-4BF5-96DA-F3029945E2E3}" type="datetimeFigureOut">
               <a:rPr lang="en-US" smtClean="0"/>
-              <a:t>6/1/2013</a:t>
+              <a:t>7/25/2013</a:t>
             </a:fld>
             <a:endParaRPr lang="en-US"/>
           </a:p>
@@ -3253,7 +3252,7 @@
           <a:p>
             <a:fld id="{7B7338AB-7A8F-4BF5-96DA-F3029945E2E3}" type="datetimeFigureOut">
               <a:rPr lang="en-US" smtClean="0"/>
-              <a:t>6/1/2013</a:t>
+              <a:t>7/25/2013</a:t>
             </a:fld>
             <a:endParaRPr lang="en-US"/>
           </a:p>
@@ -3466,7 +3465,7 @@
           <a:p>
             <a:fld id="{7B7338AB-7A8F-4BF5-96DA-F3029945E2E3}" type="datetimeFigureOut">
               <a:rPr lang="en-US" smtClean="0"/>
-              <a:t>6/1/2013</a:t>
+              <a:t>7/25/2013</a:t>
             </a:fld>
             <a:endParaRPr lang="en-US"/>
           </a:p>
@@ -3841,49 +3840,19 @@
           <a:chExt cx="0" cy="0"/>
         </a:xfrm>
       </p:grpSpPr>
-      <p:pic>
-        <p:nvPicPr>
-          <p:cNvPr id="4" name="Picture 3"/>
-          <p:cNvPicPr>
-            <a:picLocks noChangeAspect="1"/>
-          </p:cNvPicPr>
-          <p:nvPr/>
-        </p:nvPicPr>
-        <p:blipFill>
-          <a:blip r:embed="rId2" cstate="print">
-            <a:extLst>
-              <a:ext uri="{28A0092B-C50C-407E-A947-70E740481C1C}">
-                <a14:useLocalDpi xmlns:a14="http://schemas.microsoft.com/office/drawing/2010/main" val="0"/>
-              </a:ext>
-            </a:extLst>
-          </a:blip>
-          <a:stretch>
-            <a:fillRect/>
-          </a:stretch>
-        </p:blipFill>
+      <p:sp>
+        <p:nvSpPr>
+          <p:cNvPr id="2" name="Title 1"/>
+          <p:cNvSpPr>
+            <a:spLocks noGrp="1"/>
+          </p:cNvSpPr>
+          <p:nvPr>
+            <p:ph type="ctrTitle"/>
+          </p:nvPr>
+        </p:nvSpPr>
         <p:spPr>
           <a:xfrm>
-            <a:off x="2476500" y="47309"/>
-            <a:ext cx="4191000" cy="2083116"/>
-          </a:xfrm>
-          <a:prstGeom prst="rect">
-            <a:avLst/>
-          </a:prstGeom>
-        </p:spPr>
-      </p:pic>
-      <p:sp>
-        <p:nvSpPr>
-          <p:cNvPr id="2" name="Title 1"/>
-          <p:cNvSpPr>
-            <a:spLocks noGrp="1"/>
-          </p:cNvSpPr>
-          <p:nvPr>
-            <p:ph type="ctrTitle"/>
-          </p:nvPr>
-        </p:nvSpPr>
-        <p:spPr>
-          <a:xfrm>
-            <a:off x="685800" y="2165554"/>
+            <a:off x="685800" y="685800"/>
             <a:ext cx="7772400" cy="1470025"/>
           </a:xfrm>
         </p:spPr>
@@ -3911,7 +3880,7 @@
         </p:nvSpPr>
         <p:spPr>
           <a:xfrm>
-            <a:off x="1371600" y="3886200"/>
+            <a:off x="1371600" y="2590800"/>
             <a:ext cx="6400800" cy="2819400"/>
           </a:xfrm>
         </p:spPr>
@@ -3935,7 +3904,7 @@
           <a:p>
             <a:r>
               <a:rPr lang="en-US" dirty="0" smtClean="0">
-                <a:hlinkClick r:id="rId3"/>
+                <a:hlinkClick r:id="rId2"/>
               </a:rPr>
               <a:t>jerrel@jerrelblankenship.com</a:t>
             </a:r>
@@ -4103,7 +4072,6 @@
               <a:rPr lang="en-US" sz="2400" dirty="0" smtClean="0"/>
               <a:t> </a:t>
             </a:r>
-            <a:endParaRPr lang="en-US" sz="2400" dirty="0" smtClean="0"/>
           </a:p>
           <a:p>
             <a:pPr marL="0" indent="0" algn="ctr">
@@ -4127,98 +4095,6 @@
     <p:extLst>
       <p:ext uri="{BB962C8B-B14F-4D97-AF65-F5344CB8AC3E}">
         <p14:creationId xmlns:p14="http://schemas.microsoft.com/office/powerpoint/2010/main" val="737891219"/>
-      </p:ext>
-    </p:extLst>
-  </p:cSld>
-  <p:clrMapOvr>
-    <a:masterClrMapping/>
-  </p:clrMapOvr>
-  <p:transition spd="slow">
-    <p:push dir="u"/>
-  </p:transition>
-  <p:timing>
-    <p:tnLst>
-      <p:par>
-        <p:cTn id="1" dur="indefinite" restart="never" nodeType="tmRoot"/>
-      </p:par>
-    </p:tnLst>
-  </p:timing>
-</p:sld>
-</file>
-
-<file path=ppt/slides/slide11.xml><?xml version="1.0" encoding="utf-8"?>
-<p:sld xmlns:a="http://schemas.openxmlformats.org/drawingml/2006/main" xmlns:r="http://schemas.openxmlformats.org/officeDocument/2006/relationships" xmlns:p="http://schemas.openxmlformats.org/presentationml/2006/main">
-  <p:cSld>
-    <p:spTree>
-      <p:nvGrpSpPr>
-        <p:cNvPr id="1" name=""/>
-        <p:cNvGrpSpPr/>
-        <p:nvPr/>
-      </p:nvGrpSpPr>
-      <p:grpSpPr>
-        <a:xfrm>
-          <a:off x="0" y="0"/>
-          <a:ext cx="0" cy="0"/>
-          <a:chOff x="0" y="0"/>
-          <a:chExt cx="0" cy="0"/>
-        </a:xfrm>
-      </p:grpSpPr>
-      <p:sp>
-        <p:nvSpPr>
-          <p:cNvPr id="2" name="Title 1"/>
-          <p:cNvSpPr>
-            <a:spLocks noGrp="1"/>
-          </p:cNvSpPr>
-          <p:nvPr>
-            <p:ph type="title"/>
-          </p:nvPr>
-        </p:nvSpPr>
-        <p:spPr/>
-        <p:txBody>
-          <a:bodyPr/>
-          <a:lstStyle/>
-          <a:p>
-            <a:r>
-              <a:rPr lang="en-US" dirty="0" smtClean="0"/>
-              <a:t>Thank you for attending!</a:t>
-            </a:r>
-            <a:endParaRPr lang="en-US" dirty="0"/>
-          </a:p>
-        </p:txBody>
-      </p:sp>
-      <p:pic>
-        <p:nvPicPr>
-          <p:cNvPr id="4" name="Content Placeholder 3"/>
-          <p:cNvPicPr>
-            <a:picLocks noGrp="1" noChangeAspect="1"/>
-          </p:cNvPicPr>
-          <p:nvPr>
-            <p:ph idx="1"/>
-          </p:nvPr>
-        </p:nvPicPr>
-        <p:blipFill>
-          <a:blip r:embed="rId2">
-            <a:extLst>
-              <a:ext uri="{28A0092B-C50C-407E-A947-70E740481C1C}">
-                <a14:useLocalDpi xmlns:a14="http://schemas.microsoft.com/office/drawing/2010/main" val="0"/>
-              </a:ext>
-            </a:extLst>
-          </a:blip>
-          <a:stretch>
-            <a:fillRect/>
-          </a:stretch>
-        </p:blipFill>
-        <p:spPr>
-          <a:xfrm>
-            <a:off x="639976" y="1600200"/>
-            <a:ext cx="7864048" cy="4525963"/>
-          </a:xfrm>
-        </p:spPr>
-      </p:pic>
-    </p:spTree>
-    <p:extLst>
-      <p:ext uri="{BB962C8B-B14F-4D97-AF65-F5344CB8AC3E}">
-        <p14:creationId xmlns:p14="http://schemas.microsoft.com/office/powerpoint/2010/main" val="189790367"/>
       </p:ext>
     </p:extLst>
   </p:cSld>
@@ -4295,13 +4171,22 @@
           <a:p>
             <a:r>
               <a:rPr lang="en-US" dirty="0" smtClean="0"/>
-              <a:t>Software Developer in Columbus, OH</a:t>
-            </a:r>
-          </a:p>
-          <a:p>
+              <a:t>Local Software </a:t>
+            </a:r>
             <a:r>
               <a:rPr lang="en-US" dirty="0" smtClean="0"/>
-              <a:t>Author: </a:t>
+              <a:t>Developer </a:t>
+            </a:r>
+            <a:endParaRPr lang="en-US" dirty="0" smtClean="0"/>
+          </a:p>
+          <a:p>
+            <a:r>
+              <a:rPr lang="en-US" dirty="0" smtClean="0"/>
+              <a:t>Author</a:t>
+            </a:r>
+            <a:r>
+              <a:rPr lang="en-US" dirty="0" smtClean="0"/>
+              <a:t>: </a:t>
             </a:r>
             <a:r>
               <a:rPr lang="en-US" i="1" dirty="0" smtClean="0"/>
@@ -4316,14 +4201,12 @@
           </a:p>
           <a:p>
             <a:r>
-              <a:rPr lang="en-US" dirty="0" smtClean="0"/>
-              <a:t>Certified Scrum Master</a:t>
-            </a:r>
-          </a:p>
-          <a:p>
-            <a:r>
               <a:rPr lang="en-US" i="1" dirty="0" smtClean="0"/>
-              <a:t>Cleveland Sports Fan</a:t>
+              <a:t>Cleveland </a:t>
+            </a:r>
+            <a:r>
+              <a:rPr lang="en-US" i="1" dirty="0" smtClean="0"/>
+              <a:t>Sports Fan</a:t>
             </a:r>
           </a:p>
           <a:p>
@@ -7463,7 +7346,7 @@
     </a:clrScheme>
     <a:fontScheme name="Office">
       <a:majorFont>
-        <a:latin typeface="Calibri Light" panose="020F0302020204030204"/>
+        <a:latin typeface="Calibri Light"/>
         <a:ea typeface=""/>
         <a:cs typeface=""/>
         <a:font script="Jpan" typeface="ＭＳ Ｐゴシック"/>
@@ -7498,7 +7381,7 @@
         <a:font script="Geor" typeface="Sylfaen"/>
       </a:majorFont>
       <a:minorFont>
-        <a:latin typeface="Calibri" panose="020F0502020204030204"/>
+        <a:latin typeface="Calibri"/>
         <a:ea typeface=""/>
         <a:cs typeface=""/>
         <a:font script="Jpan" typeface="ＭＳ Ｐゴシック"/>
@@ -7675,7 +7558,7 @@
   <a:extraClrSchemeLst/>
   <a:extLst>
     <a:ext uri="{05A4C25C-085E-4340-85A3-A5531E510DB2}">
-      <thm15:themeFamily xmlns:thm15="http://schemas.microsoft.com/office/thememl/2012/main" name="Office Theme" id="{62F939B6-93AF-4DB8-9C6B-D6C7DFDC589F}" vid="{4A3C46E8-61CC-4603-A589-7422A47A8E4A}"/>
+      <thm15:themeFamily xmlns:thm15="http://schemas.microsoft.com/office/thememl/2012/main" xmlns="" name="Office Theme" id="{62F939B6-93AF-4DB8-9C6B-D6C7DFDC589F}" vid="{4A3C46E8-61CC-4603-A589-7422A47A8E4A}"/>
     </a:ext>
   </a:extLst>
 </a:theme>

--- a/HavingYourCoffee/CONDG_Lightning2013/Having_Your_Coffee.pptx
+++ b/HavingYourCoffee/CONDG_Lightning2013/Having_Your_Coffee.pptx
@@ -118,7 +118,7 @@
   </p:defaultTextStyle>
   <p:extLst>
     <p:ext uri="{EFAFB233-063F-42B5-8137-9DF3F51BA10A}">
-      <p15:sldGuideLst xmlns:p15="http://schemas.microsoft.com/office/powerpoint/2012/main" xmlns="">
+      <p15:sldGuideLst xmlns:p15="http://schemas.microsoft.com/office/powerpoint/2012/main">
         <p15:guide id="1" orient="horz" pos="2160">
           <p15:clr>
             <a:srgbClr val="A4A3A4"/>
@@ -769,6 +769,144 @@
 </file>
 
 <file path=ppt/notesSlides/notesSlide3.xml><?xml version="1.0" encoding="utf-8"?>
+<p:notes xmlns:a="http://schemas.openxmlformats.org/drawingml/2006/main" xmlns:r="http://schemas.openxmlformats.org/officeDocument/2006/relationships" xmlns:p="http://schemas.openxmlformats.org/presentationml/2006/main">
+  <p:cSld>
+    <p:spTree>
+      <p:nvGrpSpPr>
+        <p:cNvPr id="1" name=""/>
+        <p:cNvGrpSpPr/>
+        <p:nvPr/>
+      </p:nvGrpSpPr>
+      <p:grpSpPr>
+        <a:xfrm>
+          <a:off x="0" y="0"/>
+          <a:ext cx="0" cy="0"/>
+          <a:chOff x="0" y="0"/>
+          <a:chExt cx="0" cy="0"/>
+        </a:xfrm>
+      </p:grpSpPr>
+      <p:sp>
+        <p:nvSpPr>
+          <p:cNvPr id="2" name="Slide Image Placeholder 1"/>
+          <p:cNvSpPr>
+            <a:spLocks noGrp="1" noRot="1" noChangeAspect="1"/>
+          </p:cNvSpPr>
+          <p:nvPr>
+            <p:ph type="sldImg"/>
+          </p:nvPr>
+        </p:nvSpPr>
+        <p:spPr/>
+      </p:sp>
+      <p:sp>
+        <p:nvSpPr>
+          <p:cNvPr id="3" name="Notes Placeholder 2"/>
+          <p:cNvSpPr>
+            <a:spLocks noGrp="1"/>
+          </p:cNvSpPr>
+          <p:nvPr>
+            <p:ph type="body" idx="1"/>
+          </p:nvPr>
+        </p:nvSpPr>
+        <p:spPr/>
+        <p:txBody>
+          <a:bodyPr/>
+          <a:lstStyle/>
+          <a:p>
+            <a:r>
+              <a:rPr lang="en-US" dirty="0" smtClean="0"/>
+              <a:t>Show what happens</a:t>
+            </a:r>
+            <a:r>
+              <a:rPr lang="en-US" baseline="0" dirty="0" smtClean="0"/>
+              <a:t> when syntax error in </a:t>
+            </a:r>
+            <a:r>
+              <a:rPr lang="en-US" baseline="0" dirty="0" err="1" smtClean="0"/>
+              <a:t>coffeeScript</a:t>
+            </a:r>
+            <a:endParaRPr lang="en-US" baseline="0" dirty="0" smtClean="0"/>
+          </a:p>
+          <a:p>
+            <a:r>
+              <a:rPr lang="en-US" baseline="0" dirty="0" smtClean="0"/>
+              <a:t>Can we debug </a:t>
+            </a:r>
+            <a:r>
+              <a:rPr lang="en-US" baseline="0" dirty="0" err="1" smtClean="0"/>
+              <a:t>CoffeeScript</a:t>
+            </a:r>
+            <a:r>
+              <a:rPr lang="en-US" baseline="0" dirty="0" smtClean="0"/>
+              <a:t> inside </a:t>
+            </a:r>
+            <a:r>
+              <a:rPr lang="en-US" baseline="0" dirty="0" err="1" smtClean="0"/>
+              <a:t>VisualStudio</a:t>
+            </a:r>
+            <a:endParaRPr lang="en-US" baseline="0" dirty="0" smtClean="0"/>
+          </a:p>
+          <a:p>
+            <a:r>
+              <a:rPr lang="en-US" baseline="0" dirty="0" smtClean="0"/>
+              <a:t>Show what happens when you make changes to the </a:t>
+            </a:r>
+            <a:r>
+              <a:rPr lang="en-US" baseline="0" dirty="0" err="1" smtClean="0"/>
+              <a:t>javascript</a:t>
+            </a:r>
+            <a:r>
+              <a:rPr lang="en-US" baseline="0" dirty="0" smtClean="0"/>
+              <a:t> outside of </a:t>
+            </a:r>
+            <a:r>
+              <a:rPr lang="en-US" baseline="0" dirty="0" err="1" smtClean="0"/>
+              <a:t>coffeeScript</a:t>
+            </a:r>
+            <a:r>
+              <a:rPr lang="en-US" baseline="0" dirty="0" smtClean="0"/>
+              <a:t> file</a:t>
+            </a:r>
+            <a:endParaRPr lang="en-US" dirty="0"/>
+          </a:p>
+        </p:txBody>
+      </p:sp>
+      <p:sp>
+        <p:nvSpPr>
+          <p:cNvPr id="4" name="Slide Number Placeholder 3"/>
+          <p:cNvSpPr>
+            <a:spLocks noGrp="1"/>
+          </p:cNvSpPr>
+          <p:nvPr>
+            <p:ph type="sldNum" sz="quarter" idx="10"/>
+          </p:nvPr>
+        </p:nvSpPr>
+        <p:spPr/>
+        <p:txBody>
+          <a:bodyPr/>
+          <a:lstStyle/>
+          <a:p>
+            <a:fld id="{32B1E7F8-77C5-4D32-B0D8-AF9F13EB2910}" type="slidenum">
+              <a:rPr lang="en-US" smtClean="0"/>
+              <a:t>6</a:t>
+            </a:fld>
+            <a:endParaRPr lang="en-US"/>
+          </a:p>
+        </p:txBody>
+      </p:sp>
+    </p:spTree>
+    <p:extLst>
+      <p:ext uri="{BB962C8B-B14F-4D97-AF65-F5344CB8AC3E}">
+        <p14:creationId xmlns:p14="http://schemas.microsoft.com/office/powerpoint/2010/main" val="4051617643"/>
+      </p:ext>
+    </p:extLst>
+  </p:cSld>
+  <p:clrMapOvr>
+    <a:masterClrMapping/>
+  </p:clrMapOvr>
+</p:notes>
+</file>
+
+<file path=ppt/notesSlides/notesSlide4.xml><?xml version="1.0" encoding="utf-8"?>
 <p:notes xmlns:a="http://schemas.openxmlformats.org/drawingml/2006/main" xmlns:r="http://schemas.openxmlformats.org/officeDocument/2006/relationships" xmlns:p="http://schemas.openxmlformats.org/presentationml/2006/main">
   <p:cSld>
     <p:spTree>
@@ -4171,32 +4309,18 @@
           <a:p>
             <a:r>
               <a:rPr lang="en-US" dirty="0" smtClean="0"/>
-              <a:t>Local Software </a:t>
-            </a:r>
+              <a:t>.NET Developer </a:t>
+            </a:r>
+            <a:endParaRPr lang="en-US" dirty="0" smtClean="0"/>
+          </a:p>
+          <a:p>
             <a:r>
               <a:rPr lang="en-US" dirty="0" smtClean="0"/>
-              <a:t>Developer </a:t>
-            </a:r>
-            <a:endParaRPr lang="en-US" dirty="0" smtClean="0"/>
-          </a:p>
-          <a:p>
-            <a:r>
-              <a:rPr lang="en-US" dirty="0" smtClean="0"/>
-              <a:t>Author</a:t>
-            </a:r>
-            <a:r>
-              <a:rPr lang="en-US" dirty="0" smtClean="0"/>
-              <a:t>: </a:t>
+              <a:t>Author: </a:t>
             </a:r>
             <a:r>
               <a:rPr lang="en-US" i="1" dirty="0" smtClean="0"/>
               <a:t>Pro Agile .NET Development with Scrum</a:t>
-            </a:r>
-          </a:p>
-          <a:p>
-            <a:r>
-              <a:rPr lang="en-US" dirty="0" smtClean="0"/>
-              <a:t>.NET Developer</a:t>
             </a:r>
           </a:p>
           <a:p>
@@ -7558,7 +7682,7 @@
   <a:extraClrSchemeLst/>
   <a:extLst>
     <a:ext uri="{05A4C25C-085E-4340-85A3-A5531E510DB2}">
-      <thm15:themeFamily xmlns:thm15="http://schemas.microsoft.com/office/thememl/2012/main" xmlns="" name="Office Theme" id="{62F939B6-93AF-4DB8-9C6B-D6C7DFDC589F}" vid="{4A3C46E8-61CC-4603-A589-7422A47A8E4A}"/>
+      <thm15:themeFamily xmlns:thm15="http://schemas.microsoft.com/office/thememl/2012/main" name="Office Theme" id="{62F939B6-93AF-4DB8-9C6B-D6C7DFDC589F}" vid="{4A3C46E8-61CC-4603-A589-7422A47A8E4A}"/>
     </a:ext>
   </a:extLst>
 </a:theme>

--- a/HavingYourCoffee/CONDG_Lightning2013/Having_Your_Coffee.pptx
+++ b/HavingYourCoffee/CONDG_Lightning2013/Having_Your_Coffee.pptx
@@ -5,19 +5,21 @@
     <p:sldMasterId id="2147483648" r:id="rId1"/>
   </p:sldMasterIdLst>
   <p:notesMasterIdLst>
-    <p:notesMasterId r:id="rId12"/>
+    <p:notesMasterId r:id="rId14"/>
   </p:notesMasterIdLst>
   <p:sldIdLst>
     <p:sldId id="256" r:id="rId2"/>
     <p:sldId id="257" r:id="rId3"/>
     <p:sldId id="261" r:id="rId4"/>
-    <p:sldId id="262" r:id="rId5"/>
-    <p:sldId id="263" r:id="rId6"/>
-    <p:sldId id="264" r:id="rId7"/>
-    <p:sldId id="265" r:id="rId8"/>
-    <p:sldId id="266" r:id="rId9"/>
-    <p:sldId id="258" r:id="rId10"/>
-    <p:sldId id="259" r:id="rId11"/>
+    <p:sldId id="267" r:id="rId5"/>
+    <p:sldId id="268" r:id="rId6"/>
+    <p:sldId id="269" r:id="rId7"/>
+    <p:sldId id="263" r:id="rId8"/>
+    <p:sldId id="264" r:id="rId9"/>
+    <p:sldId id="265" r:id="rId10"/>
+    <p:sldId id="266" r:id="rId11"/>
+    <p:sldId id="258" r:id="rId12"/>
+    <p:sldId id="259" r:id="rId13"/>
   </p:sldIdLst>
   <p:sldSz cx="9144000" cy="6858000" type="screen4x3"/>
   <p:notesSz cx="6858000" cy="9144000"/>
@@ -217,7 +219,7 @@
           <a:p>
             <a:fld id="{96511FE2-A61B-45CC-B210-C390F4E9F222}" type="datetimeFigureOut">
               <a:rPr lang="en-US" smtClean="0"/>
-              <a:t>7/25/2013</a:t>
+              <a:t>8/28/2013</a:t>
             </a:fld>
             <a:endParaRPr lang="en-US"/>
           </a:p>
@@ -529,27 +531,81 @@
           <a:bodyPr/>
           <a:lstStyle/>
           <a:p>
+            <a:pPr marL="0" marR="0" indent="0" algn="l" defTabSz="914400" rtl="0" eaLnBrk="1" fontAlgn="auto" latinLnBrk="0" hangingPunct="1">
+              <a:lnSpc>
+                <a:spcPct val="100000"/>
+              </a:lnSpc>
+              <a:spcBef>
+                <a:spcPts val="0"/>
+              </a:spcBef>
+              <a:spcAft>
+                <a:spcPts val="0"/>
+              </a:spcAft>
+              <a:buClrTx/>
+              <a:buSzTx/>
+              <a:buFontTx/>
+              <a:buNone/>
+              <a:tabLst/>
+              <a:defRPr/>
+            </a:pPr>
+            <a:r>
+              <a:rPr lang="en-US" baseline="0" dirty="0" smtClean="0"/>
+              <a:t>Written in CoffeeScript using the </a:t>
+            </a:r>
+            <a:r>
+              <a:rPr lang="en-US" baseline="0" dirty="0" err="1" smtClean="0"/>
+              <a:t>jison</a:t>
+            </a:r>
+            <a:r>
+              <a:rPr lang="en-US" baseline="0" dirty="0" smtClean="0"/>
+              <a:t> parser generator</a:t>
+            </a:r>
+            <a:endParaRPr lang="en-US" dirty="0" smtClean="0"/>
+          </a:p>
+          <a:p>
+            <a:endParaRPr lang="en-US" dirty="0" smtClean="0"/>
+          </a:p>
+          <a:p>
             <a:r>
               <a:rPr lang="en-US" dirty="0" smtClean="0"/>
-              <a:t>No interpretation at runtime</a:t>
-            </a:r>
-          </a:p>
-          <a:p>
+              <a:t>No </a:t>
+            </a:r>
             <a:r>
               <a:rPr lang="en-US" dirty="0" smtClean="0"/>
-              <a:t>Passes through</a:t>
-            </a:r>
+              <a:t>interpretation at </a:t>
+            </a:r>
+            <a:r>
+              <a:rPr lang="en-US" dirty="0" smtClean="0"/>
+              <a:t>runtime</a:t>
+            </a:r>
+          </a:p>
+          <a:p>
+            <a:endParaRPr lang="en-US" dirty="0" smtClean="0"/>
+          </a:p>
+          <a:p>
             <a:r>
               <a:rPr lang="en-US" baseline="0" dirty="0" smtClean="0"/>
-              <a:t> JavaScript Line without warnings</a:t>
-            </a:r>
-          </a:p>
-          <a:p>
+              <a:t>Tends </a:t>
+            </a:r>
             <a:r>
               <a:rPr lang="en-US" baseline="0" dirty="0" smtClean="0"/>
-              <a:t>Tends to run faster than handwritten JavaScript</a:t>
-            </a:r>
-            <a:endParaRPr lang="en-US" dirty="0"/>
+              <a:t>to run </a:t>
+            </a:r>
+            <a:r>
+              <a:rPr lang="en-US" baseline="0" dirty="0" smtClean="0"/>
+              <a:t>faster </a:t>
+            </a:r>
+            <a:r>
+              <a:rPr lang="en-US" baseline="0" dirty="0" smtClean="0"/>
+              <a:t>than handwritten </a:t>
+            </a:r>
+            <a:r>
+              <a:rPr lang="en-US" baseline="0" dirty="0" smtClean="0"/>
+              <a:t>JavaScript</a:t>
+            </a:r>
+          </a:p>
+          <a:p>
+            <a:endParaRPr lang="en-US" baseline="0" dirty="0" smtClean="0"/>
           </a:p>
         </p:txBody>
       </p:sp>
@@ -728,6 +784,9 @@
               </a:rPr>
               <a:t>window</a:t>
             </a:r>
+            <a:endParaRPr lang="en-US" dirty="0" smtClean="0"/>
+          </a:p>
+          <a:p>
             <a:endParaRPr lang="en-US" dirty="0"/>
           </a:p>
         </p:txBody>
@@ -749,7 +808,7 @@
           <a:p>
             <a:fld id="{32B1E7F8-77C5-4D32-B0D8-AF9F13EB2910}" type="slidenum">
               <a:rPr lang="en-US" smtClean="0"/>
-              <a:t>4</a:t>
+              <a:t>6</a:t>
             </a:fld>
             <a:endParaRPr lang="en-US"/>
           </a:p>
@@ -758,7 +817,7 @@
     </p:spTree>
     <p:extLst>
       <p:ext uri="{BB962C8B-B14F-4D97-AF65-F5344CB8AC3E}">
-        <p14:creationId xmlns:p14="http://schemas.microsoft.com/office/powerpoint/2010/main" val="2037053318"/>
+        <p14:creationId xmlns:p14="http://schemas.microsoft.com/office/powerpoint/2010/main" val="636586768"/>
       </p:ext>
     </p:extLst>
   </p:cSld>
@@ -829,15 +888,7 @@
           <a:p>
             <a:r>
               <a:rPr lang="en-US" baseline="0" dirty="0" smtClean="0"/>
-              <a:t>Can we debug </a:t>
-            </a:r>
-            <a:r>
-              <a:rPr lang="en-US" baseline="0" dirty="0" err="1" smtClean="0"/>
-              <a:t>CoffeeScript</a:t>
-            </a:r>
-            <a:r>
-              <a:rPr lang="en-US" baseline="0" dirty="0" smtClean="0"/>
-              <a:t> inside </a:t>
+              <a:t>Can we debug CoffeeScript inside </a:t>
             </a:r>
             <a:r>
               <a:rPr lang="en-US" baseline="0" dirty="0" err="1" smtClean="0"/>
@@ -887,7 +938,7 @@
           <a:p>
             <a:fld id="{32B1E7F8-77C5-4D32-B0D8-AF9F13EB2910}" type="slidenum">
               <a:rPr lang="en-US" smtClean="0"/>
-              <a:t>6</a:t>
+              <a:t>8</a:t>
             </a:fld>
             <a:endParaRPr lang="en-US"/>
           </a:p>
@@ -971,7 +1022,7 @@
           <a:p>
             <a:fld id="{32B1E7F8-77C5-4D32-B0D8-AF9F13EB2910}" type="slidenum">
               <a:rPr lang="en-US" smtClean="0"/>
-              <a:t>9</a:t>
+              <a:t>11</a:t>
             </a:fld>
             <a:endParaRPr lang="en-US"/>
           </a:p>
@@ -1171,7 +1222,7 @@
           <a:p>
             <a:fld id="{7B7338AB-7A8F-4BF5-96DA-F3029945E2E3}" type="datetimeFigureOut">
               <a:rPr lang="en-US" smtClean="0"/>
-              <a:t>7/25/2013</a:t>
+              <a:t>8/28/2013</a:t>
             </a:fld>
             <a:endParaRPr lang="en-US"/>
           </a:p>
@@ -1341,7 +1392,7 @@
           <a:p>
             <a:fld id="{7B7338AB-7A8F-4BF5-96DA-F3029945E2E3}" type="datetimeFigureOut">
               <a:rPr lang="en-US" smtClean="0"/>
-              <a:t>7/25/2013</a:t>
+              <a:t>8/28/2013</a:t>
             </a:fld>
             <a:endParaRPr lang="en-US"/>
           </a:p>
@@ -1521,7 +1572,7 @@
           <a:p>
             <a:fld id="{7B7338AB-7A8F-4BF5-96DA-F3029945E2E3}" type="datetimeFigureOut">
               <a:rPr lang="en-US" smtClean="0"/>
-              <a:t>7/25/2013</a:t>
+              <a:t>8/28/2013</a:t>
             </a:fld>
             <a:endParaRPr lang="en-US"/>
           </a:p>
@@ -1691,7 +1742,7 @@
           <a:p>
             <a:fld id="{7B7338AB-7A8F-4BF5-96DA-F3029945E2E3}" type="datetimeFigureOut">
               <a:rPr lang="en-US" smtClean="0"/>
-              <a:t>7/25/2013</a:t>
+              <a:t>8/28/2013</a:t>
             </a:fld>
             <a:endParaRPr lang="en-US"/>
           </a:p>
@@ -1937,7 +1988,7 @@
           <a:p>
             <a:fld id="{7B7338AB-7A8F-4BF5-96DA-F3029945E2E3}" type="datetimeFigureOut">
               <a:rPr lang="en-US" smtClean="0"/>
-              <a:t>7/25/2013</a:t>
+              <a:t>8/28/2013</a:t>
             </a:fld>
             <a:endParaRPr lang="en-US"/>
           </a:p>
@@ -2225,7 +2276,7 @@
           <a:p>
             <a:fld id="{7B7338AB-7A8F-4BF5-96DA-F3029945E2E3}" type="datetimeFigureOut">
               <a:rPr lang="en-US" smtClean="0"/>
-              <a:t>7/25/2013</a:t>
+              <a:t>8/28/2013</a:t>
             </a:fld>
             <a:endParaRPr lang="en-US"/>
           </a:p>
@@ -2647,7 +2698,7 @@
           <a:p>
             <a:fld id="{7B7338AB-7A8F-4BF5-96DA-F3029945E2E3}" type="datetimeFigureOut">
               <a:rPr lang="en-US" smtClean="0"/>
-              <a:t>7/25/2013</a:t>
+              <a:t>8/28/2013</a:t>
             </a:fld>
             <a:endParaRPr lang="en-US"/>
           </a:p>
@@ -2765,7 +2816,7 @@
           <a:p>
             <a:fld id="{7B7338AB-7A8F-4BF5-96DA-F3029945E2E3}" type="datetimeFigureOut">
               <a:rPr lang="en-US" smtClean="0"/>
-              <a:t>7/25/2013</a:t>
+              <a:t>8/28/2013</a:t>
             </a:fld>
             <a:endParaRPr lang="en-US"/>
           </a:p>
@@ -2860,7 +2911,7 @@
           <a:p>
             <a:fld id="{7B7338AB-7A8F-4BF5-96DA-F3029945E2E3}" type="datetimeFigureOut">
               <a:rPr lang="en-US" smtClean="0"/>
-              <a:t>7/25/2013</a:t>
+              <a:t>8/28/2013</a:t>
             </a:fld>
             <a:endParaRPr lang="en-US"/>
           </a:p>
@@ -3137,7 +3188,7 @@
           <a:p>
             <a:fld id="{7B7338AB-7A8F-4BF5-96DA-F3029945E2E3}" type="datetimeFigureOut">
               <a:rPr lang="en-US" smtClean="0"/>
-              <a:t>7/25/2013</a:t>
+              <a:t>8/28/2013</a:t>
             </a:fld>
             <a:endParaRPr lang="en-US"/>
           </a:p>
@@ -3390,7 +3441,7 @@
           <a:p>
             <a:fld id="{7B7338AB-7A8F-4BF5-96DA-F3029945E2E3}" type="datetimeFigureOut">
               <a:rPr lang="en-US" smtClean="0"/>
-              <a:t>7/25/2013</a:t>
+              <a:t>8/28/2013</a:t>
             </a:fld>
             <a:endParaRPr lang="en-US"/>
           </a:p>
@@ -3603,7 +3654,7 @@
           <a:p>
             <a:fld id="{7B7338AB-7A8F-4BF5-96DA-F3029945E2E3}" type="datetimeFigureOut">
               <a:rPr lang="en-US" smtClean="0"/>
-              <a:t>7/25/2013</a:t>
+              <a:t>8/28/2013</a:t>
             </a:fld>
             <a:endParaRPr lang="en-US"/>
           </a:p>
@@ -4112,39 +4163,249 @@
             <a:spLocks noGrp="1"/>
           </p:cNvSpPr>
           <p:nvPr>
-            <p:ph type="title"/>
-          </p:nvPr>
-        </p:nvSpPr>
-        <p:spPr/>
-        <p:txBody>
-          <a:bodyPr/>
-          <a:lstStyle/>
-          <a:p>
-            <a:r>
-              <a:rPr lang="en-US" dirty="0" smtClean="0"/>
-              <a:t>Links</a:t>
-            </a:r>
-            <a:endParaRPr lang="en-US" dirty="0"/>
-          </a:p>
-        </p:txBody>
-      </p:sp>
-      <p:sp>
-        <p:nvSpPr>
-          <p:cNvPr id="3" name="Content Placeholder 2"/>
-          <p:cNvSpPr>
-            <a:spLocks noGrp="1"/>
-          </p:cNvSpPr>
-          <p:nvPr>
-            <p:ph idx="1"/>
-          </p:nvPr>
-        </p:nvSpPr>
-        <p:spPr/>
+            <p:ph type="ctrTitle"/>
+          </p:nvPr>
+        </p:nvSpPr>
+        <p:spPr>
+          <a:xfrm>
+            <a:off x="685800" y="2130425"/>
+            <a:ext cx="7772400" cy="3432175"/>
+          </a:xfrm>
+        </p:spPr>
         <p:txBody>
           <a:bodyPr>
             <a:normAutofit/>
           </a:bodyPr>
           <a:lstStyle/>
           <a:p>
+            <a:r>
+              <a:rPr lang="en-US" sz="12000" dirty="0" smtClean="0"/>
+              <a:t>?</a:t>
+            </a:r>
+            <a:endParaRPr lang="en-US" sz="12000" dirty="0"/>
+          </a:p>
+        </p:txBody>
+      </p:sp>
+      <p:sp>
+        <p:nvSpPr>
+          <p:cNvPr id="3" name="Subtitle 2"/>
+          <p:cNvSpPr>
+            <a:spLocks noGrp="1"/>
+          </p:cNvSpPr>
+          <p:nvPr>
+            <p:ph type="subTitle" idx="1"/>
+          </p:nvPr>
+        </p:nvSpPr>
+        <p:spPr/>
+        <p:txBody>
+          <a:bodyPr/>
+          <a:lstStyle/>
+          <a:p>
+            <a:endParaRPr lang="en-US"/>
+          </a:p>
+        </p:txBody>
+      </p:sp>
+    </p:spTree>
+    <p:extLst>
+      <p:ext uri="{BB962C8B-B14F-4D97-AF65-F5344CB8AC3E}">
+        <p14:creationId xmlns:p14="http://schemas.microsoft.com/office/powerpoint/2010/main" val="187157294"/>
+      </p:ext>
+    </p:extLst>
+  </p:cSld>
+  <p:clrMapOvr>
+    <a:masterClrMapping/>
+  </p:clrMapOvr>
+  <p:transition spd="slow">
+    <p:push dir="u"/>
+  </p:transition>
+  <p:timing>
+    <p:tnLst>
+      <p:par>
+        <p:cTn id="1" dur="indefinite" restart="never" nodeType="tmRoot"/>
+      </p:par>
+    </p:tnLst>
+  </p:timing>
+</p:sld>
+</file>
+
+<file path=ppt/slides/slide11.xml><?xml version="1.0" encoding="utf-8"?>
+<p:sld xmlns:a="http://schemas.openxmlformats.org/drawingml/2006/main" xmlns:r="http://schemas.openxmlformats.org/officeDocument/2006/relationships" xmlns:p="http://schemas.openxmlformats.org/presentationml/2006/main">
+  <p:cSld>
+    <p:spTree>
+      <p:nvGrpSpPr>
+        <p:cNvPr id="1" name=""/>
+        <p:cNvGrpSpPr/>
+        <p:nvPr/>
+      </p:nvGrpSpPr>
+      <p:grpSpPr>
+        <a:xfrm>
+          <a:off x="0" y="0"/>
+          <a:ext cx="0" cy="0"/>
+          <a:chOff x="0" y="0"/>
+          <a:chExt cx="0" cy="0"/>
+        </a:xfrm>
+      </p:grpSpPr>
+      <p:sp>
+        <p:nvSpPr>
+          <p:cNvPr id="2" name="Title 1"/>
+          <p:cNvSpPr>
+            <a:spLocks noGrp="1"/>
+          </p:cNvSpPr>
+          <p:nvPr>
+            <p:ph type="title"/>
+          </p:nvPr>
+        </p:nvSpPr>
+        <p:spPr/>
+        <p:txBody>
+          <a:bodyPr>
+            <a:normAutofit fontScale="90000"/>
+          </a:bodyPr>
+          <a:lstStyle/>
+          <a:p>
+            <a:r>
+              <a:rPr lang="en-US" dirty="0" smtClean="0"/>
+              <a:t>Pro Agile .NET Development with Scrum</a:t>
+            </a:r>
+            <a:endParaRPr lang="en-US" dirty="0"/>
+          </a:p>
+        </p:txBody>
+      </p:sp>
+      <p:pic>
+        <p:nvPicPr>
+          <p:cNvPr id="4" name="Content Placeholder 3" descr="Screen Shot 2011-10-22 at 9.08.29 AM.png"/>
+          <p:cNvPicPr>
+            <a:picLocks noGrp="1" noChangeAspect="1"/>
+          </p:cNvPicPr>
+          <p:nvPr>
+            <p:ph idx="1"/>
+          </p:nvPr>
+        </p:nvPicPr>
+        <p:blipFill>
+          <a:blip r:embed="rId3">
+            <a:extLst>
+              <a:ext uri="{28A0092B-C50C-407E-A947-70E740481C1C}">
+                <a14:useLocalDpi xmlns:a14="http://schemas.microsoft.com/office/drawing/2010/main" val="0"/>
+              </a:ext>
+            </a:extLst>
+          </a:blip>
+          <a:srcRect l="-88527" r="-88527"/>
+          <a:stretch>
+            <a:fillRect/>
+          </a:stretch>
+        </p:blipFill>
+        <p:spPr>
+          <a:xfrm>
+            <a:off x="457200" y="1676400"/>
+            <a:ext cx="8458200" cy="4343400"/>
+          </a:xfrm>
+        </p:spPr>
+      </p:pic>
+      <p:sp>
+        <p:nvSpPr>
+          <p:cNvPr id="3" name="Footer Placeholder 2"/>
+          <p:cNvSpPr>
+            <a:spLocks noGrp="1"/>
+          </p:cNvSpPr>
+          <p:nvPr>
+            <p:ph type="ftr" sz="quarter" idx="11"/>
+          </p:nvPr>
+        </p:nvSpPr>
+        <p:spPr/>
+        <p:txBody>
+          <a:bodyPr/>
+          <a:lstStyle/>
+          <a:p>
+            <a:r>
+              <a:rPr lang="en-US" sz="2000" dirty="0">
+                <a:solidFill>
+                  <a:srgbClr val="0070C0"/>
+                </a:solidFill>
+              </a:rPr>
+              <a:t>http://amzn.to/1aMYF24</a:t>
+            </a:r>
+          </a:p>
+        </p:txBody>
+      </p:sp>
+    </p:spTree>
+    <p:extLst>
+      <p:ext uri="{BB962C8B-B14F-4D97-AF65-F5344CB8AC3E}">
+        <p14:creationId xmlns:p14="http://schemas.microsoft.com/office/powerpoint/2010/main" val="4255520598"/>
+      </p:ext>
+    </p:extLst>
+  </p:cSld>
+  <p:clrMapOvr>
+    <a:masterClrMapping/>
+  </p:clrMapOvr>
+  <p:transition spd="slow">
+    <p:push dir="u"/>
+  </p:transition>
+  <p:timing>
+    <p:tnLst>
+      <p:par>
+        <p:cTn id="1" dur="indefinite" restart="never" nodeType="tmRoot"/>
+      </p:par>
+    </p:tnLst>
+  </p:timing>
+</p:sld>
+</file>
+
+<file path=ppt/slides/slide12.xml><?xml version="1.0" encoding="utf-8"?>
+<p:sld xmlns:a="http://schemas.openxmlformats.org/drawingml/2006/main" xmlns:r="http://schemas.openxmlformats.org/officeDocument/2006/relationships" xmlns:p="http://schemas.openxmlformats.org/presentationml/2006/main">
+  <p:cSld>
+    <p:spTree>
+      <p:nvGrpSpPr>
+        <p:cNvPr id="1" name=""/>
+        <p:cNvGrpSpPr/>
+        <p:nvPr/>
+      </p:nvGrpSpPr>
+      <p:grpSpPr>
+        <a:xfrm>
+          <a:off x="0" y="0"/>
+          <a:ext cx="0" cy="0"/>
+          <a:chOff x="0" y="0"/>
+          <a:chExt cx="0" cy="0"/>
+        </a:xfrm>
+      </p:grpSpPr>
+      <p:sp>
+        <p:nvSpPr>
+          <p:cNvPr id="2" name="Title 1"/>
+          <p:cNvSpPr>
+            <a:spLocks noGrp="1"/>
+          </p:cNvSpPr>
+          <p:nvPr>
+            <p:ph type="title"/>
+          </p:nvPr>
+        </p:nvSpPr>
+        <p:spPr/>
+        <p:txBody>
+          <a:bodyPr/>
+          <a:lstStyle/>
+          <a:p>
+            <a:r>
+              <a:rPr lang="en-US" dirty="0" smtClean="0"/>
+              <a:t>Links</a:t>
+            </a:r>
+            <a:endParaRPr lang="en-US" dirty="0"/>
+          </a:p>
+        </p:txBody>
+      </p:sp>
+      <p:sp>
+        <p:nvSpPr>
+          <p:cNvPr id="3" name="Content Placeholder 2"/>
+          <p:cNvSpPr>
+            <a:spLocks noGrp="1"/>
+          </p:cNvSpPr>
+          <p:nvPr>
+            <p:ph idx="1"/>
+          </p:nvPr>
+        </p:nvSpPr>
+        <p:spPr/>
+        <p:txBody>
+          <a:bodyPr>
+            <a:normAutofit/>
+          </a:bodyPr>
+          <a:lstStyle/>
+          <a:p>
             <a:pPr marL="0" indent="0" algn="ctr">
               <a:buNone/>
             </a:pPr>
@@ -4216,11 +4477,11 @@
               <a:buNone/>
             </a:pPr>
             <a:r>
-              <a:rPr lang="en-US" sz="2400" smtClean="0"/>
+              <a:rPr lang="en-US" sz="2400" dirty="0" smtClean="0"/>
               <a:t>Slides &amp; Code: </a:t>
             </a:r>
             <a:r>
-              <a:rPr lang="en-US" sz="2400" smtClean="0">
+              <a:rPr lang="en-US" sz="2400" dirty="0" smtClean="0">
                 <a:hlinkClick r:id="rId6"/>
               </a:rPr>
               <a:t>https://github.com/jerrelblankenship/Presentations/</a:t>
@@ -4316,6 +4577,13 @@
           <a:p>
             <a:r>
               <a:rPr lang="en-US" dirty="0" smtClean="0"/>
+              <a:t>Aspiring Craftsman</a:t>
+            </a:r>
+            <a:endParaRPr lang="en-US" dirty="0" smtClean="0"/>
+          </a:p>
+          <a:p>
+            <a:r>
+              <a:rPr lang="en-US" dirty="0" smtClean="0"/>
               <a:t>Author: </a:t>
             </a:r>
             <a:r>
@@ -4326,11 +4594,7 @@
           <a:p>
             <a:r>
               <a:rPr lang="en-US" i="1" dirty="0" smtClean="0"/>
-              <a:t>Cleveland </a:t>
-            </a:r>
-            <a:r>
-              <a:rPr lang="en-US" i="1" dirty="0" smtClean="0"/>
-              <a:t>Sports Fan</a:t>
+              <a:t>Cleveland Sports Fan</a:t>
             </a:r>
           </a:p>
           <a:p>
@@ -4417,20 +4681,45 @@
         </p:nvSpPr>
         <p:spPr/>
         <p:txBody>
-          <a:bodyPr/>
+          <a:bodyPr>
+            <a:normAutofit/>
+          </a:bodyPr>
           <a:lstStyle/>
           <a:p>
             <a:r>
               <a:rPr lang="en-US" dirty="0" smtClean="0"/>
-              <a:t>A way to expose the good parts of JavaScript</a:t>
+              <a:t>Web Language</a:t>
             </a:r>
           </a:p>
           <a:p>
             <a:pPr lvl="1"/>
             <a:r>
               <a:rPr lang="en-US" dirty="0" smtClean="0"/>
-              <a:t>In a simple way</a:t>
-            </a:r>
+              <a:t>Written in CoffeeScript</a:t>
+            </a:r>
+            <a:endParaRPr lang="en-US" dirty="0" smtClean="0"/>
+          </a:p>
+          <a:p>
+            <a:r>
+              <a:rPr lang="en-US" dirty="0" smtClean="0"/>
+              <a:t>A </a:t>
+            </a:r>
+            <a:r>
+              <a:rPr lang="en-US" dirty="0" smtClean="0"/>
+              <a:t>way to expose the good parts of JavaScript</a:t>
+            </a:r>
+          </a:p>
+          <a:p>
+            <a:pPr lvl="1"/>
+            <a:r>
+              <a:rPr lang="en-US" dirty="0" smtClean="0"/>
+              <a:t>In a simple </a:t>
+            </a:r>
+            <a:r>
+              <a:rPr lang="en-US" dirty="0" smtClean="0"/>
+              <a:t>way and more maintainable way</a:t>
+            </a:r>
+            <a:endParaRPr lang="en-US" dirty="0" smtClean="0"/>
           </a:p>
           <a:p>
             <a:r>
@@ -4442,8 +4731,28 @@
             <a:pPr lvl="1"/>
             <a:r>
               <a:rPr lang="en-US" dirty="0" smtClean="0"/>
-              <a:t>1 to 1 compilation into equivalent JavaScript</a:t>
-            </a:r>
+              <a:t>1 to 1 compilation into equivalent </a:t>
+            </a:r>
+            <a:r>
+              <a:rPr lang="en-US" dirty="0" smtClean="0"/>
+              <a:t>JavaScript</a:t>
+            </a:r>
+          </a:p>
+          <a:p>
+            <a:pPr lvl="1"/>
+            <a:r>
+              <a:rPr lang="en-US" dirty="0" smtClean="0"/>
+              <a:t>Will pass through </a:t>
+            </a:r>
+            <a:r>
+              <a:rPr lang="en-US" dirty="0" err="1" smtClean="0"/>
+              <a:t>jsLint</a:t>
+            </a:r>
+            <a:r>
+              <a:rPr lang="en-US" dirty="0" smtClean="0"/>
+              <a:t> with no errors</a:t>
+            </a:r>
+            <a:endParaRPr lang="en-US" dirty="0" smtClean="0"/>
           </a:p>
           <a:p>
             <a:r>
@@ -4511,6 +4820,55 @@
                                         <p:tgtEl>
                                           <p:spTgt spid="3">
                                             <p:txEl>
+                                              <p:pRg st="2" end="2"/>
+                                            </p:txEl>
+                                          </p:spTgt>
+                                        </p:tgtEl>
+                                        <p:attrNameLst>
+                                          <p:attrName>style.visibility</p:attrName>
+                                        </p:attrNameLst>
+                                      </p:cBhvr>
+                                      <p:to>
+                                        <p:strVal val="visible"/>
+                                      </p:to>
+                                    </p:set>
+                                  </p:childTnLst>
+                                </p:cTn>
+                              </p:par>
+                            </p:childTnLst>
+                          </p:cTn>
+                        </p:par>
+                      </p:childTnLst>
+                    </p:cTn>
+                  </p:par>
+                  <p:par>
+                    <p:cTn id="7" fill="hold">
+                      <p:stCondLst>
+                        <p:cond delay="indefinite"/>
+                      </p:stCondLst>
+                      <p:childTnLst>
+                        <p:par>
+                          <p:cTn id="8" fill="hold">
+                            <p:stCondLst>
+                              <p:cond delay="0"/>
+                            </p:stCondLst>
+                            <p:childTnLst>
+                              <p:par>
+                                <p:cTn id="9" presetID="1" presetClass="entr" presetSubtype="0" fill="hold" nodeType="clickEffect">
+                                  <p:stCondLst>
+                                    <p:cond delay="0"/>
+                                  </p:stCondLst>
+                                  <p:childTnLst>
+                                    <p:set>
+                                      <p:cBhvr>
+                                        <p:cTn id="10" dur="1" fill="hold">
+                                          <p:stCondLst>
+                                            <p:cond delay="0"/>
+                                          </p:stCondLst>
+                                        </p:cTn>
+                                        <p:tgtEl>
+                                          <p:spTgt spid="3">
+                                            <p:txEl>
                                               <p:pRg st="0" end="0"/>
                                             </p:txEl>
                                           </p:spTgt>
@@ -4526,15 +4884,33 @@
                                   </p:childTnLst>
                                 </p:cTn>
                               </p:par>
+                            </p:childTnLst>
+                          </p:cTn>
+                        </p:par>
+                      </p:childTnLst>
+                    </p:cTn>
+                  </p:par>
+                  <p:par>
+                    <p:cTn id="11" fill="hold">
+                      <p:stCondLst>
+                        <p:cond delay="indefinite"/>
+                      </p:stCondLst>
+                      <p:childTnLst>
+                        <p:par>
+                          <p:cTn id="12" fill="hold">
+                            <p:stCondLst>
+                              <p:cond delay="0"/>
+                            </p:stCondLst>
+                            <p:childTnLst>
                               <p:par>
-                                <p:cTn id="7" presetID="1" presetClass="entr" presetSubtype="0" fill="hold" nodeType="withEffect">
+                                <p:cTn id="13" presetID="1" presetClass="entr" presetSubtype="0" fill="hold" nodeType="clickEffect">
                                   <p:stCondLst>
                                     <p:cond delay="0"/>
                                   </p:stCondLst>
                                   <p:childTnLst>
                                     <p:set>
                                       <p:cBhvr>
-                                        <p:cTn id="8" dur="1" fill="hold">
+                                        <p:cTn id="14" dur="1" fill="hold">
                                           <p:stCondLst>
                                             <p:cond delay="0"/>
                                           </p:stCondLst>
@@ -4557,111 +4933,8 @@
                                   </p:childTnLst>
                                 </p:cTn>
                               </p:par>
-                            </p:childTnLst>
-                          </p:cTn>
-                        </p:par>
-                      </p:childTnLst>
-                    </p:cTn>
-                  </p:par>
-                  <p:par>
-                    <p:cTn id="9" fill="hold">
-                      <p:stCondLst>
-                        <p:cond delay="indefinite"/>
-                      </p:stCondLst>
-                      <p:childTnLst>
-                        <p:par>
-                          <p:cTn id="10" fill="hold">
-                            <p:stCondLst>
-                              <p:cond delay="0"/>
-                            </p:stCondLst>
-                            <p:childTnLst>
                               <p:par>
-                                <p:cTn id="11" presetID="2" presetClass="entr" presetSubtype="4" fill="hold" nodeType="clickEffect">
-                                  <p:stCondLst>
-                                    <p:cond delay="0"/>
-                                  </p:stCondLst>
-                                  <p:childTnLst>
-                                    <p:set>
-                                      <p:cBhvr>
-                                        <p:cTn id="12" dur="1" fill="hold">
-                                          <p:stCondLst>
-                                            <p:cond delay="0"/>
-                                          </p:stCondLst>
-                                        </p:cTn>
-                                        <p:tgtEl>
-                                          <p:spTgt spid="3">
-                                            <p:txEl>
-                                              <p:pRg st="2" end="2"/>
-                                            </p:txEl>
-                                          </p:spTgt>
-                                        </p:tgtEl>
-                                        <p:attrNameLst>
-                                          <p:attrName>style.visibility</p:attrName>
-                                        </p:attrNameLst>
-                                      </p:cBhvr>
-                                      <p:to>
-                                        <p:strVal val="visible"/>
-                                      </p:to>
-                                    </p:set>
-                                    <p:anim calcmode="lin" valueType="num">
-                                      <p:cBhvr additive="base">
-                                        <p:cTn id="13" dur="500" fill="hold"/>
-                                        <p:tgtEl>
-                                          <p:spTgt spid="3">
-                                            <p:txEl>
-                                              <p:pRg st="2" end="2"/>
-                                            </p:txEl>
-                                          </p:spTgt>
-                                        </p:tgtEl>
-                                        <p:attrNameLst>
-                                          <p:attrName>ppt_x</p:attrName>
-                                        </p:attrNameLst>
-                                      </p:cBhvr>
-                                      <p:tavLst>
-                                        <p:tav tm="0">
-                                          <p:val>
-                                            <p:strVal val="#ppt_x"/>
-                                          </p:val>
-                                        </p:tav>
-                                        <p:tav tm="100000">
-                                          <p:val>
-                                            <p:strVal val="#ppt_x"/>
-                                          </p:val>
-                                        </p:tav>
-                                      </p:tavLst>
-                                    </p:anim>
-                                    <p:anim calcmode="lin" valueType="num">
-                                      <p:cBhvr additive="base">
-                                        <p:cTn id="14" dur="500" fill="hold"/>
-                                        <p:tgtEl>
-                                          <p:spTgt spid="3">
-                                            <p:txEl>
-                                              <p:pRg st="2" end="2"/>
-                                            </p:txEl>
-                                          </p:spTgt>
-                                        </p:tgtEl>
-                                        <p:attrNameLst>
-                                          <p:attrName>ppt_y</p:attrName>
-                                        </p:attrNameLst>
-                                      </p:cBhvr>
-                                      <p:tavLst>
-                                        <p:tav tm="0">
-                                          <p:val>
-                                            <p:strVal val="1+#ppt_h/2"/>
-                                          </p:val>
-                                        </p:tav>
-                                        <p:tav tm="100000">
-                                          <p:val>
-                                            <p:strVal val="#ppt_y"/>
-                                          </p:val>
-                                        </p:tav>
-                                      </p:tavLst>
-                                    </p:anim>
-                                  </p:childTnLst>
-                                </p:cTn>
-                              </p:par>
-                              <p:par>
-                                <p:cTn id="15" presetID="2" presetClass="entr" presetSubtype="4" fill="hold" nodeType="withEffect">
+                                <p:cTn id="15" presetID="1" presetClass="entr" presetSubtype="0" fill="hold" nodeType="withEffect">
                                   <p:stCondLst>
                                     <p:cond delay="0"/>
                                   </p:stCondLst>
@@ -4688,13 +4961,62 @@
                                         <p:strVal val="visible"/>
                                       </p:to>
                                     </p:set>
-                                    <p:anim calcmode="lin" valueType="num">
-                                      <p:cBhvr additive="base">
-                                        <p:cTn id="17" dur="500" fill="hold"/>
+                                  </p:childTnLst>
+                                </p:cTn>
+                              </p:par>
+                            </p:childTnLst>
+                          </p:cTn>
+                        </p:par>
+                      </p:childTnLst>
+                    </p:cTn>
+                  </p:par>
+                  <p:par>
+                    <p:cTn id="17" fill="hold">
+                      <p:stCondLst>
+                        <p:cond delay="indefinite"/>
+                      </p:stCondLst>
+                      <p:childTnLst>
+                        <p:par>
+                          <p:cTn id="18" fill="hold">
+                            <p:stCondLst>
+                              <p:cond delay="0"/>
+                            </p:stCondLst>
+                            <p:childTnLst>
+                              <p:par>
+                                <p:cTn id="19" presetID="2" presetClass="entr" presetSubtype="4" fill="hold" nodeType="clickEffect">
+                                  <p:stCondLst>
+                                    <p:cond delay="0"/>
+                                  </p:stCondLst>
+                                  <p:childTnLst>
+                                    <p:set>
+                                      <p:cBhvr>
+                                        <p:cTn id="20" dur="1" fill="hold">
+                                          <p:stCondLst>
+                                            <p:cond delay="0"/>
+                                          </p:stCondLst>
+                                        </p:cTn>
                                         <p:tgtEl>
                                           <p:spTgt spid="3">
                                             <p:txEl>
-                                              <p:pRg st="3" end="3"/>
+                                              <p:pRg st="4" end="4"/>
+                                            </p:txEl>
+                                          </p:spTgt>
+                                        </p:tgtEl>
+                                        <p:attrNameLst>
+                                          <p:attrName>style.visibility</p:attrName>
+                                        </p:attrNameLst>
+                                      </p:cBhvr>
+                                      <p:to>
+                                        <p:strVal val="visible"/>
+                                      </p:to>
+                                    </p:set>
+                                    <p:anim calcmode="lin" valueType="num">
+                                      <p:cBhvr additive="base">
+                                        <p:cTn id="21" dur="500" fill="hold"/>
+                                        <p:tgtEl>
+                                          <p:spTgt spid="3">
+                                            <p:txEl>
+                                              <p:pRg st="4" end="4"/>
                                             </p:txEl>
                                           </p:spTgt>
                                         </p:tgtEl>
@@ -4717,11 +5039,181 @@
                                     </p:anim>
                                     <p:anim calcmode="lin" valueType="num">
                                       <p:cBhvr additive="base">
-                                        <p:cTn id="18" dur="500" fill="hold"/>
+                                        <p:cTn id="22" dur="500" fill="hold"/>
                                         <p:tgtEl>
                                           <p:spTgt spid="3">
                                             <p:txEl>
-                                              <p:pRg st="3" end="3"/>
+                                              <p:pRg st="4" end="4"/>
+                                            </p:txEl>
+                                          </p:spTgt>
+                                        </p:tgtEl>
+                                        <p:attrNameLst>
+                                          <p:attrName>ppt_y</p:attrName>
+                                        </p:attrNameLst>
+                                      </p:cBhvr>
+                                      <p:tavLst>
+                                        <p:tav tm="0">
+                                          <p:val>
+                                            <p:strVal val="1+#ppt_h/2"/>
+                                          </p:val>
+                                        </p:tav>
+                                        <p:tav tm="100000">
+                                          <p:val>
+                                            <p:strVal val="#ppt_y"/>
+                                          </p:val>
+                                        </p:tav>
+                                      </p:tavLst>
+                                    </p:anim>
+                                  </p:childTnLst>
+                                </p:cTn>
+                              </p:par>
+                              <p:par>
+                                <p:cTn id="23" presetID="2" presetClass="entr" presetSubtype="4" fill="hold" nodeType="withEffect">
+                                  <p:stCondLst>
+                                    <p:cond delay="0"/>
+                                  </p:stCondLst>
+                                  <p:childTnLst>
+                                    <p:set>
+                                      <p:cBhvr>
+                                        <p:cTn id="24" dur="1" fill="hold">
+                                          <p:stCondLst>
+                                            <p:cond delay="0"/>
+                                          </p:stCondLst>
+                                        </p:cTn>
+                                        <p:tgtEl>
+                                          <p:spTgt spid="3">
+                                            <p:txEl>
+                                              <p:pRg st="5" end="5"/>
+                                            </p:txEl>
+                                          </p:spTgt>
+                                        </p:tgtEl>
+                                        <p:attrNameLst>
+                                          <p:attrName>style.visibility</p:attrName>
+                                        </p:attrNameLst>
+                                      </p:cBhvr>
+                                      <p:to>
+                                        <p:strVal val="visible"/>
+                                      </p:to>
+                                    </p:set>
+                                    <p:anim calcmode="lin" valueType="num">
+                                      <p:cBhvr additive="base">
+                                        <p:cTn id="25" dur="500" fill="hold"/>
+                                        <p:tgtEl>
+                                          <p:spTgt spid="3">
+                                            <p:txEl>
+                                              <p:pRg st="5" end="5"/>
+                                            </p:txEl>
+                                          </p:spTgt>
+                                        </p:tgtEl>
+                                        <p:attrNameLst>
+                                          <p:attrName>ppt_x</p:attrName>
+                                        </p:attrNameLst>
+                                      </p:cBhvr>
+                                      <p:tavLst>
+                                        <p:tav tm="0">
+                                          <p:val>
+                                            <p:strVal val="#ppt_x"/>
+                                          </p:val>
+                                        </p:tav>
+                                        <p:tav tm="100000">
+                                          <p:val>
+                                            <p:strVal val="#ppt_x"/>
+                                          </p:val>
+                                        </p:tav>
+                                      </p:tavLst>
+                                    </p:anim>
+                                    <p:anim calcmode="lin" valueType="num">
+                                      <p:cBhvr additive="base">
+                                        <p:cTn id="26" dur="500" fill="hold"/>
+                                        <p:tgtEl>
+                                          <p:spTgt spid="3">
+                                            <p:txEl>
+                                              <p:pRg st="5" end="5"/>
+                                            </p:txEl>
+                                          </p:spTgt>
+                                        </p:tgtEl>
+                                        <p:attrNameLst>
+                                          <p:attrName>ppt_y</p:attrName>
+                                        </p:attrNameLst>
+                                      </p:cBhvr>
+                                      <p:tavLst>
+                                        <p:tav tm="0">
+                                          <p:val>
+                                            <p:strVal val="1+#ppt_h/2"/>
+                                          </p:val>
+                                        </p:tav>
+                                        <p:tav tm="100000">
+                                          <p:val>
+                                            <p:strVal val="#ppt_y"/>
+                                          </p:val>
+                                        </p:tav>
+                                      </p:tavLst>
+                                    </p:anim>
+                                  </p:childTnLst>
+                                </p:cTn>
+                              </p:par>
+                              <p:par>
+                                <p:cTn id="27" presetID="2" presetClass="entr" presetSubtype="4" fill="hold" nodeType="withEffect">
+                                  <p:stCondLst>
+                                    <p:cond delay="0"/>
+                                  </p:stCondLst>
+                                  <p:childTnLst>
+                                    <p:set>
+                                      <p:cBhvr>
+                                        <p:cTn id="28" dur="1" fill="hold">
+                                          <p:stCondLst>
+                                            <p:cond delay="0"/>
+                                          </p:stCondLst>
+                                        </p:cTn>
+                                        <p:tgtEl>
+                                          <p:spTgt spid="3">
+                                            <p:txEl>
+                                              <p:pRg st="6" end="6"/>
+                                            </p:txEl>
+                                          </p:spTgt>
+                                        </p:tgtEl>
+                                        <p:attrNameLst>
+                                          <p:attrName>style.visibility</p:attrName>
+                                        </p:attrNameLst>
+                                      </p:cBhvr>
+                                      <p:to>
+                                        <p:strVal val="visible"/>
+                                      </p:to>
+                                    </p:set>
+                                    <p:anim calcmode="lin" valueType="num">
+                                      <p:cBhvr additive="base">
+                                        <p:cTn id="29" dur="500" fill="hold"/>
+                                        <p:tgtEl>
+                                          <p:spTgt spid="3">
+                                            <p:txEl>
+                                              <p:pRg st="6" end="6"/>
+                                            </p:txEl>
+                                          </p:spTgt>
+                                        </p:tgtEl>
+                                        <p:attrNameLst>
+                                          <p:attrName>ppt_x</p:attrName>
+                                        </p:attrNameLst>
+                                      </p:cBhvr>
+                                      <p:tavLst>
+                                        <p:tav tm="0">
+                                          <p:val>
+                                            <p:strVal val="#ppt_x"/>
+                                          </p:val>
+                                        </p:tav>
+                                        <p:tav tm="100000">
+                                          <p:val>
+                                            <p:strVal val="#ppt_x"/>
+                                          </p:val>
+                                        </p:tav>
+                                      </p:tavLst>
+                                    </p:anim>
+                                    <p:anim calcmode="lin" valueType="num">
+                                      <p:cBhvr additive="base">
+                                        <p:cTn id="30" dur="500" fill="hold"/>
+                                        <p:tgtEl>
+                                          <p:spTgt spid="3">
+                                            <p:txEl>
+                                              <p:pRg st="6" end="6"/>
                                             </p:txEl>
                                           </p:spTgt>
                                         </p:tgtEl>
@@ -4752,26 +5244,26 @@
                     </p:cTn>
                   </p:par>
                   <p:par>
-                    <p:cTn id="19" fill="hold">
+                    <p:cTn id="31" fill="hold">
                       <p:stCondLst>
                         <p:cond delay="indefinite"/>
                       </p:stCondLst>
                       <p:childTnLst>
                         <p:par>
-                          <p:cTn id="20" fill="hold">
+                          <p:cTn id="32" fill="hold">
                             <p:stCondLst>
                               <p:cond delay="0"/>
                             </p:stCondLst>
                             <p:childTnLst>
                               <p:par>
-                                <p:cTn id="21" presetID="2" presetClass="entr" presetSubtype="4" fill="hold" nodeType="clickEffect">
+                                <p:cTn id="33" presetID="2" presetClass="entr" presetSubtype="4" fill="hold" nodeType="clickEffect">
                                   <p:stCondLst>
                                     <p:cond delay="0"/>
                                   </p:stCondLst>
                                   <p:childTnLst>
                                     <p:set>
                                       <p:cBhvr>
-                                        <p:cTn id="22" dur="1" fill="hold">
+                                        <p:cTn id="34" dur="1" fill="hold">
                                           <p:stCondLst>
                                             <p:cond delay="0"/>
                                           </p:stCondLst>
@@ -4779,7 +5271,7 @@
                                         <p:tgtEl>
                                           <p:spTgt spid="3">
                                             <p:txEl>
-                                              <p:pRg st="4" end="4"/>
+                                              <p:pRg st="7" end="7"/>
                                             </p:txEl>
                                           </p:spTgt>
                                         </p:tgtEl>
@@ -4793,11 +5285,11 @@
                                     </p:set>
                                     <p:anim calcmode="lin" valueType="num">
                                       <p:cBhvr additive="base">
-                                        <p:cTn id="23" dur="500" fill="hold"/>
+                                        <p:cTn id="35" dur="500" fill="hold"/>
                                         <p:tgtEl>
                                           <p:spTgt spid="3">
                                             <p:txEl>
-                                              <p:pRg st="4" end="4"/>
+                                              <p:pRg st="7" end="7"/>
                                             </p:txEl>
                                           </p:spTgt>
                                         </p:tgtEl>
@@ -4820,11 +5312,11 @@
                                     </p:anim>
                                     <p:anim calcmode="lin" valueType="num">
                                       <p:cBhvr additive="base">
-                                        <p:cTn id="24" dur="500" fill="hold"/>
+                                        <p:cTn id="36" dur="500" fill="hold"/>
                                         <p:tgtEl>
                                           <p:spTgt spid="3">
                                             <p:txEl>
-                                              <p:pRg st="4" end="4"/>
+                                              <p:pRg st="7" end="7"/>
                                             </p:txEl>
                                           </p:spTgt>
                                         </p:tgtEl>
@@ -4908,12 +5400,45 @@
         </p:nvSpPr>
         <p:spPr/>
         <p:txBody>
+          <a:bodyPr>
+            <a:normAutofit fontScale="90000"/>
+          </a:bodyPr>
+          <a:lstStyle/>
+          <a:p>
+            <a:r>
+              <a:rPr lang="en-US" dirty="0" smtClean="0"/>
+              <a:t>CoffeeScript Examples: </a:t>
+            </a:r>
+            <a:br>
+              <a:rPr lang="en-US" dirty="0" smtClean="0"/>
+            </a:br>
+            <a:r>
+              <a:rPr lang="en-US" dirty="0" smtClean="0"/>
+              <a:t>Variable Assignment</a:t>
+            </a:r>
+            <a:endParaRPr lang="en-US" dirty="0"/>
+          </a:p>
+        </p:txBody>
+      </p:sp>
+      <p:sp>
+        <p:nvSpPr>
+          <p:cNvPr id="3" name="Text Placeholder 2"/>
+          <p:cNvSpPr>
+            <a:spLocks noGrp="1"/>
+          </p:cNvSpPr>
+          <p:nvPr>
+            <p:ph type="body" idx="1"/>
+          </p:nvPr>
+        </p:nvSpPr>
+        <p:spPr/>
+        <p:txBody>
           <a:bodyPr/>
           <a:lstStyle/>
           <a:p>
+            <a:pPr algn="ctr"/>
             <a:r>
               <a:rPr lang="en-US" dirty="0" smtClean="0"/>
-              <a:t>CoffeeScript Examples</a:t>
+              <a:t>CoffeeScript</a:t>
             </a:r>
             <a:endParaRPr lang="en-US" dirty="0"/>
           </a:p>
@@ -4921,12 +5446,12 @@
       </p:sp>
       <p:sp>
         <p:nvSpPr>
-          <p:cNvPr id="4" name="Text Placeholder 3"/>
-          <p:cNvSpPr>
-            <a:spLocks noGrp="1"/>
-          </p:cNvSpPr>
-          <p:nvPr>
-            <p:ph type="body" idx="1"/>
+          <p:cNvPr id="5" name="Text Placeholder 4"/>
+          <p:cNvSpPr>
+            <a:spLocks noGrp="1"/>
+          </p:cNvSpPr>
+          <p:nvPr>
+            <p:ph type="body" sz="quarter" idx="3"/>
           </p:nvPr>
         </p:nvSpPr>
         <p:spPr/>
@@ -4934,9 +5459,10 @@
           <a:bodyPr/>
           <a:lstStyle/>
           <a:p>
+            <a:pPr algn="ctr"/>
             <a:r>
               <a:rPr lang="en-US" dirty="0" smtClean="0"/>
-              <a:t>CoffeeScript</a:t>
+              <a:t>Equivalent JavaScript</a:t>
             </a:r>
             <a:endParaRPr lang="en-US" dirty="0"/>
           </a:p>
@@ -4944,1061 +5470,2724 @@
       </p:sp>
       <p:sp>
         <p:nvSpPr>
-          <p:cNvPr id="5" name="Content Placeholder 4"/>
-          <p:cNvSpPr>
-            <a:spLocks noGrp="1"/>
+          <p:cNvPr id="10" name="Rectangle 4"/>
+          <p:cNvSpPr>
+            <a:spLocks noGrp="1" noChangeArrowheads="1"/>
           </p:cNvSpPr>
           <p:nvPr>
             <p:ph sz="half" idx="2"/>
           </p:nvPr>
         </p:nvSpPr>
-        <p:spPr/>
-        <p:txBody>
-          <a:bodyPr>
-            <a:normAutofit fontScale="62500" lnSpcReduction="20000"/>
+        <p:spPr bwMode="auto">
+          <a:xfrm>
+            <a:off x="1094543" y="2374612"/>
+            <a:ext cx="2765501" cy="830997"/>
+          </a:xfrm>
+          <a:prstGeom prst="rect">
+            <a:avLst/>
+          </a:prstGeom>
+          <a:solidFill>
+            <a:srgbClr val="FFFFFF"/>
+          </a:solidFill>
+          <a:ln>
+            <a:noFill/>
+          </a:ln>
+          <a:effectLst/>
+          <a:extLst>
+            <a:ext uri="{91240B29-F687-4F45-9708-019B960494DF}">
+              <a14:hiddenLine xmlns:a14="http://schemas.microsoft.com/office/drawing/2010/main" w="9525">
+                <a:solidFill>
+                  <a:schemeClr val="tx1"/>
+                </a:solidFill>
+                <a:miter lim="800000"/>
+                <a:headEnd/>
+                <a:tailEnd/>
+              </a14:hiddenLine>
+            </a:ext>
+            <a:ext uri="{AF507438-7753-43E0-B8FC-AC1667EBCBE1}">
+              <a14:hiddenEffects xmlns:a14="http://schemas.microsoft.com/office/drawing/2010/main">
+                <a:effectLst>
+                  <a:outerShdw dist="35921" dir="2700000" algn="ctr" rotWithShape="0">
+                    <a:schemeClr val="bg2"/>
+                  </a:outerShdw>
+                </a:effectLst>
+              </a14:hiddenEffects>
+            </a:ext>
+          </a:extLst>
+        </p:spPr>
+        <p:txBody>
+          <a:bodyPr vert="horz" wrap="none" lIns="91440" tIns="45720" rIns="91440" bIns="45720" numCol="1" anchor="ctr" anchorCtr="0" compatLnSpc="1">
+            <a:prstTxWarp prst="textNoShape">
+              <a:avLst/>
+            </a:prstTxWarp>
+            <a:spAutoFit/>
           </a:bodyPr>
           <a:lstStyle/>
           <a:p>
-            <a:pPr marL="0" indent="0">
-              <a:buNone/>
+            <a:pPr marL="0" marR="0" lvl="0" indent="0" algn="l" defTabSz="914400" rtl="0" eaLnBrk="0" fontAlgn="base" latinLnBrk="0" hangingPunct="0">
+              <a:lnSpc>
+                <a:spcPct val="100000"/>
+              </a:lnSpc>
+              <a:spcBef>
+                <a:spcPct val="0"/>
+              </a:spcBef>
+              <a:spcAft>
+                <a:spcPct val="0"/>
+              </a:spcAft>
+              <a:buClrTx/>
+              <a:buSzTx/>
+              <a:buFontTx/>
+              <a:buNone/>
+              <a:tabLst/>
             </a:pPr>
             <a:r>
-              <a:rPr lang="en-US" dirty="0" smtClean="0">
+              <a:rPr kumimoji="0" lang="en-US" sz="1600" b="0" i="0" u="none" strike="noStrike" cap="none" normalizeH="0" baseline="0" dirty="0" smtClean="0">
+                <a:ln>
+                  <a:noFill/>
+                </a:ln>
                 <a:solidFill>
                   <a:srgbClr val="000000"/>
                 </a:solidFill>
-                <a:highlight>
-                  <a:srgbClr val="FFFFFF"/>
-                </a:highlight>
+                <a:effectLst/>
                 <a:latin typeface="Consolas" panose="020B0609020204030204" pitchFamily="49" charset="0"/>
+                <a:cs typeface="Consolas" panose="020B0609020204030204" pitchFamily="49" charset="0"/>
+              </a:rPr>
+              <a:t>conference = </a:t>
+            </a:r>
+            <a:r>
+              <a:rPr kumimoji="0" lang="en-US" sz="1600" b="0" i="0" u="none" strike="noStrike" cap="none" normalizeH="0" baseline="0" dirty="0" smtClean="0">
+                <a:ln>
+                  <a:noFill/>
+                </a:ln>
+                <a:solidFill>
+                  <a:srgbClr val="A31515"/>
+                </a:solidFill>
+                <a:effectLst/>
+                <a:latin typeface="Consolas" panose="020B0609020204030204" pitchFamily="49" charset="0"/>
+                <a:cs typeface="Consolas" panose="020B0609020204030204" pitchFamily="49" charset="0"/>
+              </a:rPr>
+              <a:t>"devLink"</a:t>
+            </a:r>
+            <a:r>
+              <a:rPr kumimoji="0" lang="en-US" sz="1600" b="0" i="0" u="none" strike="noStrike" cap="none" normalizeH="0" baseline="0" dirty="0" smtClean="0">
+                <a:ln>
+                  <a:noFill/>
+                </a:ln>
+                <a:solidFill>
+                  <a:srgbClr val="000000"/>
+                </a:solidFill>
+                <a:effectLst/>
+                <a:latin typeface="Consolas" panose="020B0609020204030204" pitchFamily="49" charset="0"/>
+                <a:cs typeface="Consolas" panose="020B0609020204030204" pitchFamily="49" charset="0"/>
               </a:rPr>
               <a:t> </a:t>
             </a:r>
-            <a:r>
-              <a:rPr lang="en-US" dirty="0" smtClean="0">
-                <a:solidFill>
-                  <a:srgbClr val="008000"/>
-                </a:solidFill>
-                <a:highlight>
-                  <a:srgbClr val="FFFFFF"/>
-                </a:highlight>
+          </a:p>
+          <a:p>
+            <a:pPr marL="0" marR="0" lvl="0" indent="0" algn="l" defTabSz="914400" rtl="0" eaLnBrk="0" fontAlgn="base" latinLnBrk="0" hangingPunct="0">
+              <a:lnSpc>
+                <a:spcPct val="100000"/>
+              </a:lnSpc>
+              <a:spcBef>
+                <a:spcPct val="0"/>
+              </a:spcBef>
+              <a:spcAft>
+                <a:spcPct val="0"/>
+              </a:spcAft>
+              <a:buClrTx/>
+              <a:buSzTx/>
+              <a:buFontTx/>
+              <a:buNone/>
+              <a:tabLst/>
+            </a:pPr>
+            <a:r>
+              <a:rPr kumimoji="0" lang="en-US" sz="1600" b="0" i="0" u="none" strike="noStrike" cap="none" normalizeH="0" baseline="0" dirty="0" smtClean="0">
+                <a:ln>
+                  <a:noFill/>
+                </a:ln>
+                <a:solidFill>
+                  <a:srgbClr val="000000"/>
+                </a:solidFill>
+                <a:effectLst/>
                 <a:latin typeface="Consolas" panose="020B0609020204030204" pitchFamily="49" charset="0"/>
-              </a:rPr>
-              <a:t># </a:t>
-            </a:r>
-            <a:r>
-              <a:rPr lang="en-US" dirty="0">
-                <a:solidFill>
-                  <a:srgbClr val="008000"/>
-                </a:solidFill>
-                <a:highlight>
-                  <a:srgbClr val="FFFFFF"/>
-                </a:highlight>
+                <a:cs typeface="Consolas" panose="020B0609020204030204" pitchFamily="49" charset="0"/>
+              </a:rPr>
+              <a:t>speaker = </a:t>
+            </a:r>
+            <a:r>
+              <a:rPr kumimoji="0" lang="en-US" sz="1600" b="0" i="0" u="none" strike="noStrike" cap="none" normalizeH="0" baseline="0" dirty="0" smtClean="0">
+                <a:ln>
+                  <a:noFill/>
+                </a:ln>
+                <a:solidFill>
+                  <a:srgbClr val="A31515"/>
+                </a:solidFill>
+                <a:effectLst/>
                 <a:latin typeface="Consolas" panose="020B0609020204030204" pitchFamily="49" charset="0"/>
-              </a:rPr>
-              <a:t>Variable Assignment</a:t>
-            </a:r>
-            <a:endParaRPr lang="en-US" dirty="0">
+                <a:cs typeface="Consolas" panose="020B0609020204030204" pitchFamily="49" charset="0"/>
+              </a:rPr>
+              <a:t>"Jerrel"</a:t>
+            </a:r>
+            <a:r>
+              <a:rPr kumimoji="0" lang="en-US" sz="1600" b="0" i="0" u="none" strike="noStrike" cap="none" normalizeH="0" baseline="0" dirty="0" smtClean="0">
+                <a:ln>
+                  <a:noFill/>
+                </a:ln>
+                <a:solidFill>
+                  <a:srgbClr val="000000"/>
+                </a:solidFill>
+                <a:effectLst/>
+                <a:latin typeface="Consolas" panose="020B0609020204030204" pitchFamily="49" charset="0"/>
+                <a:cs typeface="Consolas" panose="020B0609020204030204" pitchFamily="49" charset="0"/>
+              </a:rPr>
+              <a:t> </a:t>
+            </a:r>
+          </a:p>
+          <a:p>
+            <a:pPr marL="0" marR="0" lvl="0" indent="0" algn="l" defTabSz="914400" rtl="0" eaLnBrk="0" fontAlgn="base" latinLnBrk="0" hangingPunct="0">
+              <a:lnSpc>
+                <a:spcPct val="100000"/>
+              </a:lnSpc>
+              <a:spcBef>
+                <a:spcPct val="0"/>
+              </a:spcBef>
+              <a:spcAft>
+                <a:spcPct val="0"/>
+              </a:spcAft>
+              <a:buClrTx/>
+              <a:buSzTx/>
+              <a:buFontTx/>
+              <a:buNone/>
+              <a:tabLst/>
+            </a:pPr>
+            <a:r>
+              <a:rPr kumimoji="0" lang="en-US" sz="1600" b="0" i="0" u="none" strike="noStrike" cap="none" normalizeH="0" baseline="0" dirty="0" smtClean="0">
+                <a:ln>
+                  <a:noFill/>
+                </a:ln>
+                <a:solidFill>
+                  <a:srgbClr val="000000"/>
+                </a:solidFill>
+                <a:effectLst/>
+                <a:latin typeface="Consolas" panose="020B0609020204030204" pitchFamily="49" charset="0"/>
+                <a:cs typeface="Consolas" panose="020B0609020204030204" pitchFamily="49" charset="0"/>
+              </a:rPr>
+              <a:t>isSpeaking = </a:t>
+            </a:r>
+            <a:r>
+              <a:rPr kumimoji="0" lang="en-US" sz="1600" b="0" i="0" u="none" strike="noStrike" cap="none" normalizeH="0" baseline="0" dirty="0" smtClean="0">
+                <a:ln>
+                  <a:noFill/>
+                </a:ln>
+                <a:solidFill>
+                  <a:srgbClr val="2B91AF"/>
+                </a:solidFill>
+                <a:effectLst/>
+                <a:latin typeface="Consolas" panose="020B0609020204030204" pitchFamily="49" charset="0"/>
+                <a:cs typeface="Consolas" panose="020B0609020204030204" pitchFamily="49" charset="0"/>
+              </a:rPr>
+              <a:t>true</a:t>
+            </a:r>
+            <a:endParaRPr kumimoji="0" lang="en-US" sz="1600" b="0" i="0" u="none" strike="noStrike" cap="none" normalizeH="0" baseline="0" dirty="0" smtClean="0">
+              <a:ln>
+                <a:noFill/>
+              </a:ln>
               <a:solidFill>
-                <a:srgbClr val="000000"/>
+                <a:schemeClr val="tx1"/>
               </a:solidFill>
-              <a:highlight>
-                <a:srgbClr val="FFFFFF"/>
-              </a:highlight>
-              <a:latin typeface="Consolas" panose="020B0609020204030204" pitchFamily="49" charset="0"/>
+              <a:effectLst/>
+              <a:latin typeface="Arial" panose="020B0604020202020204" pitchFamily="34" charset="0"/>
             </a:endParaRPr>
           </a:p>
-          <a:p>
-            <a:pPr marL="0" indent="0">
-              <a:buNone/>
-            </a:pPr>
-            <a:r>
-              <a:rPr lang="en-US" dirty="0">
-                <a:solidFill>
-                  <a:srgbClr val="000000"/>
-                </a:solidFill>
-                <a:highlight>
-                  <a:srgbClr val="FFFFFF"/>
-                </a:highlight>
-                <a:latin typeface="Consolas" panose="020B0609020204030204" pitchFamily="49" charset="0"/>
-              </a:rPr>
-              <a:t> number = 17</a:t>
-            </a:r>
-          </a:p>
-          <a:p>
-            <a:endParaRPr lang="en-US" dirty="0">
-              <a:solidFill>
-                <a:srgbClr val="000000"/>
-              </a:solidFill>
-              <a:highlight>
-                <a:srgbClr val="FFFFFF"/>
-              </a:highlight>
-              <a:latin typeface="Consolas" panose="020B0609020204030204" pitchFamily="49" charset="0"/>
-            </a:endParaRPr>
-          </a:p>
-          <a:p>
-            <a:pPr marL="0" indent="0">
-              <a:buNone/>
-            </a:pPr>
-            <a:r>
-              <a:rPr lang="en-US" dirty="0">
-                <a:solidFill>
-                  <a:srgbClr val="000000"/>
-                </a:solidFill>
-                <a:highlight>
-                  <a:srgbClr val="FFFFFF"/>
-                </a:highlight>
-                <a:latin typeface="Consolas" panose="020B0609020204030204" pitchFamily="49" charset="0"/>
-              </a:rPr>
-              <a:t> name = </a:t>
-            </a:r>
-            <a:r>
-              <a:rPr lang="en-US" dirty="0">
-                <a:solidFill>
-                  <a:srgbClr val="A31515"/>
-                </a:solidFill>
-                <a:highlight>
-                  <a:srgbClr val="FFFFFF"/>
-                </a:highlight>
-                <a:latin typeface="Consolas" panose="020B0609020204030204" pitchFamily="49" charset="0"/>
-              </a:rPr>
-              <a:t>"Jerrel"</a:t>
-            </a:r>
-            <a:endParaRPr lang="en-US" dirty="0">
-              <a:solidFill>
-                <a:srgbClr val="000000"/>
-              </a:solidFill>
-              <a:highlight>
-                <a:srgbClr val="FFFFFF"/>
-              </a:highlight>
-              <a:latin typeface="Consolas" panose="020B0609020204030204" pitchFamily="49" charset="0"/>
-            </a:endParaRPr>
-          </a:p>
-          <a:p>
-            <a:endParaRPr lang="en-US" dirty="0">
-              <a:solidFill>
-                <a:srgbClr val="000000"/>
-              </a:solidFill>
-              <a:highlight>
-                <a:srgbClr val="FFFFFF"/>
-              </a:highlight>
-              <a:latin typeface="Consolas" panose="020B0609020204030204" pitchFamily="49" charset="0"/>
-            </a:endParaRPr>
-          </a:p>
-          <a:p>
-            <a:pPr marL="0" indent="0">
-              <a:buNone/>
-            </a:pPr>
-            <a:r>
-              <a:rPr lang="en-US" dirty="0">
-                <a:solidFill>
-                  <a:srgbClr val="000000"/>
-                </a:solidFill>
-                <a:highlight>
-                  <a:srgbClr val="FFFFFF"/>
-                </a:highlight>
-                <a:latin typeface="Consolas" panose="020B0609020204030204" pitchFamily="49" charset="0"/>
-              </a:rPr>
-              <a:t> isSpeaking = </a:t>
-            </a:r>
-            <a:r>
-              <a:rPr lang="en-US" dirty="0">
-                <a:solidFill>
-                  <a:srgbClr val="2B91AF"/>
-                </a:solidFill>
-                <a:highlight>
-                  <a:srgbClr val="FFFFFF"/>
-                </a:highlight>
-                <a:latin typeface="Consolas" panose="020B0609020204030204" pitchFamily="49" charset="0"/>
-              </a:rPr>
-              <a:t>false</a:t>
-            </a:r>
-            <a:endParaRPr lang="en-US" dirty="0">
-              <a:solidFill>
-                <a:srgbClr val="000000"/>
-              </a:solidFill>
-              <a:highlight>
-                <a:srgbClr val="FFFFFF"/>
-              </a:highlight>
-              <a:latin typeface="Consolas" panose="020B0609020204030204" pitchFamily="49" charset="0"/>
-            </a:endParaRPr>
-          </a:p>
-          <a:p>
-            <a:endParaRPr lang="en-US" dirty="0">
-              <a:solidFill>
-                <a:srgbClr val="000000"/>
-              </a:solidFill>
-              <a:highlight>
-                <a:srgbClr val="FFFFFF"/>
-              </a:highlight>
-              <a:latin typeface="Consolas" panose="020B0609020204030204" pitchFamily="49" charset="0"/>
-            </a:endParaRPr>
-          </a:p>
-          <a:p>
-            <a:pPr marL="0" indent="0">
-              <a:buNone/>
-            </a:pPr>
-            <a:r>
-              <a:rPr lang="en-US" dirty="0">
-                <a:solidFill>
-                  <a:srgbClr val="000000"/>
-                </a:solidFill>
-                <a:highlight>
-                  <a:srgbClr val="FFFFFF"/>
-                </a:highlight>
-                <a:latin typeface="Consolas" panose="020B0609020204030204" pitchFamily="49" charset="0"/>
-              </a:rPr>
-              <a:t> arr = [1,2,3,4,5]</a:t>
-            </a:r>
-          </a:p>
-          <a:p>
-            <a:endParaRPr lang="en-US" dirty="0">
-              <a:solidFill>
-                <a:srgbClr val="000000"/>
-              </a:solidFill>
-              <a:highlight>
-                <a:srgbClr val="FFFFFF"/>
-              </a:highlight>
-              <a:latin typeface="Consolas" panose="020B0609020204030204" pitchFamily="49" charset="0"/>
-            </a:endParaRPr>
-          </a:p>
-          <a:p>
-            <a:pPr marL="0" indent="0">
-              <a:buNone/>
-            </a:pPr>
-            <a:r>
-              <a:rPr lang="en-US" dirty="0">
-                <a:solidFill>
-                  <a:srgbClr val="000000"/>
-                </a:solidFill>
-                <a:highlight>
-                  <a:srgbClr val="FFFFFF"/>
-                </a:highlight>
-                <a:latin typeface="Consolas" panose="020B0609020204030204" pitchFamily="49" charset="0"/>
-              </a:rPr>
-              <a:t> </a:t>
-            </a:r>
-            <a:r>
-              <a:rPr lang="en-US" dirty="0">
-                <a:solidFill>
-                  <a:srgbClr val="008000"/>
-                </a:solidFill>
-                <a:highlight>
-                  <a:srgbClr val="FFFFFF"/>
-                </a:highlight>
-                <a:latin typeface="Consolas" panose="020B0609020204030204" pitchFamily="49" charset="0"/>
-              </a:rPr>
-              <a:t>#Methods</a:t>
-            </a:r>
-            <a:endParaRPr lang="en-US" dirty="0">
-              <a:solidFill>
-                <a:srgbClr val="000000"/>
-              </a:solidFill>
-              <a:highlight>
-                <a:srgbClr val="FFFFFF"/>
-              </a:highlight>
-              <a:latin typeface="Consolas" panose="020B0609020204030204" pitchFamily="49" charset="0"/>
-            </a:endParaRPr>
-          </a:p>
-          <a:p>
-            <a:pPr marL="0" indent="0">
-              <a:buNone/>
-            </a:pPr>
-            <a:r>
-              <a:rPr lang="en-US" dirty="0">
-                <a:solidFill>
-                  <a:srgbClr val="000000"/>
-                </a:solidFill>
-                <a:highlight>
-                  <a:srgbClr val="FFFFFF"/>
-                </a:highlight>
-                <a:latin typeface="Consolas" panose="020B0609020204030204" pitchFamily="49" charset="0"/>
-              </a:rPr>
-              <a:t> add = (num1, num2) -&gt;</a:t>
-            </a:r>
-          </a:p>
-          <a:p>
-            <a:pPr marL="0" indent="0">
-              <a:buNone/>
-            </a:pPr>
-            <a:r>
-              <a:rPr lang="en-US" dirty="0">
-                <a:solidFill>
-                  <a:srgbClr val="000000"/>
-                </a:solidFill>
-                <a:highlight>
-                  <a:srgbClr val="FFFFFF"/>
-                </a:highlight>
-                <a:latin typeface="Consolas" panose="020B0609020204030204" pitchFamily="49" charset="0"/>
-              </a:rPr>
-              <a:t>    num1 + num2</a:t>
-            </a:r>
-          </a:p>
-          <a:p>
-            <a:endParaRPr lang="en-US" dirty="0">
-              <a:solidFill>
-                <a:srgbClr val="000000"/>
-              </a:solidFill>
-              <a:highlight>
-                <a:srgbClr val="FFFFFF"/>
-              </a:highlight>
-              <a:latin typeface="Consolas" panose="020B0609020204030204" pitchFamily="49" charset="0"/>
-            </a:endParaRPr>
-          </a:p>
-          <a:p>
-            <a:pPr marL="0" indent="0">
-              <a:buNone/>
-            </a:pPr>
-            <a:r>
-              <a:rPr lang="en-US" dirty="0">
-                <a:solidFill>
-                  <a:srgbClr val="000000"/>
-                </a:solidFill>
-                <a:highlight>
-                  <a:srgbClr val="FFFFFF"/>
-                </a:highlight>
-                <a:latin typeface="Consolas" panose="020B0609020204030204" pitchFamily="49" charset="0"/>
-              </a:rPr>
-              <a:t> </a:t>
-            </a:r>
-            <a:r>
-              <a:rPr lang="en-US" dirty="0">
-                <a:solidFill>
-                  <a:srgbClr val="008000"/>
-                </a:solidFill>
-                <a:highlight>
-                  <a:srgbClr val="FFFFFF"/>
-                </a:highlight>
-                <a:latin typeface="Consolas" panose="020B0609020204030204" pitchFamily="49" charset="0"/>
-              </a:rPr>
-              <a:t># Splats:</a:t>
-            </a:r>
-            <a:endParaRPr lang="en-US" dirty="0">
-              <a:solidFill>
-                <a:srgbClr val="000000"/>
-              </a:solidFill>
-              <a:highlight>
-                <a:srgbClr val="FFFFFF"/>
-              </a:highlight>
-              <a:latin typeface="Consolas" panose="020B0609020204030204" pitchFamily="49" charset="0"/>
-            </a:endParaRPr>
-          </a:p>
-          <a:p>
-            <a:pPr marL="0" indent="0">
-              <a:buNone/>
-            </a:pPr>
-            <a:r>
-              <a:rPr lang="en-US" dirty="0">
-                <a:solidFill>
-                  <a:srgbClr val="000000"/>
-                </a:solidFill>
-                <a:highlight>
-                  <a:srgbClr val="FFFFFF"/>
-                </a:highlight>
-                <a:latin typeface="Consolas" panose="020B0609020204030204" pitchFamily="49" charset="0"/>
-              </a:rPr>
-              <a:t> race = (winner, runners...) -&gt;</a:t>
-            </a:r>
-          </a:p>
-          <a:p>
-            <a:pPr marL="0" indent="0">
-              <a:buNone/>
-            </a:pPr>
-            <a:r>
-              <a:rPr lang="en-US" dirty="0" smtClean="0">
-                <a:solidFill>
-                  <a:srgbClr val="000000"/>
-                </a:solidFill>
-                <a:highlight>
-                  <a:srgbClr val="FFFFFF"/>
-                </a:highlight>
-                <a:latin typeface="Consolas" panose="020B0609020204030204" pitchFamily="49" charset="0"/>
-              </a:rPr>
-              <a:t>    </a:t>
-            </a:r>
-            <a:r>
-              <a:rPr lang="en-US" dirty="0">
-                <a:solidFill>
-                  <a:srgbClr val="0000FF"/>
-                </a:solidFill>
-                <a:highlight>
-                  <a:srgbClr val="FFFFFF"/>
-                </a:highlight>
-                <a:latin typeface="Consolas" panose="020B0609020204030204" pitchFamily="49" charset="0"/>
-              </a:rPr>
-              <a:t>print</a:t>
-            </a:r>
-            <a:r>
-              <a:rPr lang="en-US" dirty="0">
-                <a:solidFill>
-                  <a:srgbClr val="000000"/>
-                </a:solidFill>
-                <a:highlight>
-                  <a:srgbClr val="FFFFFF"/>
-                </a:highlight>
-                <a:latin typeface="Consolas" panose="020B0609020204030204" pitchFamily="49" charset="0"/>
-              </a:rPr>
-              <a:t> winner, runners</a:t>
-            </a:r>
-            <a:endParaRPr lang="en-US" dirty="0"/>
-          </a:p>
-        </p:txBody>
-      </p:sp>
-      <p:sp>
-        <p:nvSpPr>
-          <p:cNvPr id="6" name="Text Placeholder 5"/>
-          <p:cNvSpPr>
-            <a:spLocks noGrp="1"/>
-          </p:cNvSpPr>
-          <p:nvPr>
-            <p:ph type="body" sz="quarter" idx="3"/>
-          </p:nvPr>
-        </p:nvSpPr>
-        <p:spPr/>
-        <p:txBody>
-          <a:bodyPr/>
-          <a:lstStyle/>
-          <a:p>
-            <a:r>
-              <a:rPr lang="en-US" dirty="0" smtClean="0"/>
-              <a:t>JavaScript</a:t>
-            </a:r>
-            <a:endParaRPr lang="en-US" dirty="0"/>
-          </a:p>
-        </p:txBody>
-      </p:sp>
-      <p:sp>
-        <p:nvSpPr>
-          <p:cNvPr id="7" name="Content Placeholder 6"/>
-          <p:cNvSpPr>
-            <a:spLocks noGrp="1"/>
+        </p:txBody>
+      </p:sp>
+      <p:sp>
+        <p:nvSpPr>
+          <p:cNvPr id="11" name="Rectangle 5"/>
+          <p:cNvSpPr>
+            <a:spLocks noGrp="1" noChangeArrowheads="1"/>
           </p:cNvSpPr>
           <p:nvPr>
             <p:ph sz="quarter" idx="4"/>
           </p:nvPr>
         </p:nvSpPr>
-        <p:spPr/>
-        <p:txBody>
-          <a:bodyPr>
-            <a:normAutofit fontScale="40000" lnSpcReduction="20000"/>
+        <p:spPr bwMode="auto">
+          <a:xfrm>
+            <a:off x="4385480" y="2374612"/>
+            <a:ext cx="4560864" cy="1077218"/>
+          </a:xfrm>
+          <a:prstGeom prst="rect">
+            <a:avLst/>
+          </a:prstGeom>
+          <a:solidFill>
+            <a:srgbClr val="FFFFFF"/>
+          </a:solidFill>
+          <a:ln>
+            <a:noFill/>
+          </a:ln>
+          <a:effectLst/>
+          <a:extLst>
+            <a:ext uri="{91240B29-F687-4F45-9708-019B960494DF}">
+              <a14:hiddenLine xmlns:a14="http://schemas.microsoft.com/office/drawing/2010/main" w="9525">
+                <a:solidFill>
+                  <a:schemeClr val="tx1"/>
+                </a:solidFill>
+                <a:miter lim="800000"/>
+                <a:headEnd/>
+                <a:tailEnd/>
+              </a14:hiddenLine>
+            </a:ext>
+            <a:ext uri="{AF507438-7753-43E0-B8FC-AC1667EBCBE1}">
+              <a14:hiddenEffects xmlns:a14="http://schemas.microsoft.com/office/drawing/2010/main">
+                <a:effectLst>
+                  <a:outerShdw dist="35921" dir="2700000" algn="ctr" rotWithShape="0">
+                    <a:schemeClr val="bg2"/>
+                  </a:outerShdw>
+                </a:effectLst>
+              </a14:hiddenEffects>
+            </a:ext>
+          </a:extLst>
+        </p:spPr>
+        <p:txBody>
+          <a:bodyPr vert="horz" wrap="none" lIns="91440" tIns="45720" rIns="91440" bIns="45720" numCol="1" anchor="ctr" anchorCtr="0" compatLnSpc="1">
+            <a:prstTxWarp prst="textNoShape">
+              <a:avLst/>
+            </a:prstTxWarp>
+            <a:spAutoFit/>
           </a:bodyPr>
           <a:lstStyle/>
           <a:p>
-            <a:pPr marL="0" indent="0">
-              <a:buNone/>
+            <a:pPr marL="0" marR="0" lvl="0" indent="0" algn="l" defTabSz="914400" rtl="0" eaLnBrk="0" fontAlgn="base" latinLnBrk="0" hangingPunct="0">
+              <a:lnSpc>
+                <a:spcPct val="100000"/>
+              </a:lnSpc>
+              <a:spcBef>
+                <a:spcPct val="0"/>
+              </a:spcBef>
+              <a:spcAft>
+                <a:spcPct val="0"/>
+              </a:spcAft>
+              <a:buClrTx/>
+              <a:buSzTx/>
+              <a:buFontTx/>
+              <a:buNone/>
+              <a:tabLst/>
             </a:pPr>
             <a:r>
-              <a:rPr lang="en-US" dirty="0">
+              <a:rPr kumimoji="0" lang="en-US" sz="1600" b="0" i="0" u="none" strike="noStrike" cap="none" normalizeH="0" baseline="0" dirty="0" smtClean="0">
+                <a:ln>
+                  <a:noFill/>
+                </a:ln>
+                <a:solidFill>
+                  <a:srgbClr val="0000FF"/>
+                </a:solidFill>
+                <a:effectLst/>
+                <a:latin typeface="Consolas" panose="020B0609020204030204" pitchFamily="49" charset="0"/>
+                <a:cs typeface="Consolas" panose="020B0609020204030204" pitchFamily="49" charset="0"/>
+              </a:rPr>
+              <a:t>var</a:t>
+            </a:r>
+            <a:r>
+              <a:rPr kumimoji="0" lang="en-US" sz="1600" b="0" i="0" u="none" strike="noStrike" cap="none" normalizeH="0" baseline="0" dirty="0" smtClean="0">
+                <a:ln>
+                  <a:noFill/>
+                </a:ln>
                 <a:solidFill>
                   <a:srgbClr val="000000"/>
                 </a:solidFill>
-                <a:highlight>
-                  <a:srgbClr val="FFFFFF"/>
-                </a:highlight>
+                <a:effectLst/>
                 <a:latin typeface="Consolas" panose="020B0609020204030204" pitchFamily="49" charset="0"/>
-              </a:rPr>
-              <a:t>(</a:t>
-            </a:r>
-            <a:r>
-              <a:rPr lang="en-US" dirty="0">
+                <a:cs typeface="Consolas" panose="020B0609020204030204" pitchFamily="49" charset="0"/>
+              </a:rPr>
+              <a:t> conference, isSpeaking, speaker;   </a:t>
+            </a:r>
+          </a:p>
+          <a:p>
+            <a:pPr marL="0" marR="0" lvl="0" indent="0" algn="l" defTabSz="914400" rtl="0" eaLnBrk="0" fontAlgn="base" latinLnBrk="0" hangingPunct="0">
+              <a:lnSpc>
+                <a:spcPct val="100000"/>
+              </a:lnSpc>
+              <a:spcBef>
+                <a:spcPct val="0"/>
+              </a:spcBef>
+              <a:spcAft>
+                <a:spcPct val="0"/>
+              </a:spcAft>
+              <a:buClrTx/>
+              <a:buSzTx/>
+              <a:buFontTx/>
+              <a:buNone/>
+              <a:tabLst/>
+            </a:pPr>
+            <a:r>
+              <a:rPr kumimoji="0" lang="en-US" sz="1600" b="0" i="0" u="none" strike="noStrike" cap="none" normalizeH="0" baseline="0" dirty="0" smtClean="0">
+                <a:ln>
+                  <a:noFill/>
+                </a:ln>
+                <a:solidFill>
+                  <a:srgbClr val="000000"/>
+                </a:solidFill>
+                <a:effectLst/>
+                <a:latin typeface="Consolas" panose="020B0609020204030204" pitchFamily="49" charset="0"/>
+                <a:cs typeface="Consolas" panose="020B0609020204030204" pitchFamily="49" charset="0"/>
+              </a:rPr>
+              <a:t>conference = </a:t>
+            </a:r>
+            <a:r>
+              <a:rPr kumimoji="0" lang="en-US" sz="1600" b="0" i="0" u="none" strike="noStrike" cap="none" normalizeH="0" baseline="0" dirty="0" smtClean="0">
+                <a:ln>
+                  <a:noFill/>
+                </a:ln>
+                <a:solidFill>
+                  <a:srgbClr val="A31515"/>
+                </a:solidFill>
+                <a:effectLst/>
+                <a:latin typeface="Consolas" panose="020B0609020204030204" pitchFamily="49" charset="0"/>
+                <a:cs typeface="Consolas" panose="020B0609020204030204" pitchFamily="49" charset="0"/>
+              </a:rPr>
+              <a:t>"devLink"</a:t>
+            </a:r>
+            <a:r>
+              <a:rPr kumimoji="0" lang="en-US" sz="1600" b="0" i="0" u="none" strike="noStrike" cap="none" normalizeH="0" baseline="0" dirty="0" smtClean="0">
+                <a:ln>
+                  <a:noFill/>
+                </a:ln>
+                <a:solidFill>
+                  <a:srgbClr val="000000"/>
+                </a:solidFill>
+                <a:effectLst/>
+                <a:latin typeface="Consolas" panose="020B0609020204030204" pitchFamily="49" charset="0"/>
+                <a:cs typeface="Consolas" panose="020B0609020204030204" pitchFamily="49" charset="0"/>
+              </a:rPr>
+              <a:t>;   </a:t>
+            </a:r>
+          </a:p>
+          <a:p>
+            <a:pPr marL="0" marR="0" lvl="0" indent="0" algn="l" defTabSz="914400" rtl="0" eaLnBrk="0" fontAlgn="base" latinLnBrk="0" hangingPunct="0">
+              <a:lnSpc>
+                <a:spcPct val="100000"/>
+              </a:lnSpc>
+              <a:spcBef>
+                <a:spcPct val="0"/>
+              </a:spcBef>
+              <a:spcAft>
+                <a:spcPct val="0"/>
+              </a:spcAft>
+              <a:buClrTx/>
+              <a:buSzTx/>
+              <a:buFontTx/>
+              <a:buNone/>
+              <a:tabLst/>
+            </a:pPr>
+            <a:r>
+              <a:rPr kumimoji="0" lang="en-US" sz="1600" b="0" i="0" u="none" strike="noStrike" cap="none" normalizeH="0" baseline="0" dirty="0" smtClean="0">
+                <a:ln>
+                  <a:noFill/>
+                </a:ln>
+                <a:solidFill>
+                  <a:srgbClr val="000000"/>
+                </a:solidFill>
+                <a:effectLst/>
+                <a:latin typeface="Consolas" panose="020B0609020204030204" pitchFamily="49" charset="0"/>
+                <a:cs typeface="Consolas" panose="020B0609020204030204" pitchFamily="49" charset="0"/>
+              </a:rPr>
+              <a:t>speaker = </a:t>
+            </a:r>
+            <a:r>
+              <a:rPr kumimoji="0" lang="en-US" sz="1600" b="0" i="0" u="none" strike="noStrike" cap="none" normalizeH="0" baseline="0" dirty="0" smtClean="0">
+                <a:ln>
+                  <a:noFill/>
+                </a:ln>
+                <a:solidFill>
+                  <a:srgbClr val="A31515"/>
+                </a:solidFill>
+                <a:effectLst/>
+                <a:latin typeface="Consolas" panose="020B0609020204030204" pitchFamily="49" charset="0"/>
+                <a:cs typeface="Consolas" panose="020B0609020204030204" pitchFamily="49" charset="0"/>
+              </a:rPr>
+              <a:t>"Jerrel"</a:t>
+            </a:r>
+            <a:r>
+              <a:rPr kumimoji="0" lang="en-US" sz="1600" b="0" i="0" u="none" strike="noStrike" cap="none" normalizeH="0" baseline="0" dirty="0" smtClean="0">
+                <a:ln>
+                  <a:noFill/>
+                </a:ln>
+                <a:solidFill>
+                  <a:srgbClr val="000000"/>
+                </a:solidFill>
+                <a:effectLst/>
+                <a:latin typeface="Consolas" panose="020B0609020204030204" pitchFamily="49" charset="0"/>
+                <a:cs typeface="Consolas" panose="020B0609020204030204" pitchFamily="49" charset="0"/>
+              </a:rPr>
+              <a:t>;   </a:t>
+            </a:r>
+          </a:p>
+          <a:p>
+            <a:pPr marL="0" marR="0" lvl="0" indent="0" algn="l" defTabSz="914400" rtl="0" eaLnBrk="0" fontAlgn="base" latinLnBrk="0" hangingPunct="0">
+              <a:lnSpc>
+                <a:spcPct val="100000"/>
+              </a:lnSpc>
+              <a:spcBef>
+                <a:spcPct val="0"/>
+              </a:spcBef>
+              <a:spcAft>
+                <a:spcPct val="0"/>
+              </a:spcAft>
+              <a:buClrTx/>
+              <a:buSzTx/>
+              <a:buFontTx/>
+              <a:buNone/>
+              <a:tabLst/>
+            </a:pPr>
+            <a:r>
+              <a:rPr kumimoji="0" lang="en-US" sz="1600" b="0" i="0" u="none" strike="noStrike" cap="none" normalizeH="0" baseline="0" dirty="0" smtClean="0">
+                <a:ln>
+                  <a:noFill/>
+                </a:ln>
+                <a:solidFill>
+                  <a:srgbClr val="000000"/>
+                </a:solidFill>
+                <a:effectLst/>
+                <a:latin typeface="Consolas" panose="020B0609020204030204" pitchFamily="49" charset="0"/>
+                <a:cs typeface="Consolas" panose="020B0609020204030204" pitchFamily="49" charset="0"/>
+              </a:rPr>
+              <a:t>isSpeaking = </a:t>
+            </a:r>
+            <a:r>
+              <a:rPr kumimoji="0" lang="en-US" sz="1600" b="0" i="0" u="none" strike="noStrike" cap="none" normalizeH="0" baseline="0" dirty="0" smtClean="0">
+                <a:ln>
+                  <a:noFill/>
+                </a:ln>
                 <a:solidFill>
                   <a:srgbClr val="0000FF"/>
                 </a:solidFill>
-                <a:highlight>
-                  <a:srgbClr val="FFFFFF"/>
-                </a:highlight>
+                <a:effectLst/>
                 <a:latin typeface="Consolas" panose="020B0609020204030204" pitchFamily="49" charset="0"/>
-              </a:rPr>
-              <a:t>function</a:t>
-            </a:r>
-            <a:r>
-              <a:rPr lang="en-US" dirty="0">
+                <a:cs typeface="Consolas" panose="020B0609020204030204" pitchFamily="49" charset="0"/>
+              </a:rPr>
+              <a:t>true</a:t>
+            </a:r>
+            <a:r>
+              <a:rPr kumimoji="0" lang="en-US" sz="1600" b="0" i="0" u="none" strike="noStrike" cap="none" normalizeH="0" baseline="0" dirty="0" smtClean="0">
+                <a:ln>
+                  <a:noFill/>
+                </a:ln>
                 <a:solidFill>
                   <a:srgbClr val="000000"/>
                 </a:solidFill>
-                <a:highlight>
-                  <a:srgbClr val="FFFFFF"/>
-                </a:highlight>
+                <a:effectLst/>
                 <a:latin typeface="Consolas" panose="020B0609020204030204" pitchFamily="49" charset="0"/>
-              </a:rPr>
-              <a:t>() {</a:t>
-            </a:r>
-          </a:p>
-          <a:p>
-            <a:pPr marL="0" indent="0">
-              <a:buNone/>
-            </a:pPr>
-            <a:r>
-              <a:rPr lang="en-US" dirty="0">
-                <a:solidFill>
-                  <a:srgbClr val="000000"/>
-                </a:solidFill>
-                <a:highlight>
-                  <a:srgbClr val="FFFFFF"/>
-                </a:highlight>
-                <a:latin typeface="Consolas" panose="020B0609020204030204" pitchFamily="49" charset="0"/>
-              </a:rPr>
-              <a:t>  </a:t>
-            </a:r>
-            <a:r>
-              <a:rPr lang="en-US" dirty="0">
-                <a:solidFill>
-                  <a:srgbClr val="0000FF"/>
-                </a:solidFill>
-                <a:highlight>
-                  <a:srgbClr val="FFFFFF"/>
-                </a:highlight>
-                <a:latin typeface="Consolas" panose="020B0609020204030204" pitchFamily="49" charset="0"/>
-              </a:rPr>
-              <a:t>var</a:t>
-            </a:r>
-            <a:r>
-              <a:rPr lang="en-US" dirty="0">
-                <a:solidFill>
-                  <a:srgbClr val="000000"/>
-                </a:solidFill>
-                <a:highlight>
-                  <a:srgbClr val="FFFFFF"/>
-                </a:highlight>
-                <a:latin typeface="Consolas" panose="020B0609020204030204" pitchFamily="49" charset="0"/>
-              </a:rPr>
-              <a:t> add, arr, isSpeaking, name, number, race,</a:t>
-            </a:r>
-          </a:p>
-          <a:p>
-            <a:pPr marL="0" indent="0">
-              <a:buNone/>
-            </a:pPr>
-            <a:r>
-              <a:rPr lang="en-US" dirty="0">
-                <a:solidFill>
-                  <a:srgbClr val="000000"/>
-                </a:solidFill>
-                <a:highlight>
-                  <a:srgbClr val="FFFFFF"/>
-                </a:highlight>
-                <a:latin typeface="Consolas" panose="020B0609020204030204" pitchFamily="49" charset="0"/>
-              </a:rPr>
-              <a:t>    __slice = [].slice;</a:t>
-            </a:r>
-          </a:p>
-          <a:p>
-            <a:endParaRPr lang="en-US" dirty="0">
+                <a:cs typeface="Consolas" panose="020B0609020204030204" pitchFamily="49" charset="0"/>
+              </a:rPr>
+              <a:t>; </a:t>
+            </a:r>
+            <a:endParaRPr kumimoji="0" lang="en-US" sz="1600" b="0" i="0" u="none" strike="noStrike" cap="none" normalizeH="0" baseline="0" dirty="0" smtClean="0">
+              <a:ln>
+                <a:noFill/>
+              </a:ln>
               <a:solidFill>
-                <a:srgbClr val="000000"/>
+                <a:schemeClr val="tx1"/>
               </a:solidFill>
-              <a:highlight>
-                <a:srgbClr val="FFFFFF"/>
-              </a:highlight>
-              <a:latin typeface="Consolas" panose="020B0609020204030204" pitchFamily="49" charset="0"/>
+              <a:effectLst/>
+              <a:latin typeface="Arial" panose="020B0604020202020204" pitchFamily="34" charset="0"/>
             </a:endParaRPr>
-          </a:p>
-          <a:p>
-            <a:pPr marL="0" indent="0">
-              <a:buNone/>
-            </a:pPr>
-            <a:r>
-              <a:rPr lang="en-US" dirty="0">
-                <a:solidFill>
-                  <a:srgbClr val="000000"/>
-                </a:solidFill>
-                <a:highlight>
-                  <a:srgbClr val="FFFFFF"/>
-                </a:highlight>
-                <a:latin typeface="Consolas" panose="020B0609020204030204" pitchFamily="49" charset="0"/>
-              </a:rPr>
-              <a:t>  number = 17;</a:t>
-            </a:r>
-          </a:p>
-          <a:p>
-            <a:endParaRPr lang="en-US" dirty="0">
-              <a:solidFill>
-                <a:srgbClr val="000000"/>
-              </a:solidFill>
-              <a:highlight>
-                <a:srgbClr val="FFFFFF"/>
-              </a:highlight>
-              <a:latin typeface="Consolas" panose="020B0609020204030204" pitchFamily="49" charset="0"/>
-            </a:endParaRPr>
-          </a:p>
-          <a:p>
-            <a:pPr marL="0" indent="0">
-              <a:buNone/>
-            </a:pPr>
-            <a:r>
-              <a:rPr lang="en-US" dirty="0">
-                <a:solidFill>
-                  <a:srgbClr val="000000"/>
-                </a:solidFill>
-                <a:highlight>
-                  <a:srgbClr val="FFFFFF"/>
-                </a:highlight>
-                <a:latin typeface="Consolas" panose="020B0609020204030204" pitchFamily="49" charset="0"/>
-              </a:rPr>
-              <a:t>  name = </a:t>
-            </a:r>
-            <a:r>
-              <a:rPr lang="en-US" dirty="0">
-                <a:solidFill>
-                  <a:srgbClr val="A31515"/>
-                </a:solidFill>
-                <a:highlight>
-                  <a:srgbClr val="FFFFFF"/>
-                </a:highlight>
-                <a:latin typeface="Consolas" panose="020B0609020204030204" pitchFamily="49" charset="0"/>
-              </a:rPr>
-              <a:t>"Jerrel"</a:t>
-            </a:r>
-            <a:r>
-              <a:rPr lang="en-US" dirty="0">
-                <a:solidFill>
-                  <a:srgbClr val="000000"/>
-                </a:solidFill>
-                <a:highlight>
-                  <a:srgbClr val="FFFFFF"/>
-                </a:highlight>
-                <a:latin typeface="Consolas" panose="020B0609020204030204" pitchFamily="49" charset="0"/>
-              </a:rPr>
-              <a:t>;</a:t>
-            </a:r>
-          </a:p>
-          <a:p>
-            <a:endParaRPr lang="en-US" dirty="0">
-              <a:solidFill>
-                <a:srgbClr val="000000"/>
-              </a:solidFill>
-              <a:highlight>
-                <a:srgbClr val="FFFFFF"/>
-              </a:highlight>
-              <a:latin typeface="Consolas" panose="020B0609020204030204" pitchFamily="49" charset="0"/>
-            </a:endParaRPr>
-          </a:p>
-          <a:p>
-            <a:pPr marL="0" indent="0">
-              <a:buNone/>
-            </a:pPr>
-            <a:r>
-              <a:rPr lang="en-US" dirty="0">
-                <a:solidFill>
-                  <a:srgbClr val="000000"/>
-                </a:solidFill>
-                <a:highlight>
-                  <a:srgbClr val="FFFFFF"/>
-                </a:highlight>
-                <a:latin typeface="Consolas" panose="020B0609020204030204" pitchFamily="49" charset="0"/>
-              </a:rPr>
-              <a:t>  isSpeaking = </a:t>
-            </a:r>
-            <a:r>
-              <a:rPr lang="en-US" dirty="0">
-                <a:solidFill>
-                  <a:srgbClr val="0000FF"/>
-                </a:solidFill>
-                <a:highlight>
-                  <a:srgbClr val="FFFFFF"/>
-                </a:highlight>
-                <a:latin typeface="Consolas" panose="020B0609020204030204" pitchFamily="49" charset="0"/>
-              </a:rPr>
-              <a:t>false</a:t>
-            </a:r>
-            <a:r>
-              <a:rPr lang="en-US" dirty="0">
-                <a:solidFill>
-                  <a:srgbClr val="000000"/>
-                </a:solidFill>
-                <a:highlight>
-                  <a:srgbClr val="FFFFFF"/>
-                </a:highlight>
-                <a:latin typeface="Consolas" panose="020B0609020204030204" pitchFamily="49" charset="0"/>
-              </a:rPr>
-              <a:t>;</a:t>
-            </a:r>
-          </a:p>
-          <a:p>
-            <a:endParaRPr lang="en-US" dirty="0">
-              <a:solidFill>
-                <a:srgbClr val="000000"/>
-              </a:solidFill>
-              <a:highlight>
-                <a:srgbClr val="FFFFFF"/>
-              </a:highlight>
-              <a:latin typeface="Consolas" panose="020B0609020204030204" pitchFamily="49" charset="0"/>
-            </a:endParaRPr>
-          </a:p>
-          <a:p>
-            <a:pPr marL="0" indent="0">
-              <a:buNone/>
-            </a:pPr>
-            <a:r>
-              <a:rPr lang="en-US" dirty="0">
-                <a:solidFill>
-                  <a:srgbClr val="000000"/>
-                </a:solidFill>
-                <a:highlight>
-                  <a:srgbClr val="FFFFFF"/>
-                </a:highlight>
-                <a:latin typeface="Consolas" panose="020B0609020204030204" pitchFamily="49" charset="0"/>
-              </a:rPr>
-              <a:t>  arr = [1, 2, 3, 4, 5];</a:t>
-            </a:r>
-          </a:p>
-          <a:p>
-            <a:endParaRPr lang="en-US" dirty="0">
-              <a:solidFill>
-                <a:srgbClr val="000000"/>
-              </a:solidFill>
-              <a:highlight>
-                <a:srgbClr val="FFFFFF"/>
-              </a:highlight>
-              <a:latin typeface="Consolas" panose="020B0609020204030204" pitchFamily="49" charset="0"/>
-            </a:endParaRPr>
-          </a:p>
-          <a:p>
-            <a:pPr marL="0" indent="0">
-              <a:buNone/>
-            </a:pPr>
-            <a:r>
-              <a:rPr lang="en-US" dirty="0">
-                <a:solidFill>
-                  <a:srgbClr val="000000"/>
-                </a:solidFill>
-                <a:highlight>
-                  <a:srgbClr val="FFFFFF"/>
-                </a:highlight>
-                <a:latin typeface="Consolas" panose="020B0609020204030204" pitchFamily="49" charset="0"/>
-              </a:rPr>
-              <a:t>  add = </a:t>
-            </a:r>
-            <a:r>
-              <a:rPr lang="en-US" dirty="0">
-                <a:solidFill>
-                  <a:srgbClr val="0000FF"/>
-                </a:solidFill>
-                <a:highlight>
-                  <a:srgbClr val="FFFFFF"/>
-                </a:highlight>
-                <a:latin typeface="Consolas" panose="020B0609020204030204" pitchFamily="49" charset="0"/>
-              </a:rPr>
-              <a:t>function</a:t>
-            </a:r>
-            <a:r>
-              <a:rPr lang="en-US" dirty="0">
-                <a:solidFill>
-                  <a:srgbClr val="000000"/>
-                </a:solidFill>
-                <a:highlight>
-                  <a:srgbClr val="FFFFFF"/>
-                </a:highlight>
-                <a:latin typeface="Consolas" panose="020B0609020204030204" pitchFamily="49" charset="0"/>
-              </a:rPr>
-              <a:t>(num1, num2) {</a:t>
-            </a:r>
-          </a:p>
-          <a:p>
-            <a:pPr marL="0" indent="0">
-              <a:buNone/>
-            </a:pPr>
-            <a:r>
-              <a:rPr lang="en-US" dirty="0">
-                <a:solidFill>
-                  <a:srgbClr val="000000"/>
-                </a:solidFill>
-                <a:highlight>
-                  <a:srgbClr val="FFFFFF"/>
-                </a:highlight>
-                <a:latin typeface="Consolas" panose="020B0609020204030204" pitchFamily="49" charset="0"/>
-              </a:rPr>
-              <a:t>    </a:t>
-            </a:r>
-            <a:r>
-              <a:rPr lang="en-US" dirty="0">
-                <a:solidFill>
-                  <a:srgbClr val="0000FF"/>
-                </a:solidFill>
-                <a:highlight>
-                  <a:srgbClr val="FFFFFF"/>
-                </a:highlight>
-                <a:latin typeface="Consolas" panose="020B0609020204030204" pitchFamily="49" charset="0"/>
-              </a:rPr>
-              <a:t>return</a:t>
-            </a:r>
-            <a:r>
-              <a:rPr lang="en-US" dirty="0">
-                <a:solidFill>
-                  <a:srgbClr val="000000"/>
-                </a:solidFill>
-                <a:highlight>
-                  <a:srgbClr val="FFFFFF"/>
-                </a:highlight>
-                <a:latin typeface="Consolas" panose="020B0609020204030204" pitchFamily="49" charset="0"/>
-              </a:rPr>
-              <a:t> num1 + num2;</a:t>
-            </a:r>
-          </a:p>
-          <a:p>
-            <a:pPr marL="0" indent="0">
-              <a:buNone/>
-            </a:pPr>
-            <a:r>
-              <a:rPr lang="en-US" dirty="0">
-                <a:solidFill>
-                  <a:srgbClr val="000000"/>
-                </a:solidFill>
-                <a:highlight>
-                  <a:srgbClr val="FFFFFF"/>
-                </a:highlight>
-                <a:latin typeface="Consolas" panose="020B0609020204030204" pitchFamily="49" charset="0"/>
-              </a:rPr>
-              <a:t>  };</a:t>
-            </a:r>
-          </a:p>
-          <a:p>
-            <a:endParaRPr lang="en-US" dirty="0">
-              <a:solidFill>
-                <a:srgbClr val="000000"/>
-              </a:solidFill>
-              <a:highlight>
-                <a:srgbClr val="FFFFFF"/>
-              </a:highlight>
-              <a:latin typeface="Consolas" panose="020B0609020204030204" pitchFamily="49" charset="0"/>
-            </a:endParaRPr>
-          </a:p>
-          <a:p>
-            <a:pPr marL="0" indent="0">
-              <a:buNone/>
-            </a:pPr>
-            <a:r>
-              <a:rPr lang="en-US" dirty="0">
-                <a:solidFill>
-                  <a:srgbClr val="000000"/>
-                </a:solidFill>
-                <a:highlight>
-                  <a:srgbClr val="FFFFFF"/>
-                </a:highlight>
-                <a:latin typeface="Consolas" panose="020B0609020204030204" pitchFamily="49" charset="0"/>
-              </a:rPr>
-              <a:t>  race = </a:t>
-            </a:r>
-            <a:r>
-              <a:rPr lang="en-US" dirty="0">
-                <a:solidFill>
-                  <a:srgbClr val="0000FF"/>
-                </a:solidFill>
-                <a:highlight>
-                  <a:srgbClr val="FFFFFF"/>
-                </a:highlight>
-                <a:latin typeface="Consolas" panose="020B0609020204030204" pitchFamily="49" charset="0"/>
-              </a:rPr>
-              <a:t>function</a:t>
-            </a:r>
-            <a:r>
-              <a:rPr lang="en-US" dirty="0">
-                <a:solidFill>
-                  <a:srgbClr val="000000"/>
-                </a:solidFill>
-                <a:highlight>
-                  <a:srgbClr val="FFFFFF"/>
-                </a:highlight>
-                <a:latin typeface="Consolas" panose="020B0609020204030204" pitchFamily="49" charset="0"/>
-              </a:rPr>
-              <a:t>() {</a:t>
-            </a:r>
-          </a:p>
-          <a:p>
-            <a:pPr marL="0" indent="0">
-              <a:buNone/>
-            </a:pPr>
-            <a:r>
-              <a:rPr lang="en-US" dirty="0">
-                <a:solidFill>
-                  <a:srgbClr val="000000"/>
-                </a:solidFill>
-                <a:highlight>
-                  <a:srgbClr val="FFFFFF"/>
-                </a:highlight>
-                <a:latin typeface="Consolas" panose="020B0609020204030204" pitchFamily="49" charset="0"/>
-              </a:rPr>
-              <a:t>    </a:t>
-            </a:r>
-            <a:r>
-              <a:rPr lang="en-US" dirty="0">
-                <a:solidFill>
-                  <a:srgbClr val="0000FF"/>
-                </a:solidFill>
-                <a:highlight>
-                  <a:srgbClr val="FFFFFF"/>
-                </a:highlight>
-                <a:latin typeface="Consolas" panose="020B0609020204030204" pitchFamily="49" charset="0"/>
-              </a:rPr>
-              <a:t>var</a:t>
-            </a:r>
-            <a:r>
-              <a:rPr lang="en-US" dirty="0">
-                <a:solidFill>
-                  <a:srgbClr val="000000"/>
-                </a:solidFill>
-                <a:highlight>
-                  <a:srgbClr val="FFFFFF"/>
-                </a:highlight>
-                <a:latin typeface="Consolas" panose="020B0609020204030204" pitchFamily="49" charset="0"/>
-              </a:rPr>
-              <a:t> runners, winner;</a:t>
-            </a:r>
-          </a:p>
-          <a:p>
-            <a:pPr marL="0" indent="0">
-              <a:buNone/>
-            </a:pPr>
-            <a:r>
-              <a:rPr lang="en-US" dirty="0">
-                <a:solidFill>
-                  <a:srgbClr val="000000"/>
-                </a:solidFill>
-                <a:highlight>
-                  <a:srgbClr val="FFFFFF"/>
-                </a:highlight>
-                <a:latin typeface="Consolas" panose="020B0609020204030204" pitchFamily="49" charset="0"/>
-              </a:rPr>
-              <a:t>    winner = arguments[0], runners = 2 &lt;= arguments.length ? __slice.call(arguments, 1) : [];</a:t>
-            </a:r>
-          </a:p>
-          <a:p>
-            <a:pPr marL="0" indent="0">
-              <a:buNone/>
-            </a:pPr>
-            <a:r>
-              <a:rPr lang="en-US" dirty="0">
-                <a:solidFill>
-                  <a:srgbClr val="000000"/>
-                </a:solidFill>
-                <a:highlight>
-                  <a:srgbClr val="FFFFFF"/>
-                </a:highlight>
-                <a:latin typeface="Consolas" panose="020B0609020204030204" pitchFamily="49" charset="0"/>
-              </a:rPr>
-              <a:t>    </a:t>
-            </a:r>
-            <a:r>
-              <a:rPr lang="en-US" dirty="0">
-                <a:solidFill>
-                  <a:srgbClr val="0000FF"/>
-                </a:solidFill>
-                <a:highlight>
-                  <a:srgbClr val="FFFFFF"/>
-                </a:highlight>
-                <a:latin typeface="Consolas" panose="020B0609020204030204" pitchFamily="49" charset="0"/>
-              </a:rPr>
-              <a:t>return</a:t>
-            </a:r>
-            <a:r>
-              <a:rPr lang="en-US" dirty="0">
-                <a:solidFill>
-                  <a:srgbClr val="000000"/>
-                </a:solidFill>
-                <a:highlight>
-                  <a:srgbClr val="FFFFFF"/>
-                </a:highlight>
-                <a:latin typeface="Consolas" panose="020B0609020204030204" pitchFamily="49" charset="0"/>
-              </a:rPr>
-              <a:t> print(winner, runners);</a:t>
-            </a:r>
-          </a:p>
-          <a:p>
-            <a:pPr marL="0" indent="0">
-              <a:buNone/>
-            </a:pPr>
-            <a:r>
-              <a:rPr lang="en-US" dirty="0">
-                <a:solidFill>
-                  <a:srgbClr val="000000"/>
-                </a:solidFill>
-                <a:highlight>
-                  <a:srgbClr val="FFFFFF"/>
-                </a:highlight>
-                <a:latin typeface="Consolas" panose="020B0609020204030204" pitchFamily="49" charset="0"/>
-              </a:rPr>
-              <a:t>  };</a:t>
-            </a:r>
-          </a:p>
-          <a:p>
-            <a:endParaRPr lang="en-US" dirty="0">
-              <a:solidFill>
-                <a:srgbClr val="000000"/>
-              </a:solidFill>
-              <a:highlight>
-                <a:srgbClr val="FFFFFF"/>
-              </a:highlight>
-              <a:latin typeface="Consolas" panose="020B0609020204030204" pitchFamily="49" charset="0"/>
-            </a:endParaRPr>
-          </a:p>
-          <a:p>
-            <a:pPr marL="0" indent="0">
-              <a:buNone/>
-            </a:pPr>
-            <a:r>
-              <a:rPr lang="en-US" dirty="0">
-                <a:solidFill>
-                  <a:srgbClr val="000000"/>
-                </a:solidFill>
-                <a:highlight>
-                  <a:srgbClr val="FFFFFF"/>
-                </a:highlight>
-                <a:latin typeface="Consolas" panose="020B0609020204030204" pitchFamily="49" charset="0"/>
-              </a:rPr>
-              <a:t>}).call(</a:t>
-            </a:r>
-            <a:r>
-              <a:rPr lang="en-US" dirty="0">
-                <a:solidFill>
-                  <a:srgbClr val="0000FF"/>
-                </a:solidFill>
-                <a:highlight>
-                  <a:srgbClr val="FFFFFF"/>
-                </a:highlight>
-                <a:latin typeface="Consolas" panose="020B0609020204030204" pitchFamily="49" charset="0"/>
-              </a:rPr>
-              <a:t>this</a:t>
-            </a:r>
-            <a:r>
-              <a:rPr lang="en-US" dirty="0">
-                <a:solidFill>
-                  <a:srgbClr val="000000"/>
-                </a:solidFill>
-                <a:highlight>
-                  <a:srgbClr val="FFFFFF"/>
-                </a:highlight>
-                <a:latin typeface="Consolas" panose="020B0609020204030204" pitchFamily="49" charset="0"/>
-              </a:rPr>
-              <a:t>);</a:t>
-            </a:r>
-            <a:endParaRPr lang="en-US" dirty="0"/>
           </a:p>
         </p:txBody>
       </p:sp>
     </p:spTree>
     <p:extLst>
       <p:ext uri="{BB962C8B-B14F-4D97-AF65-F5344CB8AC3E}">
-        <p14:creationId xmlns:p14="http://schemas.microsoft.com/office/powerpoint/2010/main" val="851354024"/>
+        <p14:creationId xmlns:p14="http://schemas.microsoft.com/office/powerpoint/2010/main" val="1975515311"/>
       </p:ext>
     </p:extLst>
   </p:cSld>
   <p:clrMapOvr>
     <a:masterClrMapping/>
   </p:clrMapOvr>
-  <p:transition spd="slow">
-    <p:push dir="u"/>
-  </p:transition>
-  <p:timing>
-    <p:tnLst>
-      <p:par>
-        <p:cTn id="1" dur="indefinite" restart="never" nodeType="tmRoot"/>
-      </p:par>
-    </p:tnLst>
-  </p:timing>
 </p:sld>
 </file>
 
 <file path=ppt/slides/slide5.xml><?xml version="1.0" encoding="utf-8"?>
+<p:sld xmlns:a="http://schemas.openxmlformats.org/drawingml/2006/main" xmlns:r="http://schemas.openxmlformats.org/officeDocument/2006/relationships" xmlns:p="http://schemas.openxmlformats.org/presentationml/2006/main">
+  <p:cSld>
+    <p:spTree>
+      <p:nvGrpSpPr>
+        <p:cNvPr id="1" name=""/>
+        <p:cNvGrpSpPr/>
+        <p:nvPr/>
+      </p:nvGrpSpPr>
+      <p:grpSpPr>
+        <a:xfrm>
+          <a:off x="0" y="0"/>
+          <a:ext cx="0" cy="0"/>
+          <a:chOff x="0" y="0"/>
+          <a:chExt cx="0" cy="0"/>
+        </a:xfrm>
+      </p:grpSpPr>
+      <p:sp>
+        <p:nvSpPr>
+          <p:cNvPr id="2" name="Title 1"/>
+          <p:cNvSpPr>
+            <a:spLocks noGrp="1"/>
+          </p:cNvSpPr>
+          <p:nvPr>
+            <p:ph type="title"/>
+          </p:nvPr>
+        </p:nvSpPr>
+        <p:spPr/>
+        <p:txBody>
+          <a:bodyPr>
+            <a:normAutofit fontScale="90000"/>
+          </a:bodyPr>
+          <a:lstStyle/>
+          <a:p>
+            <a:r>
+              <a:rPr lang="en-US" dirty="0"/>
+              <a:t>CoffeeScript Examples: </a:t>
+            </a:r>
+            <a:br>
+              <a:rPr lang="en-US" dirty="0"/>
+            </a:br>
+            <a:r>
+              <a:rPr lang="en-US" dirty="0" smtClean="0"/>
+              <a:t>Methods</a:t>
+            </a:r>
+            <a:endParaRPr lang="en-US" dirty="0"/>
+          </a:p>
+        </p:txBody>
+      </p:sp>
+      <p:sp>
+        <p:nvSpPr>
+          <p:cNvPr id="3" name="Text Placeholder 2"/>
+          <p:cNvSpPr>
+            <a:spLocks noGrp="1"/>
+          </p:cNvSpPr>
+          <p:nvPr>
+            <p:ph type="body" idx="1"/>
+          </p:nvPr>
+        </p:nvSpPr>
+        <p:spPr/>
+        <p:txBody>
+          <a:bodyPr/>
+          <a:lstStyle/>
+          <a:p>
+            <a:pPr algn="ctr"/>
+            <a:r>
+              <a:rPr lang="en-US" dirty="0"/>
+              <a:t>CoffeeScript</a:t>
+            </a:r>
+          </a:p>
+        </p:txBody>
+      </p:sp>
+      <p:sp>
+        <p:nvSpPr>
+          <p:cNvPr id="5" name="Text Placeholder 4"/>
+          <p:cNvSpPr>
+            <a:spLocks noGrp="1"/>
+          </p:cNvSpPr>
+          <p:nvPr>
+            <p:ph type="body" sz="quarter" idx="3"/>
+          </p:nvPr>
+        </p:nvSpPr>
+        <p:spPr/>
+        <p:txBody>
+          <a:bodyPr/>
+          <a:lstStyle/>
+          <a:p>
+            <a:pPr algn="ctr"/>
+            <a:r>
+              <a:rPr lang="en-US" dirty="0"/>
+              <a:t>Equivalent </a:t>
+            </a:r>
+            <a:r>
+              <a:rPr lang="en-US" dirty="0" smtClean="0"/>
+              <a:t>JavaScript</a:t>
+            </a:r>
+            <a:endParaRPr lang="en-US" dirty="0"/>
+          </a:p>
+        </p:txBody>
+      </p:sp>
+      <p:sp>
+        <p:nvSpPr>
+          <p:cNvPr id="7" name="Rectangle 1"/>
+          <p:cNvSpPr>
+            <a:spLocks noGrp="1" noChangeArrowheads="1"/>
+          </p:cNvSpPr>
+          <p:nvPr>
+            <p:ph sz="half" idx="2"/>
+          </p:nvPr>
+        </p:nvSpPr>
+        <p:spPr bwMode="auto">
+          <a:xfrm>
+            <a:off x="770737" y="2440529"/>
+            <a:ext cx="3413114" cy="1200329"/>
+          </a:xfrm>
+          <a:prstGeom prst="rect">
+            <a:avLst/>
+          </a:prstGeom>
+          <a:solidFill>
+            <a:srgbClr val="FFFFFF"/>
+          </a:solidFill>
+          <a:ln>
+            <a:noFill/>
+          </a:ln>
+          <a:effectLst/>
+          <a:extLst>
+            <a:ext uri="{91240B29-F687-4F45-9708-019B960494DF}">
+              <a14:hiddenLine xmlns:a14="http://schemas.microsoft.com/office/drawing/2010/main" w="9525">
+                <a:solidFill>
+                  <a:schemeClr val="tx1"/>
+                </a:solidFill>
+                <a:miter lim="800000"/>
+                <a:headEnd/>
+                <a:tailEnd/>
+              </a14:hiddenLine>
+            </a:ext>
+            <a:ext uri="{AF507438-7753-43E0-B8FC-AC1667EBCBE1}">
+              <a14:hiddenEffects xmlns:a14="http://schemas.microsoft.com/office/drawing/2010/main">
+                <a:effectLst>
+                  <a:outerShdw dist="35921" dir="2700000" algn="ctr" rotWithShape="0">
+                    <a:schemeClr val="bg2"/>
+                  </a:outerShdw>
+                </a:effectLst>
+              </a14:hiddenEffects>
+            </a:ext>
+          </a:extLst>
+        </p:spPr>
+        <p:txBody>
+          <a:bodyPr vert="horz" wrap="none" lIns="91440" tIns="45720" rIns="91440" bIns="45720" numCol="1" anchor="ctr" anchorCtr="0" compatLnSpc="1">
+            <a:prstTxWarp prst="textNoShape">
+              <a:avLst/>
+            </a:prstTxWarp>
+            <a:spAutoFit/>
+          </a:bodyPr>
+          <a:lstStyle/>
+          <a:p>
+            <a:pPr marL="0" marR="0" lvl="0" indent="0" algn="l" defTabSz="914400" rtl="0" eaLnBrk="0" fontAlgn="base" latinLnBrk="0" hangingPunct="0">
+              <a:lnSpc>
+                <a:spcPct val="100000"/>
+              </a:lnSpc>
+              <a:spcBef>
+                <a:spcPct val="0"/>
+              </a:spcBef>
+              <a:spcAft>
+                <a:spcPct val="0"/>
+              </a:spcAft>
+              <a:buClrTx/>
+              <a:buSzTx/>
+              <a:buFontTx/>
+              <a:buNone/>
+              <a:tabLst/>
+            </a:pPr>
+            <a:r>
+              <a:rPr kumimoji="0" lang="en-US" sz="1200" b="0" i="0" u="none" strike="noStrike" cap="none" normalizeH="0" baseline="0" dirty="0" smtClean="0">
+                <a:ln>
+                  <a:noFill/>
+                </a:ln>
+                <a:solidFill>
+                  <a:srgbClr val="000000"/>
+                </a:solidFill>
+                <a:effectLst/>
+                <a:latin typeface="Consolas" panose="020B0609020204030204" pitchFamily="49" charset="0"/>
+                <a:cs typeface="Consolas" panose="020B0609020204030204" pitchFamily="49" charset="0"/>
+              </a:rPr>
+              <a:t>add (x,y) -&gt; x + y </a:t>
+            </a:r>
+          </a:p>
+          <a:p>
+            <a:pPr marL="0" marR="0" lvl="0" indent="0" algn="l" defTabSz="914400" rtl="0" eaLnBrk="0" fontAlgn="base" latinLnBrk="0" hangingPunct="0">
+              <a:lnSpc>
+                <a:spcPct val="100000"/>
+              </a:lnSpc>
+              <a:spcBef>
+                <a:spcPct val="0"/>
+              </a:spcBef>
+              <a:spcAft>
+                <a:spcPct val="0"/>
+              </a:spcAft>
+              <a:buClrTx/>
+              <a:buSzTx/>
+              <a:buFontTx/>
+              <a:buNone/>
+              <a:tabLst/>
+            </a:pPr>
+            <a:endParaRPr kumimoji="0" lang="en-US" sz="1200" b="0" i="0" u="none" strike="noStrike" cap="none" normalizeH="0" baseline="0" dirty="0" smtClean="0">
+              <a:ln>
+                <a:noFill/>
+              </a:ln>
+              <a:solidFill>
+                <a:srgbClr val="000000"/>
+              </a:solidFill>
+              <a:effectLst/>
+              <a:latin typeface="Consolas" panose="020B0609020204030204" pitchFamily="49" charset="0"/>
+              <a:cs typeface="Consolas" panose="020B0609020204030204" pitchFamily="49" charset="0"/>
+            </a:endParaRPr>
+          </a:p>
+          <a:p>
+            <a:pPr marL="0" marR="0" lvl="0" indent="0" algn="l" defTabSz="914400" rtl="0" eaLnBrk="0" fontAlgn="base" latinLnBrk="0" hangingPunct="0">
+              <a:lnSpc>
+                <a:spcPct val="100000"/>
+              </a:lnSpc>
+              <a:spcBef>
+                <a:spcPct val="0"/>
+              </a:spcBef>
+              <a:spcAft>
+                <a:spcPct val="0"/>
+              </a:spcAft>
+              <a:buClrTx/>
+              <a:buSzTx/>
+              <a:buFontTx/>
+              <a:buNone/>
+              <a:tabLst/>
+            </a:pPr>
+            <a:r>
+              <a:rPr kumimoji="0" lang="en-US" sz="1200" b="0" i="0" u="none" strike="noStrike" cap="none" normalizeH="0" baseline="0" dirty="0" smtClean="0">
+                <a:ln>
+                  <a:noFill/>
+                </a:ln>
+                <a:solidFill>
+                  <a:srgbClr val="000000"/>
+                </a:solidFill>
+                <a:effectLst/>
+                <a:latin typeface="Consolas" panose="020B0609020204030204" pitchFamily="49" charset="0"/>
+                <a:cs typeface="Consolas" panose="020B0609020204030204" pitchFamily="49" charset="0"/>
+              </a:rPr>
+              <a:t>addToString (original, stringToAdd) -&gt;</a:t>
+            </a:r>
+          </a:p>
+          <a:p>
+            <a:pPr marL="0" marR="0" lvl="0" indent="0" algn="l" defTabSz="914400" rtl="0" eaLnBrk="0" fontAlgn="base" latinLnBrk="0" hangingPunct="0">
+              <a:lnSpc>
+                <a:spcPct val="100000"/>
+              </a:lnSpc>
+              <a:spcBef>
+                <a:spcPct val="0"/>
+              </a:spcBef>
+              <a:spcAft>
+                <a:spcPct val="0"/>
+              </a:spcAft>
+              <a:buClrTx/>
+              <a:buSzTx/>
+              <a:buFontTx/>
+              <a:buNone/>
+              <a:tabLst/>
+            </a:pPr>
+            <a:r>
+              <a:rPr kumimoji="0" lang="en-US" sz="1200" b="0" i="0" u="none" strike="noStrike" cap="none" normalizeH="0" baseline="0" dirty="0" smtClean="0">
+                <a:ln>
+                  <a:noFill/>
+                </a:ln>
+                <a:solidFill>
+                  <a:srgbClr val="000000"/>
+                </a:solidFill>
+                <a:effectLst/>
+                <a:latin typeface="Consolas" panose="020B0609020204030204" pitchFamily="49" charset="0"/>
+                <a:cs typeface="Consolas" panose="020B0609020204030204" pitchFamily="49" charset="0"/>
+              </a:rPr>
+              <a:t>      </a:t>
+            </a:r>
+            <a:r>
+              <a:rPr kumimoji="0" lang="en-US" sz="1200" b="0" i="0" u="none" strike="noStrike" cap="none" normalizeH="0" baseline="0" dirty="0" smtClean="0">
+                <a:ln>
+                  <a:noFill/>
+                </a:ln>
+                <a:solidFill>
+                  <a:srgbClr val="A31515"/>
+                </a:solidFill>
+                <a:effectLst/>
+                <a:latin typeface="Consolas" panose="020B0609020204030204" pitchFamily="49" charset="0"/>
+                <a:cs typeface="Consolas" panose="020B0609020204030204" pitchFamily="49" charset="0"/>
+              </a:rPr>
+              <a:t>"#{original}, #{stringToAdd}"</a:t>
+            </a:r>
+            <a:r>
+              <a:rPr kumimoji="0" lang="en-US" sz="1200" b="0" i="0" u="none" strike="noStrike" cap="none" normalizeH="0" baseline="0" dirty="0" smtClean="0">
+                <a:ln>
+                  <a:noFill/>
+                </a:ln>
+                <a:solidFill>
+                  <a:srgbClr val="000000"/>
+                </a:solidFill>
+                <a:effectLst/>
+                <a:latin typeface="Consolas" panose="020B0609020204030204" pitchFamily="49" charset="0"/>
+                <a:cs typeface="Consolas" panose="020B0609020204030204" pitchFamily="49" charset="0"/>
+              </a:rPr>
+              <a:t> </a:t>
+            </a:r>
+          </a:p>
+          <a:p>
+            <a:pPr marL="0" marR="0" lvl="0" indent="0" algn="l" defTabSz="914400" rtl="0" eaLnBrk="0" fontAlgn="base" latinLnBrk="0" hangingPunct="0">
+              <a:lnSpc>
+                <a:spcPct val="100000"/>
+              </a:lnSpc>
+              <a:spcBef>
+                <a:spcPct val="0"/>
+              </a:spcBef>
+              <a:spcAft>
+                <a:spcPct val="0"/>
+              </a:spcAft>
+              <a:buClrTx/>
+              <a:buSzTx/>
+              <a:buFontTx/>
+              <a:buNone/>
+              <a:tabLst/>
+            </a:pPr>
+            <a:endParaRPr kumimoji="0" lang="en-US" sz="1200" b="0" i="0" u="none" strike="noStrike" cap="none" normalizeH="0" baseline="0" dirty="0" smtClean="0">
+              <a:ln>
+                <a:noFill/>
+              </a:ln>
+              <a:solidFill>
+                <a:srgbClr val="000000"/>
+              </a:solidFill>
+              <a:effectLst/>
+              <a:latin typeface="Consolas" panose="020B0609020204030204" pitchFamily="49" charset="0"/>
+              <a:cs typeface="Consolas" panose="020B0609020204030204" pitchFamily="49" charset="0"/>
+            </a:endParaRPr>
+          </a:p>
+          <a:p>
+            <a:pPr marL="0" marR="0" lvl="0" indent="0" algn="l" defTabSz="914400" rtl="0" eaLnBrk="0" fontAlgn="base" latinLnBrk="0" hangingPunct="0">
+              <a:lnSpc>
+                <a:spcPct val="100000"/>
+              </a:lnSpc>
+              <a:spcBef>
+                <a:spcPct val="0"/>
+              </a:spcBef>
+              <a:spcAft>
+                <a:spcPct val="0"/>
+              </a:spcAft>
+              <a:buClrTx/>
+              <a:buSzTx/>
+              <a:buFontTx/>
+              <a:buNone/>
+              <a:tabLst/>
+            </a:pPr>
+            <a:r>
+              <a:rPr kumimoji="0" lang="en-US" sz="1200" b="0" i="0" u="none" strike="noStrike" cap="none" normalizeH="0" baseline="0" dirty="0" smtClean="0">
+                <a:ln>
+                  <a:noFill/>
+                </a:ln>
+                <a:solidFill>
+                  <a:srgbClr val="000000"/>
+                </a:solidFill>
+                <a:effectLst/>
+                <a:latin typeface="Consolas" panose="020B0609020204030204" pitchFamily="49" charset="0"/>
+                <a:cs typeface="Consolas" panose="020B0609020204030204" pitchFamily="49" charset="0"/>
+              </a:rPr>
+              <a:t>addPlus1(</a:t>
+            </a:r>
+            <a:r>
+              <a:rPr kumimoji="0" lang="en-US" sz="1200" b="0" i="0" u="none" strike="noStrike" cap="none" normalizeH="0" baseline="0" dirty="0" err="1" smtClean="0">
+                <a:ln>
+                  <a:noFill/>
+                </a:ln>
+                <a:solidFill>
+                  <a:srgbClr val="000000"/>
+                </a:solidFill>
+                <a:effectLst/>
+                <a:latin typeface="Consolas" panose="020B0609020204030204" pitchFamily="49" charset="0"/>
+                <a:cs typeface="Consolas" panose="020B0609020204030204" pitchFamily="49" charset="0"/>
+              </a:rPr>
+              <a:t>x,y</a:t>
+            </a:r>
+            <a:r>
+              <a:rPr kumimoji="0" lang="en-US" sz="1200" b="0" i="0" u="none" strike="noStrike" cap="none" normalizeH="0" baseline="0" dirty="0" smtClean="0">
+                <a:ln>
+                  <a:noFill/>
+                </a:ln>
+                <a:solidFill>
+                  <a:srgbClr val="000000"/>
+                </a:solidFill>
+                <a:effectLst/>
+                <a:latin typeface="Consolas" panose="020B0609020204030204" pitchFamily="49" charset="0"/>
+                <a:cs typeface="Consolas" panose="020B0609020204030204" pitchFamily="49" charset="0"/>
+              </a:rPr>
+              <a:t>) -&gt; add(</a:t>
+            </a:r>
+            <a:r>
+              <a:rPr kumimoji="0" lang="en-US" sz="1200" b="0" i="0" u="none" strike="noStrike" cap="none" normalizeH="0" baseline="0" dirty="0" err="1" smtClean="0">
+                <a:ln>
+                  <a:noFill/>
+                </a:ln>
+                <a:solidFill>
+                  <a:srgbClr val="000000"/>
+                </a:solidFill>
+                <a:effectLst/>
+                <a:latin typeface="Consolas" panose="020B0609020204030204" pitchFamily="49" charset="0"/>
+                <a:cs typeface="Consolas" panose="020B0609020204030204" pitchFamily="49" charset="0"/>
+              </a:rPr>
+              <a:t>x,y</a:t>
+            </a:r>
+            <a:r>
+              <a:rPr kumimoji="0" lang="en-US" sz="1200" b="0" i="0" u="none" strike="noStrike" cap="none" normalizeH="0" baseline="0" dirty="0" smtClean="0">
+                <a:ln>
+                  <a:noFill/>
+                </a:ln>
+                <a:solidFill>
+                  <a:srgbClr val="000000"/>
+                </a:solidFill>
+                <a:effectLst/>
+                <a:latin typeface="Consolas" panose="020B0609020204030204" pitchFamily="49" charset="0"/>
+                <a:cs typeface="Consolas" panose="020B0609020204030204" pitchFamily="49" charset="0"/>
+              </a:rPr>
+              <a:t>) + 1 </a:t>
+            </a:r>
+            <a:endParaRPr kumimoji="0" lang="en-US" sz="1200" b="0" i="0" u="none" strike="noStrike" cap="none" normalizeH="0" baseline="0" dirty="0" smtClean="0">
+              <a:ln>
+                <a:noFill/>
+              </a:ln>
+              <a:solidFill>
+                <a:schemeClr val="tx1"/>
+              </a:solidFill>
+              <a:effectLst/>
+              <a:latin typeface="Arial" panose="020B0604020202020204" pitchFamily="34" charset="0"/>
+            </a:endParaRPr>
+          </a:p>
+        </p:txBody>
+      </p:sp>
+      <p:sp>
+        <p:nvSpPr>
+          <p:cNvPr id="8" name="Rectangle 2"/>
+          <p:cNvSpPr>
+            <a:spLocks noGrp="1" noChangeArrowheads="1"/>
+          </p:cNvSpPr>
+          <p:nvPr>
+            <p:ph sz="quarter" idx="4"/>
+          </p:nvPr>
+        </p:nvSpPr>
+        <p:spPr bwMode="auto">
+          <a:xfrm>
+            <a:off x="4876800" y="2440529"/>
+            <a:ext cx="4007828" cy="2123658"/>
+          </a:xfrm>
+          <a:prstGeom prst="rect">
+            <a:avLst/>
+          </a:prstGeom>
+          <a:solidFill>
+            <a:srgbClr val="FFFFFF"/>
+          </a:solidFill>
+          <a:ln>
+            <a:noFill/>
+          </a:ln>
+          <a:effectLst/>
+          <a:extLst>
+            <a:ext uri="{91240B29-F687-4F45-9708-019B960494DF}">
+              <a14:hiddenLine xmlns:a14="http://schemas.microsoft.com/office/drawing/2010/main" w="9525">
+                <a:solidFill>
+                  <a:schemeClr val="tx1"/>
+                </a:solidFill>
+                <a:miter lim="800000"/>
+                <a:headEnd/>
+                <a:tailEnd/>
+              </a14:hiddenLine>
+            </a:ext>
+            <a:ext uri="{AF507438-7753-43E0-B8FC-AC1667EBCBE1}">
+              <a14:hiddenEffects xmlns:a14="http://schemas.microsoft.com/office/drawing/2010/main">
+                <a:effectLst>
+                  <a:outerShdw dist="35921" dir="2700000" algn="ctr" rotWithShape="0">
+                    <a:schemeClr val="bg2"/>
+                  </a:outerShdw>
+                </a:effectLst>
+              </a14:hiddenEffects>
+            </a:ext>
+          </a:extLst>
+        </p:spPr>
+        <p:txBody>
+          <a:bodyPr vert="horz" wrap="none" lIns="91440" tIns="45720" rIns="91440" bIns="45720" numCol="1" anchor="ctr" anchorCtr="0" compatLnSpc="1">
+            <a:prstTxWarp prst="textNoShape">
+              <a:avLst/>
+            </a:prstTxWarp>
+            <a:spAutoFit/>
+          </a:bodyPr>
+          <a:lstStyle/>
+          <a:p>
+            <a:pPr marL="0" marR="0" lvl="0" indent="0" algn="l" defTabSz="914400" rtl="0" eaLnBrk="0" fontAlgn="base" latinLnBrk="0" hangingPunct="0">
+              <a:lnSpc>
+                <a:spcPct val="100000"/>
+              </a:lnSpc>
+              <a:spcBef>
+                <a:spcPct val="0"/>
+              </a:spcBef>
+              <a:spcAft>
+                <a:spcPct val="0"/>
+              </a:spcAft>
+              <a:buClrTx/>
+              <a:buSzTx/>
+              <a:buFontTx/>
+              <a:buNone/>
+              <a:tabLst/>
+            </a:pPr>
+            <a:r>
+              <a:rPr kumimoji="0" lang="en-US" sz="1200" b="0" i="0" u="none" strike="noStrike" cap="none" normalizeH="0" baseline="0" dirty="0" smtClean="0">
+                <a:ln>
+                  <a:noFill/>
+                </a:ln>
+                <a:solidFill>
+                  <a:srgbClr val="000000"/>
+                </a:solidFill>
+                <a:effectLst/>
+                <a:latin typeface="Consolas" panose="020B0609020204030204" pitchFamily="49" charset="0"/>
+                <a:cs typeface="Consolas" panose="020B0609020204030204" pitchFamily="49" charset="0"/>
+              </a:rPr>
+              <a:t>add(</a:t>
+            </a:r>
+            <a:r>
+              <a:rPr kumimoji="0" lang="en-US" sz="1200" b="0" i="0" u="none" strike="noStrike" cap="none" normalizeH="0" baseline="0" dirty="0" smtClean="0">
+                <a:ln>
+                  <a:noFill/>
+                </a:ln>
+                <a:solidFill>
+                  <a:srgbClr val="0000FF"/>
+                </a:solidFill>
+                <a:effectLst/>
+                <a:latin typeface="Consolas" panose="020B0609020204030204" pitchFamily="49" charset="0"/>
+                <a:cs typeface="Consolas" panose="020B0609020204030204" pitchFamily="49" charset="0"/>
+              </a:rPr>
+              <a:t>function</a:t>
+            </a:r>
+            <a:r>
+              <a:rPr kumimoji="0" lang="en-US" sz="1200" b="0" i="0" u="none" strike="noStrike" cap="none" normalizeH="0" baseline="0" dirty="0" smtClean="0">
+                <a:ln>
+                  <a:noFill/>
+                </a:ln>
+                <a:solidFill>
+                  <a:srgbClr val="000000"/>
+                </a:solidFill>
+                <a:effectLst/>
+                <a:latin typeface="Consolas" panose="020B0609020204030204" pitchFamily="49" charset="0"/>
+                <a:cs typeface="Consolas" panose="020B0609020204030204" pitchFamily="49" charset="0"/>
+              </a:rPr>
+              <a:t>(x, y) {</a:t>
+            </a:r>
+          </a:p>
+          <a:p>
+            <a:pPr marL="0" marR="0" lvl="0" indent="0" algn="l" defTabSz="914400" rtl="0" eaLnBrk="0" fontAlgn="base" latinLnBrk="0" hangingPunct="0">
+              <a:lnSpc>
+                <a:spcPct val="100000"/>
+              </a:lnSpc>
+              <a:spcBef>
+                <a:spcPct val="0"/>
+              </a:spcBef>
+              <a:spcAft>
+                <a:spcPct val="0"/>
+              </a:spcAft>
+              <a:buClrTx/>
+              <a:buSzTx/>
+              <a:buFontTx/>
+              <a:buNone/>
+              <a:tabLst/>
+            </a:pPr>
+            <a:r>
+              <a:rPr kumimoji="0" lang="en-US" sz="1200" b="0" i="0" u="none" strike="noStrike" cap="none" normalizeH="0" baseline="0" dirty="0" smtClean="0">
+                <a:ln>
+                  <a:noFill/>
+                </a:ln>
+                <a:solidFill>
+                  <a:srgbClr val="000000"/>
+                </a:solidFill>
+                <a:effectLst/>
+                <a:latin typeface="Consolas" panose="020B0609020204030204" pitchFamily="49" charset="0"/>
+                <a:cs typeface="Consolas" panose="020B0609020204030204" pitchFamily="49" charset="0"/>
+              </a:rPr>
+              <a:t>     </a:t>
+            </a:r>
+            <a:r>
+              <a:rPr kumimoji="0" lang="en-US" sz="1200" b="0" i="0" u="none" strike="noStrike" cap="none" normalizeH="0" baseline="0" dirty="0" smtClean="0">
+                <a:ln>
+                  <a:noFill/>
+                </a:ln>
+                <a:solidFill>
+                  <a:srgbClr val="0000FF"/>
+                </a:solidFill>
+                <a:effectLst/>
+                <a:latin typeface="Consolas" panose="020B0609020204030204" pitchFamily="49" charset="0"/>
+                <a:cs typeface="Consolas" panose="020B0609020204030204" pitchFamily="49" charset="0"/>
+              </a:rPr>
+              <a:t>return</a:t>
+            </a:r>
+            <a:r>
+              <a:rPr kumimoji="0" lang="en-US" sz="1200" b="0" i="0" u="none" strike="noStrike" cap="none" normalizeH="0" baseline="0" dirty="0" smtClean="0">
+                <a:ln>
+                  <a:noFill/>
+                </a:ln>
+                <a:solidFill>
+                  <a:srgbClr val="000000"/>
+                </a:solidFill>
+                <a:effectLst/>
+                <a:latin typeface="Consolas" panose="020B0609020204030204" pitchFamily="49" charset="0"/>
+                <a:cs typeface="Consolas" panose="020B0609020204030204" pitchFamily="49" charset="0"/>
+              </a:rPr>
+              <a:t> x + y;   </a:t>
+            </a:r>
+          </a:p>
+          <a:p>
+            <a:pPr marL="0" marR="0" lvl="0" indent="0" algn="l" defTabSz="914400" rtl="0" eaLnBrk="0" fontAlgn="base" latinLnBrk="0" hangingPunct="0">
+              <a:lnSpc>
+                <a:spcPct val="100000"/>
+              </a:lnSpc>
+              <a:spcBef>
+                <a:spcPct val="0"/>
+              </a:spcBef>
+              <a:spcAft>
+                <a:spcPct val="0"/>
+              </a:spcAft>
+              <a:buClrTx/>
+              <a:buSzTx/>
+              <a:buFontTx/>
+              <a:buNone/>
+              <a:tabLst/>
+            </a:pPr>
+            <a:r>
+              <a:rPr kumimoji="0" lang="en-US" sz="1200" b="0" i="0" u="none" strike="noStrike" cap="none" normalizeH="0" baseline="0" dirty="0" smtClean="0">
+                <a:ln>
+                  <a:noFill/>
+                </a:ln>
+                <a:solidFill>
+                  <a:srgbClr val="000000"/>
+                </a:solidFill>
+                <a:effectLst/>
+                <a:latin typeface="Consolas" panose="020B0609020204030204" pitchFamily="49" charset="0"/>
+                <a:cs typeface="Consolas" panose="020B0609020204030204" pitchFamily="49" charset="0"/>
+              </a:rPr>
+              <a:t>});   </a:t>
+            </a:r>
+          </a:p>
+          <a:p>
+            <a:pPr marL="0" marR="0" lvl="0" indent="0" algn="l" defTabSz="914400" rtl="0" eaLnBrk="0" fontAlgn="base" latinLnBrk="0" hangingPunct="0">
+              <a:lnSpc>
+                <a:spcPct val="100000"/>
+              </a:lnSpc>
+              <a:spcBef>
+                <a:spcPct val="0"/>
+              </a:spcBef>
+              <a:spcAft>
+                <a:spcPct val="0"/>
+              </a:spcAft>
+              <a:buClrTx/>
+              <a:buSzTx/>
+              <a:buFontTx/>
+              <a:buNone/>
+              <a:tabLst/>
+            </a:pPr>
+            <a:endParaRPr lang="en-US" sz="1200" dirty="0">
+              <a:solidFill>
+                <a:srgbClr val="000000"/>
+              </a:solidFill>
+              <a:latin typeface="Consolas" panose="020B0609020204030204" pitchFamily="49" charset="0"/>
+              <a:cs typeface="Consolas" panose="020B0609020204030204" pitchFamily="49" charset="0"/>
+            </a:endParaRPr>
+          </a:p>
+          <a:p>
+            <a:pPr marL="0" marR="0" lvl="0" indent="0" algn="l" defTabSz="914400" rtl="0" eaLnBrk="0" fontAlgn="base" latinLnBrk="0" hangingPunct="0">
+              <a:lnSpc>
+                <a:spcPct val="100000"/>
+              </a:lnSpc>
+              <a:spcBef>
+                <a:spcPct val="0"/>
+              </a:spcBef>
+              <a:spcAft>
+                <a:spcPct val="0"/>
+              </a:spcAft>
+              <a:buClrTx/>
+              <a:buSzTx/>
+              <a:buFontTx/>
+              <a:buNone/>
+              <a:tabLst/>
+            </a:pPr>
+            <a:r>
+              <a:rPr kumimoji="0" lang="en-US" sz="1200" b="0" i="0" u="none" strike="noStrike" cap="none" normalizeH="0" baseline="0" dirty="0" smtClean="0">
+                <a:ln>
+                  <a:noFill/>
+                </a:ln>
+                <a:solidFill>
+                  <a:srgbClr val="000000"/>
+                </a:solidFill>
+                <a:effectLst/>
+                <a:latin typeface="Consolas" panose="020B0609020204030204" pitchFamily="49" charset="0"/>
+                <a:cs typeface="Consolas" panose="020B0609020204030204" pitchFamily="49" charset="0"/>
+              </a:rPr>
+              <a:t>addToString(</a:t>
+            </a:r>
+            <a:r>
+              <a:rPr kumimoji="0" lang="en-US" sz="1200" b="0" i="0" u="none" strike="noStrike" cap="none" normalizeH="0" baseline="0" dirty="0" smtClean="0">
+                <a:ln>
+                  <a:noFill/>
+                </a:ln>
+                <a:solidFill>
+                  <a:srgbClr val="0000FF"/>
+                </a:solidFill>
+                <a:effectLst/>
+                <a:latin typeface="Consolas" panose="020B0609020204030204" pitchFamily="49" charset="0"/>
+                <a:cs typeface="Consolas" panose="020B0609020204030204" pitchFamily="49" charset="0"/>
+              </a:rPr>
+              <a:t>function</a:t>
+            </a:r>
+            <a:r>
+              <a:rPr kumimoji="0" lang="en-US" sz="1200" b="0" i="0" u="none" strike="noStrike" cap="none" normalizeH="0" baseline="0" dirty="0" smtClean="0">
+                <a:ln>
+                  <a:noFill/>
+                </a:ln>
+                <a:solidFill>
+                  <a:srgbClr val="000000"/>
+                </a:solidFill>
+                <a:effectLst/>
+                <a:latin typeface="Consolas" panose="020B0609020204030204" pitchFamily="49" charset="0"/>
+                <a:cs typeface="Consolas" panose="020B0609020204030204" pitchFamily="49" charset="0"/>
+              </a:rPr>
+              <a:t>(original, stringToAdd) {</a:t>
+            </a:r>
+          </a:p>
+          <a:p>
+            <a:pPr marL="0" marR="0" lvl="0" indent="0" algn="l" defTabSz="914400" rtl="0" eaLnBrk="0" fontAlgn="base" latinLnBrk="0" hangingPunct="0">
+              <a:lnSpc>
+                <a:spcPct val="100000"/>
+              </a:lnSpc>
+              <a:spcBef>
+                <a:spcPct val="0"/>
+              </a:spcBef>
+              <a:spcAft>
+                <a:spcPct val="0"/>
+              </a:spcAft>
+              <a:buClrTx/>
+              <a:buSzTx/>
+              <a:buFontTx/>
+              <a:buNone/>
+              <a:tabLst/>
+            </a:pPr>
+            <a:r>
+              <a:rPr kumimoji="0" lang="en-US" sz="1200" b="0" i="0" u="none" strike="noStrike" cap="none" normalizeH="0" baseline="0" dirty="0" smtClean="0">
+                <a:ln>
+                  <a:noFill/>
+                </a:ln>
+                <a:solidFill>
+                  <a:srgbClr val="000000"/>
+                </a:solidFill>
+                <a:effectLst/>
+                <a:latin typeface="Consolas" panose="020B0609020204030204" pitchFamily="49" charset="0"/>
+                <a:cs typeface="Consolas" panose="020B0609020204030204" pitchFamily="49" charset="0"/>
+              </a:rPr>
+              <a:t>     </a:t>
+            </a:r>
+            <a:r>
+              <a:rPr kumimoji="0" lang="en-US" sz="1200" b="0" i="0" u="none" strike="noStrike" cap="none" normalizeH="0" baseline="0" dirty="0" smtClean="0">
+                <a:ln>
+                  <a:noFill/>
+                </a:ln>
+                <a:solidFill>
+                  <a:srgbClr val="0000FF"/>
+                </a:solidFill>
+                <a:effectLst/>
+                <a:latin typeface="Consolas" panose="020B0609020204030204" pitchFamily="49" charset="0"/>
+                <a:cs typeface="Consolas" panose="020B0609020204030204" pitchFamily="49" charset="0"/>
+              </a:rPr>
+              <a:t>return</a:t>
+            </a:r>
+            <a:r>
+              <a:rPr kumimoji="0" lang="en-US" sz="1200" b="0" i="0" u="none" strike="noStrike" cap="none" normalizeH="0" baseline="0" dirty="0" smtClean="0">
+                <a:ln>
+                  <a:noFill/>
+                </a:ln>
+                <a:solidFill>
+                  <a:srgbClr val="000000"/>
+                </a:solidFill>
+                <a:effectLst/>
+                <a:latin typeface="Consolas" panose="020B0609020204030204" pitchFamily="49" charset="0"/>
+                <a:cs typeface="Consolas" panose="020B0609020204030204" pitchFamily="49" charset="0"/>
+              </a:rPr>
+              <a:t> original + </a:t>
+            </a:r>
+            <a:r>
+              <a:rPr kumimoji="0" lang="en-US" sz="1200" b="0" i="0" u="none" strike="noStrike" cap="none" normalizeH="0" baseline="0" dirty="0" smtClean="0">
+                <a:ln>
+                  <a:noFill/>
+                </a:ln>
+                <a:solidFill>
+                  <a:srgbClr val="A31515"/>
+                </a:solidFill>
+                <a:effectLst/>
+                <a:latin typeface="Consolas" panose="020B0609020204030204" pitchFamily="49" charset="0"/>
+                <a:cs typeface="Consolas" panose="020B0609020204030204" pitchFamily="49" charset="0"/>
+              </a:rPr>
+              <a:t>", "</a:t>
+            </a:r>
+            <a:r>
+              <a:rPr kumimoji="0" lang="en-US" sz="1200" b="0" i="0" u="none" strike="noStrike" cap="none" normalizeH="0" baseline="0" dirty="0" smtClean="0">
+                <a:ln>
+                  <a:noFill/>
+                </a:ln>
+                <a:solidFill>
+                  <a:srgbClr val="000000"/>
+                </a:solidFill>
+                <a:effectLst/>
+                <a:latin typeface="Consolas" panose="020B0609020204030204" pitchFamily="49" charset="0"/>
+                <a:cs typeface="Consolas" panose="020B0609020204030204" pitchFamily="49" charset="0"/>
+              </a:rPr>
+              <a:t> + stringToAdd;   </a:t>
+            </a:r>
+          </a:p>
+          <a:p>
+            <a:pPr marL="0" marR="0" lvl="0" indent="0" algn="l" defTabSz="914400" rtl="0" eaLnBrk="0" fontAlgn="base" latinLnBrk="0" hangingPunct="0">
+              <a:lnSpc>
+                <a:spcPct val="100000"/>
+              </a:lnSpc>
+              <a:spcBef>
+                <a:spcPct val="0"/>
+              </a:spcBef>
+              <a:spcAft>
+                <a:spcPct val="0"/>
+              </a:spcAft>
+              <a:buClrTx/>
+              <a:buSzTx/>
+              <a:buFontTx/>
+              <a:buNone/>
+              <a:tabLst/>
+            </a:pPr>
+            <a:r>
+              <a:rPr kumimoji="0" lang="en-US" sz="1200" b="0" i="0" u="none" strike="noStrike" cap="none" normalizeH="0" baseline="0" dirty="0" smtClean="0">
+                <a:ln>
+                  <a:noFill/>
+                </a:ln>
+                <a:solidFill>
+                  <a:srgbClr val="000000"/>
+                </a:solidFill>
+                <a:effectLst/>
+                <a:latin typeface="Consolas" panose="020B0609020204030204" pitchFamily="49" charset="0"/>
+                <a:cs typeface="Consolas" panose="020B0609020204030204" pitchFamily="49" charset="0"/>
+              </a:rPr>
+              <a:t>});   </a:t>
+            </a:r>
+          </a:p>
+          <a:p>
+            <a:pPr marL="0" marR="0" lvl="0" indent="0" algn="l" defTabSz="914400" rtl="0" eaLnBrk="0" fontAlgn="base" latinLnBrk="0" hangingPunct="0">
+              <a:lnSpc>
+                <a:spcPct val="100000"/>
+              </a:lnSpc>
+              <a:spcBef>
+                <a:spcPct val="0"/>
+              </a:spcBef>
+              <a:spcAft>
+                <a:spcPct val="0"/>
+              </a:spcAft>
+              <a:buClrTx/>
+              <a:buSzTx/>
+              <a:buFontTx/>
+              <a:buNone/>
+              <a:tabLst/>
+            </a:pPr>
+            <a:endParaRPr lang="en-US" sz="1200" dirty="0">
+              <a:solidFill>
+                <a:srgbClr val="000000"/>
+              </a:solidFill>
+              <a:latin typeface="Consolas" panose="020B0609020204030204" pitchFamily="49" charset="0"/>
+              <a:cs typeface="Consolas" panose="020B0609020204030204" pitchFamily="49" charset="0"/>
+            </a:endParaRPr>
+          </a:p>
+          <a:p>
+            <a:pPr marL="0" marR="0" lvl="0" indent="0" algn="l" defTabSz="914400" rtl="0" eaLnBrk="0" fontAlgn="base" latinLnBrk="0" hangingPunct="0">
+              <a:lnSpc>
+                <a:spcPct val="100000"/>
+              </a:lnSpc>
+              <a:spcBef>
+                <a:spcPct val="0"/>
+              </a:spcBef>
+              <a:spcAft>
+                <a:spcPct val="0"/>
+              </a:spcAft>
+              <a:buClrTx/>
+              <a:buSzTx/>
+              <a:buFontTx/>
+              <a:buNone/>
+              <a:tabLst/>
+            </a:pPr>
+            <a:r>
+              <a:rPr kumimoji="0" lang="en-US" sz="1200" b="0" i="0" u="none" strike="noStrike" cap="none" normalizeH="0" baseline="0" dirty="0" smtClean="0">
+                <a:ln>
+                  <a:noFill/>
+                </a:ln>
+                <a:solidFill>
+                  <a:srgbClr val="000000"/>
+                </a:solidFill>
+                <a:effectLst/>
+                <a:latin typeface="Consolas" panose="020B0609020204030204" pitchFamily="49" charset="0"/>
+                <a:cs typeface="Consolas" panose="020B0609020204030204" pitchFamily="49" charset="0"/>
+              </a:rPr>
+              <a:t>addPlus1(x, y)(</a:t>
+            </a:r>
+            <a:r>
+              <a:rPr kumimoji="0" lang="en-US" sz="1200" b="0" i="0" u="none" strike="noStrike" cap="none" normalizeH="0" baseline="0" dirty="0" smtClean="0">
+                <a:ln>
+                  <a:noFill/>
+                </a:ln>
+                <a:solidFill>
+                  <a:srgbClr val="0000FF"/>
+                </a:solidFill>
+                <a:effectLst/>
+                <a:latin typeface="Consolas" panose="020B0609020204030204" pitchFamily="49" charset="0"/>
+                <a:cs typeface="Consolas" panose="020B0609020204030204" pitchFamily="49" charset="0"/>
+              </a:rPr>
+              <a:t>function</a:t>
+            </a:r>
+            <a:r>
+              <a:rPr kumimoji="0" lang="en-US" sz="1200" b="0" i="0" u="none" strike="noStrike" cap="none" normalizeH="0" baseline="0" dirty="0" smtClean="0">
+                <a:ln>
+                  <a:noFill/>
+                </a:ln>
+                <a:solidFill>
+                  <a:srgbClr val="000000"/>
+                </a:solidFill>
+                <a:effectLst/>
+                <a:latin typeface="Consolas" panose="020B0609020204030204" pitchFamily="49" charset="0"/>
+                <a:cs typeface="Consolas" panose="020B0609020204030204" pitchFamily="49" charset="0"/>
+              </a:rPr>
+              <a:t>() {</a:t>
+            </a:r>
+          </a:p>
+          <a:p>
+            <a:pPr marL="0" marR="0" lvl="0" indent="0" algn="l" defTabSz="914400" rtl="0" eaLnBrk="0" fontAlgn="base" latinLnBrk="0" hangingPunct="0">
+              <a:lnSpc>
+                <a:spcPct val="100000"/>
+              </a:lnSpc>
+              <a:spcBef>
+                <a:spcPct val="0"/>
+              </a:spcBef>
+              <a:spcAft>
+                <a:spcPct val="0"/>
+              </a:spcAft>
+              <a:buClrTx/>
+              <a:buSzTx/>
+              <a:buFontTx/>
+              <a:buNone/>
+              <a:tabLst/>
+            </a:pPr>
+            <a:r>
+              <a:rPr kumimoji="0" lang="en-US" sz="1200" b="0" i="0" u="none" strike="noStrike" cap="none" normalizeH="0" baseline="0" dirty="0" smtClean="0">
+                <a:ln>
+                  <a:noFill/>
+                </a:ln>
+                <a:solidFill>
+                  <a:srgbClr val="000000"/>
+                </a:solidFill>
+                <a:effectLst/>
+                <a:latin typeface="Consolas" panose="020B0609020204030204" pitchFamily="49" charset="0"/>
+                <a:cs typeface="Consolas" panose="020B0609020204030204" pitchFamily="49" charset="0"/>
+              </a:rPr>
+              <a:t>     </a:t>
+            </a:r>
+            <a:r>
+              <a:rPr kumimoji="0" lang="en-US" sz="1200" b="0" i="0" u="none" strike="noStrike" cap="none" normalizeH="0" baseline="0" dirty="0" smtClean="0">
+                <a:ln>
+                  <a:noFill/>
+                </a:ln>
+                <a:solidFill>
+                  <a:srgbClr val="0000FF"/>
+                </a:solidFill>
+                <a:effectLst/>
+                <a:latin typeface="Consolas" panose="020B0609020204030204" pitchFamily="49" charset="0"/>
+                <a:cs typeface="Consolas" panose="020B0609020204030204" pitchFamily="49" charset="0"/>
+              </a:rPr>
+              <a:t>return</a:t>
+            </a:r>
+            <a:r>
+              <a:rPr kumimoji="0" lang="en-US" sz="1200" b="0" i="0" u="none" strike="noStrike" cap="none" normalizeH="0" baseline="0" dirty="0" smtClean="0">
+                <a:ln>
+                  <a:noFill/>
+                </a:ln>
+                <a:solidFill>
+                  <a:srgbClr val="000000"/>
+                </a:solidFill>
+                <a:effectLst/>
+                <a:latin typeface="Consolas" panose="020B0609020204030204" pitchFamily="49" charset="0"/>
+                <a:cs typeface="Consolas" panose="020B0609020204030204" pitchFamily="49" charset="0"/>
+              </a:rPr>
+              <a:t> add(x, y) + 1;   </a:t>
+            </a:r>
+          </a:p>
+          <a:p>
+            <a:pPr marL="0" marR="0" lvl="0" indent="0" algn="l" defTabSz="914400" rtl="0" eaLnBrk="0" fontAlgn="base" latinLnBrk="0" hangingPunct="0">
+              <a:lnSpc>
+                <a:spcPct val="100000"/>
+              </a:lnSpc>
+              <a:spcBef>
+                <a:spcPct val="0"/>
+              </a:spcBef>
+              <a:spcAft>
+                <a:spcPct val="0"/>
+              </a:spcAft>
+              <a:buClrTx/>
+              <a:buSzTx/>
+              <a:buFontTx/>
+              <a:buNone/>
+              <a:tabLst/>
+            </a:pPr>
+            <a:r>
+              <a:rPr kumimoji="0" lang="en-US" sz="1200" b="0" i="0" u="none" strike="noStrike" cap="none" normalizeH="0" baseline="0" dirty="0" smtClean="0">
+                <a:ln>
+                  <a:noFill/>
+                </a:ln>
+                <a:solidFill>
+                  <a:srgbClr val="000000"/>
+                </a:solidFill>
+                <a:effectLst/>
+                <a:latin typeface="Consolas" panose="020B0609020204030204" pitchFamily="49" charset="0"/>
+                <a:cs typeface="Consolas" panose="020B0609020204030204" pitchFamily="49" charset="0"/>
+              </a:rPr>
+              <a:t>}); </a:t>
+            </a:r>
+            <a:endParaRPr kumimoji="0" lang="en-US" sz="1200" b="0" i="0" u="none" strike="noStrike" cap="none" normalizeH="0" baseline="0" dirty="0" smtClean="0">
+              <a:ln>
+                <a:noFill/>
+              </a:ln>
+              <a:solidFill>
+                <a:schemeClr val="tx1"/>
+              </a:solidFill>
+              <a:effectLst/>
+              <a:latin typeface="Arial" panose="020B0604020202020204" pitchFamily="34" charset="0"/>
+            </a:endParaRPr>
+          </a:p>
+        </p:txBody>
+      </p:sp>
+    </p:spTree>
+    <p:extLst>
+      <p:ext uri="{BB962C8B-B14F-4D97-AF65-F5344CB8AC3E}">
+        <p14:creationId xmlns:p14="http://schemas.microsoft.com/office/powerpoint/2010/main" val="1503525170"/>
+      </p:ext>
+    </p:extLst>
+  </p:cSld>
+  <p:clrMapOvr>
+    <a:masterClrMapping/>
+  </p:clrMapOvr>
+</p:sld>
+</file>
+
+<file path=ppt/slides/slide6.xml><?xml version="1.0" encoding="utf-8"?>
+<p:sld xmlns:a="http://schemas.openxmlformats.org/drawingml/2006/main" xmlns:r="http://schemas.openxmlformats.org/officeDocument/2006/relationships" xmlns:p="http://schemas.openxmlformats.org/presentationml/2006/main">
+  <p:cSld>
+    <p:spTree>
+      <p:nvGrpSpPr>
+        <p:cNvPr id="1" name=""/>
+        <p:cNvGrpSpPr/>
+        <p:nvPr/>
+      </p:nvGrpSpPr>
+      <p:grpSpPr>
+        <a:xfrm>
+          <a:off x="0" y="0"/>
+          <a:ext cx="0" cy="0"/>
+          <a:chOff x="0" y="0"/>
+          <a:chExt cx="0" cy="0"/>
+        </a:xfrm>
+      </p:grpSpPr>
+      <p:sp>
+        <p:nvSpPr>
+          <p:cNvPr id="2" name="Title 1"/>
+          <p:cNvSpPr>
+            <a:spLocks noGrp="1"/>
+          </p:cNvSpPr>
+          <p:nvPr>
+            <p:ph type="title"/>
+          </p:nvPr>
+        </p:nvSpPr>
+        <p:spPr/>
+        <p:txBody>
+          <a:bodyPr>
+            <a:normAutofit fontScale="90000"/>
+          </a:bodyPr>
+          <a:lstStyle/>
+          <a:p>
+            <a:r>
+              <a:rPr lang="en-US" dirty="0"/>
+              <a:t>CoffeeScript Examples: </a:t>
+            </a:r>
+            <a:br>
+              <a:rPr lang="en-US" dirty="0"/>
+            </a:br>
+            <a:r>
+              <a:rPr lang="en-US" dirty="0" smtClean="0"/>
+              <a:t>Objects &amp; Arrays</a:t>
+            </a:r>
+            <a:endParaRPr lang="en-US" dirty="0"/>
+          </a:p>
+        </p:txBody>
+      </p:sp>
+      <p:sp>
+        <p:nvSpPr>
+          <p:cNvPr id="3" name="Text Placeholder 2"/>
+          <p:cNvSpPr>
+            <a:spLocks noGrp="1"/>
+          </p:cNvSpPr>
+          <p:nvPr>
+            <p:ph type="body" idx="1"/>
+          </p:nvPr>
+        </p:nvSpPr>
+        <p:spPr/>
+        <p:txBody>
+          <a:bodyPr/>
+          <a:lstStyle/>
+          <a:p>
+            <a:pPr algn="ctr"/>
+            <a:r>
+              <a:rPr lang="en-US" dirty="0"/>
+              <a:t>CoffeeScript</a:t>
+            </a:r>
+          </a:p>
+        </p:txBody>
+      </p:sp>
+      <p:sp>
+        <p:nvSpPr>
+          <p:cNvPr id="5" name="Text Placeholder 4"/>
+          <p:cNvSpPr>
+            <a:spLocks noGrp="1"/>
+          </p:cNvSpPr>
+          <p:nvPr>
+            <p:ph type="body" sz="quarter" idx="3"/>
+          </p:nvPr>
+        </p:nvSpPr>
+        <p:spPr/>
+        <p:txBody>
+          <a:bodyPr/>
+          <a:lstStyle/>
+          <a:p>
+            <a:pPr algn="ctr"/>
+            <a:r>
+              <a:rPr lang="en-US" dirty="0"/>
+              <a:t>Equivalent </a:t>
+            </a:r>
+            <a:r>
+              <a:rPr lang="en-US" dirty="0" smtClean="0"/>
+              <a:t>JavaScript</a:t>
+            </a:r>
+            <a:endParaRPr lang="en-US" dirty="0"/>
+          </a:p>
+        </p:txBody>
+      </p:sp>
+      <p:sp>
+        <p:nvSpPr>
+          <p:cNvPr id="7" name="Rectangle 1"/>
+          <p:cNvSpPr>
+            <a:spLocks noGrp="1" noChangeArrowheads="1"/>
+          </p:cNvSpPr>
+          <p:nvPr>
+            <p:ph sz="half" idx="2"/>
+          </p:nvPr>
+        </p:nvSpPr>
+        <p:spPr bwMode="auto">
+          <a:xfrm>
+            <a:off x="420792" y="2211724"/>
+            <a:ext cx="4224233" cy="2308324"/>
+          </a:xfrm>
+          <a:prstGeom prst="rect">
+            <a:avLst/>
+          </a:prstGeom>
+          <a:solidFill>
+            <a:srgbClr val="FFFFFF"/>
+          </a:solidFill>
+          <a:ln>
+            <a:noFill/>
+          </a:ln>
+          <a:effectLst/>
+          <a:extLst>
+            <a:ext uri="{91240B29-F687-4F45-9708-019B960494DF}">
+              <a14:hiddenLine xmlns:a14="http://schemas.microsoft.com/office/drawing/2010/main" w="9525">
+                <a:solidFill>
+                  <a:schemeClr val="tx1"/>
+                </a:solidFill>
+                <a:miter lim="800000"/>
+                <a:headEnd/>
+                <a:tailEnd/>
+              </a14:hiddenLine>
+            </a:ext>
+            <a:ext uri="{AF507438-7753-43E0-B8FC-AC1667EBCBE1}">
+              <a14:hiddenEffects xmlns:a14="http://schemas.microsoft.com/office/drawing/2010/main">
+                <a:effectLst>
+                  <a:outerShdw dist="35921" dir="2700000" algn="ctr" rotWithShape="0">
+                    <a:schemeClr val="bg2"/>
+                  </a:outerShdw>
+                </a:effectLst>
+              </a14:hiddenEffects>
+            </a:ext>
+          </a:extLst>
+        </p:spPr>
+        <p:txBody>
+          <a:bodyPr vert="horz" wrap="none" lIns="91440" tIns="45720" rIns="91440" bIns="45720" numCol="1" anchor="ctr" anchorCtr="0" compatLnSpc="1">
+            <a:prstTxWarp prst="textNoShape">
+              <a:avLst/>
+            </a:prstTxWarp>
+            <a:spAutoFit/>
+          </a:bodyPr>
+          <a:lstStyle/>
+          <a:p>
+            <a:pPr marL="0" marR="0" lvl="0" indent="0" algn="l" defTabSz="914400" rtl="0" eaLnBrk="0" fontAlgn="base" latinLnBrk="0" hangingPunct="0">
+              <a:lnSpc>
+                <a:spcPct val="100000"/>
+              </a:lnSpc>
+              <a:spcBef>
+                <a:spcPct val="0"/>
+              </a:spcBef>
+              <a:spcAft>
+                <a:spcPct val="0"/>
+              </a:spcAft>
+              <a:buClrTx/>
+              <a:buSzTx/>
+              <a:buFontTx/>
+              <a:buNone/>
+              <a:tabLst/>
+            </a:pPr>
+            <a:r>
+              <a:rPr kumimoji="0" lang="en-US" sz="1600" b="0" i="0" u="none" strike="noStrike" cap="none" normalizeH="0" baseline="0" dirty="0" smtClean="0">
+                <a:ln>
+                  <a:noFill/>
+                </a:ln>
+                <a:solidFill>
+                  <a:srgbClr val="000000"/>
+                </a:solidFill>
+                <a:effectLst/>
+                <a:latin typeface="Consolas" panose="020B0609020204030204" pitchFamily="49" charset="0"/>
+                <a:cs typeface="Consolas" panose="020B0609020204030204" pitchFamily="49" charset="0"/>
+              </a:rPr>
+              <a:t>primeNumbers = [2, 3, 5, 7, 11, 13] </a:t>
+            </a:r>
+          </a:p>
+          <a:p>
+            <a:pPr marL="0" marR="0" lvl="0" indent="0" algn="l" defTabSz="914400" rtl="0" eaLnBrk="0" fontAlgn="base" latinLnBrk="0" hangingPunct="0">
+              <a:lnSpc>
+                <a:spcPct val="100000"/>
+              </a:lnSpc>
+              <a:spcBef>
+                <a:spcPct val="0"/>
+              </a:spcBef>
+              <a:spcAft>
+                <a:spcPct val="0"/>
+              </a:spcAft>
+              <a:buClrTx/>
+              <a:buSzTx/>
+              <a:buFontTx/>
+              <a:buNone/>
+              <a:tabLst/>
+            </a:pPr>
+            <a:endParaRPr kumimoji="0" lang="en-US" sz="1600" b="0" i="0" u="none" strike="noStrike" cap="none" normalizeH="0" baseline="0" dirty="0" smtClean="0">
+              <a:ln>
+                <a:noFill/>
+              </a:ln>
+              <a:solidFill>
+                <a:srgbClr val="000000"/>
+              </a:solidFill>
+              <a:effectLst/>
+              <a:latin typeface="Consolas" panose="020B0609020204030204" pitchFamily="49" charset="0"/>
+              <a:cs typeface="Consolas" panose="020B0609020204030204" pitchFamily="49" charset="0"/>
+            </a:endParaRPr>
+          </a:p>
+          <a:p>
+            <a:pPr marL="0" marR="0" lvl="0" indent="0" algn="l" defTabSz="914400" rtl="0" eaLnBrk="0" fontAlgn="base" latinLnBrk="0" hangingPunct="0">
+              <a:lnSpc>
+                <a:spcPct val="100000"/>
+              </a:lnSpc>
+              <a:spcBef>
+                <a:spcPct val="0"/>
+              </a:spcBef>
+              <a:spcAft>
+                <a:spcPct val="0"/>
+              </a:spcAft>
+              <a:buClrTx/>
+              <a:buSzTx/>
+              <a:buFontTx/>
+              <a:buNone/>
+              <a:tabLst/>
+            </a:pPr>
+            <a:r>
+              <a:rPr kumimoji="0" lang="en-US" sz="1600" b="0" i="0" u="none" strike="noStrike" cap="none" normalizeH="0" baseline="0" dirty="0" smtClean="0">
+                <a:ln>
+                  <a:noFill/>
+                </a:ln>
+                <a:solidFill>
+                  <a:srgbClr val="000000"/>
+                </a:solidFill>
+                <a:effectLst/>
+                <a:latin typeface="Consolas" panose="020B0609020204030204" pitchFamily="49" charset="0"/>
+                <a:cs typeface="Consolas" panose="020B0609020204030204" pitchFamily="49" charset="0"/>
+              </a:rPr>
+              <a:t>alphas = [</a:t>
+            </a:r>
+            <a:r>
+              <a:rPr kumimoji="0" lang="en-US" sz="1600" b="0" i="0" u="none" strike="noStrike" cap="none" normalizeH="0" baseline="0" dirty="0" smtClean="0">
+                <a:ln>
+                  <a:noFill/>
+                </a:ln>
+                <a:solidFill>
+                  <a:srgbClr val="A31515"/>
+                </a:solidFill>
+                <a:effectLst/>
+                <a:latin typeface="Consolas" panose="020B0609020204030204" pitchFamily="49" charset="0"/>
+                <a:cs typeface="Consolas" panose="020B0609020204030204" pitchFamily="49" charset="0"/>
+              </a:rPr>
+              <a:t>"a"</a:t>
+            </a:r>
+            <a:r>
+              <a:rPr kumimoji="0" lang="en-US" sz="1600" b="0" i="0" u="none" strike="noStrike" cap="none" normalizeH="0" baseline="0" dirty="0" smtClean="0">
+                <a:ln>
+                  <a:noFill/>
+                </a:ln>
+                <a:solidFill>
+                  <a:srgbClr val="000000"/>
+                </a:solidFill>
+                <a:effectLst/>
+                <a:latin typeface="Consolas" panose="020B0609020204030204" pitchFamily="49" charset="0"/>
+                <a:cs typeface="Consolas" panose="020B0609020204030204" pitchFamily="49" charset="0"/>
+              </a:rPr>
+              <a:t>, </a:t>
+            </a:r>
+            <a:r>
+              <a:rPr kumimoji="0" lang="en-US" sz="1600" b="0" i="0" u="none" strike="noStrike" cap="none" normalizeH="0" baseline="0" dirty="0" smtClean="0">
+                <a:ln>
+                  <a:noFill/>
+                </a:ln>
+                <a:solidFill>
+                  <a:srgbClr val="A31515"/>
+                </a:solidFill>
+                <a:effectLst/>
+                <a:latin typeface="Consolas" panose="020B0609020204030204" pitchFamily="49" charset="0"/>
+                <a:cs typeface="Consolas" panose="020B0609020204030204" pitchFamily="49" charset="0"/>
+              </a:rPr>
+              <a:t>"b"</a:t>
+            </a:r>
+            <a:r>
+              <a:rPr kumimoji="0" lang="en-US" sz="1600" b="0" i="0" u="none" strike="noStrike" cap="none" normalizeH="0" baseline="0" dirty="0" smtClean="0">
+                <a:ln>
+                  <a:noFill/>
+                </a:ln>
+                <a:solidFill>
+                  <a:srgbClr val="000000"/>
+                </a:solidFill>
+                <a:effectLst/>
+                <a:latin typeface="Consolas" panose="020B0609020204030204" pitchFamily="49" charset="0"/>
+                <a:cs typeface="Consolas" panose="020B0609020204030204" pitchFamily="49" charset="0"/>
+              </a:rPr>
+              <a:t>, </a:t>
+            </a:r>
+            <a:r>
+              <a:rPr kumimoji="0" lang="en-US" sz="1600" b="0" i="0" u="none" strike="noStrike" cap="none" normalizeH="0" baseline="0" dirty="0" smtClean="0">
+                <a:ln>
+                  <a:noFill/>
+                </a:ln>
+                <a:solidFill>
+                  <a:srgbClr val="A31515"/>
+                </a:solidFill>
+                <a:effectLst/>
+                <a:latin typeface="Consolas" panose="020B0609020204030204" pitchFamily="49" charset="0"/>
+                <a:cs typeface="Consolas" panose="020B0609020204030204" pitchFamily="49" charset="0"/>
+              </a:rPr>
+              <a:t>"c"</a:t>
+            </a:r>
+            <a:r>
+              <a:rPr kumimoji="0" lang="en-US" sz="1600" b="0" i="0" u="none" strike="noStrike" cap="none" normalizeH="0" baseline="0" dirty="0" smtClean="0">
+                <a:ln>
+                  <a:noFill/>
+                </a:ln>
+                <a:solidFill>
+                  <a:srgbClr val="000000"/>
+                </a:solidFill>
+                <a:effectLst/>
+                <a:latin typeface="Consolas" panose="020B0609020204030204" pitchFamily="49" charset="0"/>
+                <a:cs typeface="Consolas" panose="020B0609020204030204" pitchFamily="49" charset="0"/>
+              </a:rPr>
+              <a:t>, 1, 2, 3] </a:t>
+            </a:r>
+          </a:p>
+          <a:p>
+            <a:pPr marL="0" marR="0" lvl="0" indent="0" algn="l" defTabSz="914400" rtl="0" eaLnBrk="0" fontAlgn="base" latinLnBrk="0" hangingPunct="0">
+              <a:lnSpc>
+                <a:spcPct val="100000"/>
+              </a:lnSpc>
+              <a:spcBef>
+                <a:spcPct val="0"/>
+              </a:spcBef>
+              <a:spcAft>
+                <a:spcPct val="0"/>
+              </a:spcAft>
+              <a:buClrTx/>
+              <a:buSzTx/>
+              <a:buFontTx/>
+              <a:buNone/>
+              <a:tabLst/>
+            </a:pPr>
+            <a:endParaRPr kumimoji="0" lang="en-US" sz="1600" b="0" i="0" u="none" strike="noStrike" cap="none" normalizeH="0" baseline="0" dirty="0" smtClean="0">
+              <a:ln>
+                <a:noFill/>
+              </a:ln>
+              <a:solidFill>
+                <a:srgbClr val="000000"/>
+              </a:solidFill>
+              <a:effectLst/>
+              <a:latin typeface="Consolas" panose="020B0609020204030204" pitchFamily="49" charset="0"/>
+              <a:cs typeface="Consolas" panose="020B0609020204030204" pitchFamily="49" charset="0"/>
+            </a:endParaRPr>
+          </a:p>
+          <a:p>
+            <a:pPr marL="0" marR="0" lvl="0" indent="0" algn="l" defTabSz="914400" rtl="0" eaLnBrk="0" fontAlgn="base" latinLnBrk="0" hangingPunct="0">
+              <a:lnSpc>
+                <a:spcPct val="100000"/>
+              </a:lnSpc>
+              <a:spcBef>
+                <a:spcPct val="0"/>
+              </a:spcBef>
+              <a:spcAft>
+                <a:spcPct val="0"/>
+              </a:spcAft>
+              <a:buClrTx/>
+              <a:buSzTx/>
+              <a:buFontTx/>
+              <a:buNone/>
+              <a:tabLst/>
+            </a:pPr>
+            <a:r>
+              <a:rPr kumimoji="0" lang="en-US" sz="1600" b="0" i="0" u="none" strike="noStrike" cap="none" normalizeH="0" baseline="0" dirty="0" smtClean="0">
+                <a:ln>
+                  <a:noFill/>
+                </a:ln>
+                <a:solidFill>
+                  <a:srgbClr val="000000"/>
+                </a:solidFill>
+                <a:effectLst/>
+                <a:latin typeface="Consolas" panose="020B0609020204030204" pitchFamily="49" charset="0"/>
+                <a:cs typeface="Consolas" panose="020B0609020204030204" pitchFamily="49" charset="0"/>
+              </a:rPr>
+              <a:t>superHeroes =</a:t>
+            </a:r>
+          </a:p>
+          <a:p>
+            <a:pPr marL="0" marR="0" lvl="0" indent="0" algn="l" defTabSz="914400" rtl="0" eaLnBrk="0" fontAlgn="base" latinLnBrk="0" hangingPunct="0">
+              <a:lnSpc>
+                <a:spcPct val="100000"/>
+              </a:lnSpc>
+              <a:spcBef>
+                <a:spcPct val="0"/>
+              </a:spcBef>
+              <a:spcAft>
+                <a:spcPct val="0"/>
+              </a:spcAft>
+              <a:buClrTx/>
+              <a:buSzTx/>
+              <a:buFontTx/>
+              <a:buNone/>
+              <a:tabLst/>
+            </a:pPr>
+            <a:r>
+              <a:rPr kumimoji="0" lang="en-US" sz="1600" b="0" i="0" u="none" strike="noStrike" cap="none" normalizeH="0" baseline="0" dirty="0" smtClean="0">
+                <a:ln>
+                  <a:noFill/>
+                </a:ln>
+                <a:solidFill>
+                  <a:srgbClr val="000000"/>
+                </a:solidFill>
+                <a:effectLst/>
+                <a:latin typeface="Consolas" panose="020B0609020204030204" pitchFamily="49" charset="0"/>
+                <a:cs typeface="Consolas" panose="020B0609020204030204" pitchFamily="49" charset="0"/>
+              </a:rPr>
+              <a:t>     heroName: </a:t>
+            </a:r>
+            <a:r>
+              <a:rPr kumimoji="0" lang="en-US" sz="1600" b="0" i="0" u="none" strike="noStrike" cap="none" normalizeH="0" baseline="0" dirty="0" smtClean="0">
+                <a:ln>
+                  <a:noFill/>
+                </a:ln>
+                <a:solidFill>
+                  <a:srgbClr val="A31515"/>
+                </a:solidFill>
+                <a:effectLst/>
+                <a:latin typeface="Consolas" panose="020B0609020204030204" pitchFamily="49" charset="0"/>
+                <a:cs typeface="Consolas" panose="020B0609020204030204" pitchFamily="49" charset="0"/>
+              </a:rPr>
+              <a:t>"Spiderman“</a:t>
+            </a:r>
+          </a:p>
+          <a:p>
+            <a:pPr marL="0" marR="0" lvl="0" indent="0" algn="l" defTabSz="914400" rtl="0" eaLnBrk="0" fontAlgn="base" latinLnBrk="0" hangingPunct="0">
+              <a:lnSpc>
+                <a:spcPct val="100000"/>
+              </a:lnSpc>
+              <a:spcBef>
+                <a:spcPct val="0"/>
+              </a:spcBef>
+              <a:spcAft>
+                <a:spcPct val="0"/>
+              </a:spcAft>
+              <a:buClrTx/>
+              <a:buSzTx/>
+              <a:buFontTx/>
+              <a:buNone/>
+              <a:tabLst/>
+            </a:pPr>
+            <a:r>
+              <a:rPr kumimoji="0" lang="en-US" sz="1600" b="0" i="0" u="none" strike="noStrike" cap="none" normalizeH="0" baseline="0" dirty="0" smtClean="0">
+                <a:ln>
+                  <a:noFill/>
+                </a:ln>
+                <a:solidFill>
+                  <a:srgbClr val="000000"/>
+                </a:solidFill>
+                <a:effectLst/>
+                <a:latin typeface="Consolas" panose="020B0609020204030204" pitchFamily="49" charset="0"/>
+                <a:cs typeface="Consolas" panose="020B0609020204030204" pitchFamily="49" charset="0"/>
+              </a:rPr>
+              <a:t>     comicCompany: </a:t>
+            </a:r>
+            <a:r>
+              <a:rPr kumimoji="0" lang="en-US" sz="1600" b="0" i="0" u="none" strike="noStrike" cap="none" normalizeH="0" baseline="0" dirty="0" smtClean="0">
+                <a:ln>
+                  <a:noFill/>
+                </a:ln>
+                <a:solidFill>
+                  <a:srgbClr val="A31515"/>
+                </a:solidFill>
+                <a:effectLst/>
+                <a:latin typeface="Consolas" panose="020B0609020204030204" pitchFamily="49" charset="0"/>
+                <a:cs typeface="Consolas" panose="020B0609020204030204" pitchFamily="49" charset="0"/>
+              </a:rPr>
+              <a:t>"Marvel“</a:t>
+            </a:r>
+          </a:p>
+          <a:p>
+            <a:pPr marL="0" marR="0" lvl="0" indent="0" algn="l" defTabSz="914400" rtl="0" eaLnBrk="0" fontAlgn="base" latinLnBrk="0" hangingPunct="0">
+              <a:lnSpc>
+                <a:spcPct val="100000"/>
+              </a:lnSpc>
+              <a:spcBef>
+                <a:spcPct val="0"/>
+              </a:spcBef>
+              <a:spcAft>
+                <a:spcPct val="0"/>
+              </a:spcAft>
+              <a:buClrTx/>
+              <a:buSzTx/>
+              <a:buFontTx/>
+              <a:buNone/>
+              <a:tabLst/>
+            </a:pPr>
+            <a:r>
+              <a:rPr kumimoji="0" lang="en-US" sz="1600" b="0" i="0" u="none" strike="noStrike" cap="none" normalizeH="0" baseline="0" dirty="0" smtClean="0">
+                <a:ln>
+                  <a:noFill/>
+                </a:ln>
+                <a:solidFill>
+                  <a:srgbClr val="000000"/>
+                </a:solidFill>
+                <a:effectLst/>
+                <a:latin typeface="Consolas" panose="020B0609020204030204" pitchFamily="49" charset="0"/>
+                <a:cs typeface="Consolas" panose="020B0609020204030204" pitchFamily="49" charset="0"/>
+              </a:rPr>
+              <a:t>     normalName: </a:t>
+            </a:r>
+            <a:r>
+              <a:rPr kumimoji="0" lang="en-US" sz="1600" b="0" i="0" u="none" strike="noStrike" cap="none" normalizeH="0" baseline="0" dirty="0" smtClean="0">
+                <a:ln>
+                  <a:noFill/>
+                </a:ln>
+                <a:solidFill>
+                  <a:srgbClr val="A31515"/>
+                </a:solidFill>
+                <a:effectLst/>
+                <a:latin typeface="Consolas" panose="020B0609020204030204" pitchFamily="49" charset="0"/>
+                <a:cs typeface="Consolas" panose="020B0609020204030204" pitchFamily="49" charset="0"/>
+              </a:rPr>
+              <a:t>"Peter Parker“</a:t>
+            </a:r>
+          </a:p>
+          <a:p>
+            <a:pPr marL="0" marR="0" lvl="0" indent="0" algn="l" defTabSz="914400" rtl="0" eaLnBrk="0" fontAlgn="base" latinLnBrk="0" hangingPunct="0">
+              <a:lnSpc>
+                <a:spcPct val="100000"/>
+              </a:lnSpc>
+              <a:spcBef>
+                <a:spcPct val="0"/>
+              </a:spcBef>
+              <a:spcAft>
+                <a:spcPct val="0"/>
+              </a:spcAft>
+              <a:buClrTx/>
+              <a:buSzTx/>
+              <a:buFontTx/>
+              <a:buNone/>
+              <a:tabLst/>
+            </a:pPr>
+            <a:r>
+              <a:rPr kumimoji="0" lang="en-US" sz="1600" b="0" i="0" u="none" strike="noStrike" cap="none" normalizeH="0" baseline="0" dirty="0" smtClean="0">
+                <a:ln>
+                  <a:noFill/>
+                </a:ln>
+                <a:solidFill>
+                  <a:srgbClr val="000000"/>
+                </a:solidFill>
+                <a:effectLst/>
+                <a:latin typeface="Consolas" panose="020B0609020204030204" pitchFamily="49" charset="0"/>
+                <a:cs typeface="Consolas" panose="020B0609020204030204" pitchFamily="49" charset="0"/>
+              </a:rPr>
+              <a:t>     age: 16</a:t>
+            </a:r>
+            <a:endParaRPr kumimoji="0" lang="en-US" sz="1600" b="0" i="0" u="none" strike="noStrike" cap="none" normalizeH="0" baseline="0" dirty="0" smtClean="0">
+              <a:ln>
+                <a:noFill/>
+              </a:ln>
+              <a:solidFill>
+                <a:schemeClr val="tx1"/>
+              </a:solidFill>
+              <a:effectLst/>
+              <a:latin typeface="Arial" panose="020B0604020202020204" pitchFamily="34" charset="0"/>
+            </a:endParaRPr>
+          </a:p>
+        </p:txBody>
+      </p:sp>
+      <p:sp>
+        <p:nvSpPr>
+          <p:cNvPr id="10" name="Rectangle 4"/>
+          <p:cNvSpPr>
+            <a:spLocks noGrp="1" noChangeArrowheads="1"/>
+          </p:cNvSpPr>
+          <p:nvPr>
+            <p:ph sz="quarter" idx="4"/>
+          </p:nvPr>
+        </p:nvSpPr>
+        <p:spPr bwMode="auto">
+          <a:xfrm>
+            <a:off x="4497388" y="2174875"/>
+            <a:ext cx="4560864" cy="2554545"/>
+          </a:xfrm>
+          <a:prstGeom prst="rect">
+            <a:avLst/>
+          </a:prstGeom>
+          <a:solidFill>
+            <a:srgbClr val="FFFFFF"/>
+          </a:solidFill>
+          <a:ln>
+            <a:noFill/>
+          </a:ln>
+          <a:effectLst/>
+          <a:extLst>
+            <a:ext uri="{91240B29-F687-4F45-9708-019B960494DF}">
+              <a14:hiddenLine xmlns:a14="http://schemas.microsoft.com/office/drawing/2010/main" w="9525">
+                <a:solidFill>
+                  <a:schemeClr val="tx1"/>
+                </a:solidFill>
+                <a:miter lim="800000"/>
+                <a:headEnd/>
+                <a:tailEnd/>
+              </a14:hiddenLine>
+            </a:ext>
+            <a:ext uri="{AF507438-7753-43E0-B8FC-AC1667EBCBE1}">
+              <a14:hiddenEffects xmlns:a14="http://schemas.microsoft.com/office/drawing/2010/main">
+                <a:effectLst>
+                  <a:outerShdw dist="35921" dir="2700000" algn="ctr" rotWithShape="0">
+                    <a:schemeClr val="bg2"/>
+                  </a:outerShdw>
+                </a:effectLst>
+              </a14:hiddenEffects>
+            </a:ext>
+          </a:extLst>
+        </p:spPr>
+        <p:txBody>
+          <a:bodyPr vert="horz" wrap="none" lIns="91440" tIns="45720" rIns="91440" bIns="45720" numCol="1" anchor="ctr" anchorCtr="0" compatLnSpc="1">
+            <a:prstTxWarp prst="textNoShape">
+              <a:avLst/>
+            </a:prstTxWarp>
+            <a:spAutoFit/>
+          </a:bodyPr>
+          <a:lstStyle/>
+          <a:p>
+            <a:pPr marL="0" marR="0" lvl="0" indent="0" algn="l" defTabSz="914400" rtl="0" eaLnBrk="0" fontAlgn="base" latinLnBrk="0" hangingPunct="0">
+              <a:lnSpc>
+                <a:spcPct val="100000"/>
+              </a:lnSpc>
+              <a:spcBef>
+                <a:spcPct val="0"/>
+              </a:spcBef>
+              <a:spcAft>
+                <a:spcPct val="0"/>
+              </a:spcAft>
+              <a:buClrTx/>
+              <a:buSzTx/>
+              <a:buFontTx/>
+              <a:buNone/>
+              <a:tabLst/>
+            </a:pPr>
+            <a:r>
+              <a:rPr kumimoji="0" lang="en-US" sz="1600" b="0" i="0" u="none" strike="noStrike" cap="none" normalizeH="0" baseline="0" dirty="0" smtClean="0">
+                <a:ln>
+                  <a:noFill/>
+                </a:ln>
+                <a:solidFill>
+                  <a:srgbClr val="000000"/>
+                </a:solidFill>
+                <a:effectLst/>
+                <a:latin typeface="Consolas" panose="020B0609020204030204" pitchFamily="49" charset="0"/>
+                <a:cs typeface="Consolas" panose="020B0609020204030204" pitchFamily="49" charset="0"/>
+              </a:rPr>
+              <a:t>primeNumbers = [2, 3, 5, 7, 11, 13];   </a:t>
+            </a:r>
+          </a:p>
+          <a:p>
+            <a:pPr marL="0" marR="0" lvl="0" indent="0" algn="l" defTabSz="914400" rtl="0" eaLnBrk="0" fontAlgn="base" latinLnBrk="0" hangingPunct="0">
+              <a:lnSpc>
+                <a:spcPct val="100000"/>
+              </a:lnSpc>
+              <a:spcBef>
+                <a:spcPct val="0"/>
+              </a:spcBef>
+              <a:spcAft>
+                <a:spcPct val="0"/>
+              </a:spcAft>
+              <a:buClrTx/>
+              <a:buSzTx/>
+              <a:buFontTx/>
+              <a:buNone/>
+              <a:tabLst/>
+            </a:pPr>
+            <a:endParaRPr lang="en-US" sz="1600" dirty="0">
+              <a:solidFill>
+                <a:srgbClr val="000000"/>
+              </a:solidFill>
+              <a:latin typeface="Consolas" panose="020B0609020204030204" pitchFamily="49" charset="0"/>
+              <a:cs typeface="Consolas" panose="020B0609020204030204" pitchFamily="49" charset="0"/>
+            </a:endParaRPr>
+          </a:p>
+          <a:p>
+            <a:pPr marL="0" marR="0" lvl="0" indent="0" algn="l" defTabSz="914400" rtl="0" eaLnBrk="0" fontAlgn="base" latinLnBrk="0" hangingPunct="0">
+              <a:lnSpc>
+                <a:spcPct val="100000"/>
+              </a:lnSpc>
+              <a:spcBef>
+                <a:spcPct val="0"/>
+              </a:spcBef>
+              <a:spcAft>
+                <a:spcPct val="0"/>
+              </a:spcAft>
+              <a:buClrTx/>
+              <a:buSzTx/>
+              <a:buFontTx/>
+              <a:buNone/>
+              <a:tabLst/>
+            </a:pPr>
+            <a:r>
+              <a:rPr kumimoji="0" lang="en-US" sz="1600" b="0" i="0" u="none" strike="noStrike" cap="none" normalizeH="0" baseline="0" dirty="0" smtClean="0">
+                <a:ln>
+                  <a:noFill/>
+                </a:ln>
+                <a:solidFill>
+                  <a:srgbClr val="000000"/>
+                </a:solidFill>
+                <a:effectLst/>
+                <a:latin typeface="Consolas" panose="020B0609020204030204" pitchFamily="49" charset="0"/>
+                <a:cs typeface="Consolas" panose="020B0609020204030204" pitchFamily="49" charset="0"/>
+              </a:rPr>
+              <a:t>alphas = [</a:t>
+            </a:r>
+            <a:r>
+              <a:rPr kumimoji="0" lang="en-US" sz="1600" b="0" i="0" u="none" strike="noStrike" cap="none" normalizeH="0" baseline="0" dirty="0" smtClean="0">
+                <a:ln>
+                  <a:noFill/>
+                </a:ln>
+                <a:solidFill>
+                  <a:srgbClr val="A31515"/>
+                </a:solidFill>
+                <a:effectLst/>
+                <a:latin typeface="Consolas" panose="020B0609020204030204" pitchFamily="49" charset="0"/>
+                <a:cs typeface="Consolas" panose="020B0609020204030204" pitchFamily="49" charset="0"/>
+              </a:rPr>
+              <a:t>"a"</a:t>
+            </a:r>
+            <a:r>
+              <a:rPr kumimoji="0" lang="en-US" sz="1600" b="0" i="0" u="none" strike="noStrike" cap="none" normalizeH="0" baseline="0" dirty="0" smtClean="0">
+                <a:ln>
+                  <a:noFill/>
+                </a:ln>
+                <a:solidFill>
+                  <a:srgbClr val="000000"/>
+                </a:solidFill>
+                <a:effectLst/>
+                <a:latin typeface="Consolas" panose="020B0609020204030204" pitchFamily="49" charset="0"/>
+                <a:cs typeface="Consolas" panose="020B0609020204030204" pitchFamily="49" charset="0"/>
+              </a:rPr>
+              <a:t>, </a:t>
+            </a:r>
+            <a:r>
+              <a:rPr kumimoji="0" lang="en-US" sz="1600" b="0" i="0" u="none" strike="noStrike" cap="none" normalizeH="0" baseline="0" dirty="0" smtClean="0">
+                <a:ln>
+                  <a:noFill/>
+                </a:ln>
+                <a:solidFill>
+                  <a:srgbClr val="A31515"/>
+                </a:solidFill>
+                <a:effectLst/>
+                <a:latin typeface="Consolas" panose="020B0609020204030204" pitchFamily="49" charset="0"/>
+                <a:cs typeface="Consolas" panose="020B0609020204030204" pitchFamily="49" charset="0"/>
+              </a:rPr>
+              <a:t>"b"</a:t>
+            </a:r>
+            <a:r>
+              <a:rPr kumimoji="0" lang="en-US" sz="1600" b="0" i="0" u="none" strike="noStrike" cap="none" normalizeH="0" baseline="0" dirty="0" smtClean="0">
+                <a:ln>
+                  <a:noFill/>
+                </a:ln>
+                <a:solidFill>
+                  <a:srgbClr val="000000"/>
+                </a:solidFill>
+                <a:effectLst/>
+                <a:latin typeface="Consolas" panose="020B0609020204030204" pitchFamily="49" charset="0"/>
+                <a:cs typeface="Consolas" panose="020B0609020204030204" pitchFamily="49" charset="0"/>
+              </a:rPr>
+              <a:t>, </a:t>
+            </a:r>
+            <a:r>
+              <a:rPr kumimoji="0" lang="en-US" sz="1600" b="0" i="0" u="none" strike="noStrike" cap="none" normalizeH="0" baseline="0" dirty="0" smtClean="0">
+                <a:ln>
+                  <a:noFill/>
+                </a:ln>
+                <a:solidFill>
+                  <a:srgbClr val="A31515"/>
+                </a:solidFill>
+                <a:effectLst/>
+                <a:latin typeface="Consolas" panose="020B0609020204030204" pitchFamily="49" charset="0"/>
+                <a:cs typeface="Consolas" panose="020B0609020204030204" pitchFamily="49" charset="0"/>
+              </a:rPr>
+              <a:t>"c"</a:t>
+            </a:r>
+            <a:r>
+              <a:rPr kumimoji="0" lang="en-US" sz="1600" b="0" i="0" u="none" strike="noStrike" cap="none" normalizeH="0" baseline="0" dirty="0" smtClean="0">
+                <a:ln>
+                  <a:noFill/>
+                </a:ln>
+                <a:solidFill>
+                  <a:srgbClr val="000000"/>
+                </a:solidFill>
+                <a:effectLst/>
+                <a:latin typeface="Consolas" panose="020B0609020204030204" pitchFamily="49" charset="0"/>
+                <a:cs typeface="Consolas" panose="020B0609020204030204" pitchFamily="49" charset="0"/>
+              </a:rPr>
+              <a:t>, 1, 2, 3];   </a:t>
+            </a:r>
+          </a:p>
+          <a:p>
+            <a:pPr marL="0" marR="0" lvl="0" indent="0" algn="l" defTabSz="914400" rtl="0" eaLnBrk="0" fontAlgn="base" latinLnBrk="0" hangingPunct="0">
+              <a:lnSpc>
+                <a:spcPct val="100000"/>
+              </a:lnSpc>
+              <a:spcBef>
+                <a:spcPct val="0"/>
+              </a:spcBef>
+              <a:spcAft>
+                <a:spcPct val="0"/>
+              </a:spcAft>
+              <a:buClrTx/>
+              <a:buSzTx/>
+              <a:buFontTx/>
+              <a:buNone/>
+              <a:tabLst/>
+            </a:pPr>
+            <a:endParaRPr lang="en-US" sz="1600" dirty="0">
+              <a:solidFill>
+                <a:srgbClr val="000000"/>
+              </a:solidFill>
+              <a:latin typeface="Consolas" panose="020B0609020204030204" pitchFamily="49" charset="0"/>
+              <a:cs typeface="Consolas" panose="020B0609020204030204" pitchFamily="49" charset="0"/>
+            </a:endParaRPr>
+          </a:p>
+          <a:p>
+            <a:pPr marL="0" marR="0" lvl="0" indent="0" algn="l" defTabSz="914400" rtl="0" eaLnBrk="0" fontAlgn="base" latinLnBrk="0" hangingPunct="0">
+              <a:lnSpc>
+                <a:spcPct val="100000"/>
+              </a:lnSpc>
+              <a:spcBef>
+                <a:spcPct val="0"/>
+              </a:spcBef>
+              <a:spcAft>
+                <a:spcPct val="0"/>
+              </a:spcAft>
+              <a:buClrTx/>
+              <a:buSzTx/>
+              <a:buFontTx/>
+              <a:buNone/>
+              <a:tabLst/>
+            </a:pPr>
+            <a:r>
+              <a:rPr kumimoji="0" lang="en-US" sz="1600" b="0" i="0" u="none" strike="noStrike" cap="none" normalizeH="0" baseline="0" dirty="0" smtClean="0">
+                <a:ln>
+                  <a:noFill/>
+                </a:ln>
+                <a:solidFill>
+                  <a:srgbClr val="000000"/>
+                </a:solidFill>
+                <a:effectLst/>
+                <a:latin typeface="Consolas" panose="020B0609020204030204" pitchFamily="49" charset="0"/>
+                <a:cs typeface="Consolas" panose="020B0609020204030204" pitchFamily="49" charset="0"/>
+              </a:rPr>
+              <a:t>superHeroes = {</a:t>
+            </a:r>
+          </a:p>
+          <a:p>
+            <a:pPr marL="0" marR="0" lvl="0" indent="0" algn="l" defTabSz="914400" rtl="0" eaLnBrk="0" fontAlgn="base" latinLnBrk="0" hangingPunct="0">
+              <a:lnSpc>
+                <a:spcPct val="100000"/>
+              </a:lnSpc>
+              <a:spcBef>
+                <a:spcPct val="0"/>
+              </a:spcBef>
+              <a:spcAft>
+                <a:spcPct val="0"/>
+              </a:spcAft>
+              <a:buClrTx/>
+              <a:buSzTx/>
+              <a:buFontTx/>
+              <a:buNone/>
+              <a:tabLst/>
+            </a:pPr>
+            <a:r>
+              <a:rPr kumimoji="0" lang="en-US" sz="1600" b="0" i="0" u="none" strike="noStrike" cap="none" normalizeH="0" baseline="0" dirty="0" smtClean="0">
+                <a:ln>
+                  <a:noFill/>
+                </a:ln>
+                <a:solidFill>
+                  <a:srgbClr val="000000"/>
+                </a:solidFill>
+                <a:effectLst/>
+                <a:latin typeface="Consolas" panose="020B0609020204030204" pitchFamily="49" charset="0"/>
+                <a:cs typeface="Consolas" panose="020B0609020204030204" pitchFamily="49" charset="0"/>
+              </a:rPr>
+              <a:t>     heroName: </a:t>
+            </a:r>
+            <a:r>
+              <a:rPr kumimoji="0" lang="en-US" sz="1600" b="0" i="0" u="none" strike="noStrike" cap="none" normalizeH="0" baseline="0" dirty="0" smtClean="0">
+                <a:ln>
+                  <a:noFill/>
+                </a:ln>
+                <a:solidFill>
+                  <a:srgbClr val="A31515"/>
+                </a:solidFill>
+                <a:effectLst/>
+                <a:latin typeface="Consolas" panose="020B0609020204030204" pitchFamily="49" charset="0"/>
+                <a:cs typeface="Consolas" panose="020B0609020204030204" pitchFamily="49" charset="0"/>
+              </a:rPr>
+              <a:t>"Spiderman"</a:t>
+            </a:r>
+            <a:r>
+              <a:rPr kumimoji="0" lang="en-US" sz="1600" b="0" i="0" u="none" strike="noStrike" cap="none" normalizeH="0" baseline="0" dirty="0" smtClean="0">
+                <a:ln>
+                  <a:noFill/>
+                </a:ln>
+                <a:solidFill>
+                  <a:srgbClr val="000000"/>
+                </a:solidFill>
+                <a:effectLst/>
+                <a:latin typeface="Consolas" panose="020B0609020204030204" pitchFamily="49" charset="0"/>
+                <a:cs typeface="Consolas" panose="020B0609020204030204" pitchFamily="49" charset="0"/>
+              </a:rPr>
+              <a:t>,</a:t>
+            </a:r>
+          </a:p>
+          <a:p>
+            <a:pPr marL="0" marR="0" lvl="0" indent="0" algn="l" defTabSz="914400" rtl="0" eaLnBrk="0" fontAlgn="base" latinLnBrk="0" hangingPunct="0">
+              <a:lnSpc>
+                <a:spcPct val="100000"/>
+              </a:lnSpc>
+              <a:spcBef>
+                <a:spcPct val="0"/>
+              </a:spcBef>
+              <a:spcAft>
+                <a:spcPct val="0"/>
+              </a:spcAft>
+              <a:buClrTx/>
+              <a:buSzTx/>
+              <a:buFontTx/>
+              <a:buNone/>
+              <a:tabLst/>
+            </a:pPr>
+            <a:r>
+              <a:rPr kumimoji="0" lang="en-US" sz="1600" b="0" i="0" u="none" strike="noStrike" cap="none" normalizeH="0" baseline="0" dirty="0" smtClean="0">
+                <a:ln>
+                  <a:noFill/>
+                </a:ln>
+                <a:solidFill>
+                  <a:srgbClr val="000000"/>
+                </a:solidFill>
+                <a:effectLst/>
+                <a:latin typeface="Consolas" panose="020B0609020204030204" pitchFamily="49" charset="0"/>
+                <a:cs typeface="Consolas" panose="020B0609020204030204" pitchFamily="49" charset="0"/>
+              </a:rPr>
+              <a:t>     comicCompany: </a:t>
+            </a:r>
+            <a:r>
+              <a:rPr kumimoji="0" lang="en-US" sz="1600" b="0" i="0" u="none" strike="noStrike" cap="none" normalizeH="0" baseline="0" dirty="0" smtClean="0">
+                <a:ln>
+                  <a:noFill/>
+                </a:ln>
+                <a:solidFill>
+                  <a:srgbClr val="A31515"/>
+                </a:solidFill>
+                <a:effectLst/>
+                <a:latin typeface="Consolas" panose="020B0609020204030204" pitchFamily="49" charset="0"/>
+                <a:cs typeface="Consolas" panose="020B0609020204030204" pitchFamily="49" charset="0"/>
+              </a:rPr>
+              <a:t>"Marvel"</a:t>
+            </a:r>
+            <a:r>
+              <a:rPr kumimoji="0" lang="en-US" sz="1600" b="0" i="0" u="none" strike="noStrike" cap="none" normalizeH="0" baseline="0" dirty="0" smtClean="0">
+                <a:ln>
+                  <a:noFill/>
+                </a:ln>
+                <a:solidFill>
+                  <a:srgbClr val="000000"/>
+                </a:solidFill>
+                <a:effectLst/>
+                <a:latin typeface="Consolas" panose="020B0609020204030204" pitchFamily="49" charset="0"/>
+                <a:cs typeface="Consolas" panose="020B0609020204030204" pitchFamily="49" charset="0"/>
+              </a:rPr>
+              <a:t>,</a:t>
+            </a:r>
+          </a:p>
+          <a:p>
+            <a:pPr marL="0" marR="0" lvl="0" indent="0" algn="l" defTabSz="914400" rtl="0" eaLnBrk="0" fontAlgn="base" latinLnBrk="0" hangingPunct="0">
+              <a:lnSpc>
+                <a:spcPct val="100000"/>
+              </a:lnSpc>
+              <a:spcBef>
+                <a:spcPct val="0"/>
+              </a:spcBef>
+              <a:spcAft>
+                <a:spcPct val="0"/>
+              </a:spcAft>
+              <a:buClrTx/>
+              <a:buSzTx/>
+              <a:buFontTx/>
+              <a:buNone/>
+              <a:tabLst/>
+            </a:pPr>
+            <a:r>
+              <a:rPr kumimoji="0" lang="en-US" sz="1600" b="0" i="0" u="none" strike="noStrike" cap="none" normalizeH="0" baseline="0" dirty="0" smtClean="0">
+                <a:ln>
+                  <a:noFill/>
+                </a:ln>
+                <a:solidFill>
+                  <a:srgbClr val="000000"/>
+                </a:solidFill>
+                <a:effectLst/>
+                <a:latin typeface="Consolas" panose="020B0609020204030204" pitchFamily="49" charset="0"/>
+                <a:cs typeface="Consolas" panose="020B0609020204030204" pitchFamily="49" charset="0"/>
+              </a:rPr>
+              <a:t>     normalName: </a:t>
+            </a:r>
+            <a:r>
+              <a:rPr kumimoji="0" lang="en-US" sz="1600" b="0" i="0" u="none" strike="noStrike" cap="none" normalizeH="0" baseline="0" dirty="0" smtClean="0">
+                <a:ln>
+                  <a:noFill/>
+                </a:ln>
+                <a:solidFill>
+                  <a:srgbClr val="A31515"/>
+                </a:solidFill>
+                <a:effectLst/>
+                <a:latin typeface="Consolas" panose="020B0609020204030204" pitchFamily="49" charset="0"/>
+                <a:cs typeface="Consolas" panose="020B0609020204030204" pitchFamily="49" charset="0"/>
+              </a:rPr>
+              <a:t>"Peter Parker"</a:t>
+            </a:r>
+            <a:r>
+              <a:rPr kumimoji="0" lang="en-US" sz="1600" b="0" i="0" u="none" strike="noStrike" cap="none" normalizeH="0" baseline="0" dirty="0" smtClean="0">
+                <a:ln>
+                  <a:noFill/>
+                </a:ln>
+                <a:solidFill>
+                  <a:srgbClr val="000000"/>
+                </a:solidFill>
+                <a:effectLst/>
+                <a:latin typeface="Consolas" panose="020B0609020204030204" pitchFamily="49" charset="0"/>
+                <a:cs typeface="Consolas" panose="020B0609020204030204" pitchFamily="49" charset="0"/>
+              </a:rPr>
+              <a:t>,</a:t>
+            </a:r>
+          </a:p>
+          <a:p>
+            <a:pPr marL="0" marR="0" lvl="0" indent="0" algn="l" defTabSz="914400" rtl="0" eaLnBrk="0" fontAlgn="base" latinLnBrk="0" hangingPunct="0">
+              <a:lnSpc>
+                <a:spcPct val="100000"/>
+              </a:lnSpc>
+              <a:spcBef>
+                <a:spcPct val="0"/>
+              </a:spcBef>
+              <a:spcAft>
+                <a:spcPct val="0"/>
+              </a:spcAft>
+              <a:buClrTx/>
+              <a:buSzTx/>
+              <a:buFontTx/>
+              <a:buNone/>
+              <a:tabLst/>
+            </a:pPr>
+            <a:r>
+              <a:rPr kumimoji="0" lang="en-US" sz="1600" b="0" i="0" u="none" strike="noStrike" cap="none" normalizeH="0" baseline="0" dirty="0" smtClean="0">
+                <a:ln>
+                  <a:noFill/>
+                </a:ln>
+                <a:solidFill>
+                  <a:srgbClr val="000000"/>
+                </a:solidFill>
+                <a:effectLst/>
+                <a:latin typeface="Consolas" panose="020B0609020204030204" pitchFamily="49" charset="0"/>
+                <a:cs typeface="Consolas" panose="020B0609020204030204" pitchFamily="49" charset="0"/>
+              </a:rPr>
+              <a:t>     age: 16   </a:t>
+            </a:r>
+          </a:p>
+          <a:p>
+            <a:pPr marL="0" marR="0" lvl="0" indent="0" algn="l" defTabSz="914400" rtl="0" eaLnBrk="0" fontAlgn="base" latinLnBrk="0" hangingPunct="0">
+              <a:lnSpc>
+                <a:spcPct val="100000"/>
+              </a:lnSpc>
+              <a:spcBef>
+                <a:spcPct val="0"/>
+              </a:spcBef>
+              <a:spcAft>
+                <a:spcPct val="0"/>
+              </a:spcAft>
+              <a:buClrTx/>
+              <a:buSzTx/>
+              <a:buFontTx/>
+              <a:buNone/>
+              <a:tabLst/>
+            </a:pPr>
+            <a:r>
+              <a:rPr kumimoji="0" lang="en-US" sz="1600" b="0" i="0" u="none" strike="noStrike" cap="none" normalizeH="0" baseline="0" dirty="0" smtClean="0">
+                <a:ln>
+                  <a:noFill/>
+                </a:ln>
+                <a:solidFill>
+                  <a:srgbClr val="000000"/>
+                </a:solidFill>
+                <a:effectLst/>
+                <a:latin typeface="Consolas" panose="020B0609020204030204" pitchFamily="49" charset="0"/>
+                <a:cs typeface="Consolas" panose="020B0609020204030204" pitchFamily="49" charset="0"/>
+              </a:rPr>
+              <a:t>}; </a:t>
+            </a:r>
+            <a:endParaRPr kumimoji="0" lang="en-US" sz="1600" b="0" i="0" u="none" strike="noStrike" cap="none" normalizeH="0" baseline="0" dirty="0" smtClean="0">
+              <a:ln>
+                <a:noFill/>
+              </a:ln>
+              <a:solidFill>
+                <a:schemeClr val="tx1"/>
+              </a:solidFill>
+              <a:effectLst/>
+              <a:latin typeface="Arial" panose="020B0604020202020204" pitchFamily="34" charset="0"/>
+            </a:endParaRPr>
+          </a:p>
+        </p:txBody>
+      </p:sp>
+    </p:spTree>
+    <p:extLst>
+      <p:ext uri="{BB962C8B-B14F-4D97-AF65-F5344CB8AC3E}">
+        <p14:creationId xmlns:p14="http://schemas.microsoft.com/office/powerpoint/2010/main" val="63535107"/>
+      </p:ext>
+    </p:extLst>
+  </p:cSld>
+  <p:clrMapOvr>
+    <a:masterClrMapping/>
+  </p:clrMapOvr>
+</p:sld>
+</file>
+
+<file path=ppt/slides/slide7.xml><?xml version="1.0" encoding="utf-8"?>
 <p:sld xmlns:a="http://schemas.openxmlformats.org/drawingml/2006/main" xmlns:r="http://schemas.openxmlformats.org/officeDocument/2006/relationships" xmlns:p="http://schemas.openxmlformats.org/presentationml/2006/main">
   <p:cSld>
     <p:spTree>
@@ -6414,7 +8603,7 @@
 </p:sld>
 </file>
 
-<file path=ppt/slides/slide6.xml><?xml version="1.0" encoding="utf-8"?>
+<file path=ppt/slides/slide8.xml><?xml version="1.0" encoding="utf-8"?>
 <p:sld xmlns:a="http://schemas.openxmlformats.org/drawingml/2006/main" xmlns:r="http://schemas.openxmlformats.org/officeDocument/2006/relationships" xmlns:p="http://schemas.openxmlformats.org/presentationml/2006/main">
   <p:cSld>
     <p:spTree>
@@ -6508,7 +8697,7 @@
 </p:sld>
 </file>
 
-<file path=ppt/slides/slide7.xml><?xml version="1.0" encoding="utf-8"?>
+<file path=ppt/slides/slide9.xml><?xml version="1.0" encoding="utf-8"?>
 <p:sld xmlns:a="http://schemas.openxmlformats.org/drawingml/2006/main" xmlns:r="http://schemas.openxmlformats.org/officeDocument/2006/relationships" xmlns:p="http://schemas.openxmlformats.org/presentationml/2006/main">
   <p:cSld>
     <p:spTree>
@@ -6926,216 +9115,6 @@
             </p:seq>
           </p:childTnLst>
         </p:cTn>
-      </p:par>
-    </p:tnLst>
-  </p:timing>
-</p:sld>
-</file>
-
-<file path=ppt/slides/slide8.xml><?xml version="1.0" encoding="utf-8"?>
-<p:sld xmlns:a="http://schemas.openxmlformats.org/drawingml/2006/main" xmlns:r="http://schemas.openxmlformats.org/officeDocument/2006/relationships" xmlns:p="http://schemas.openxmlformats.org/presentationml/2006/main">
-  <p:cSld>
-    <p:spTree>
-      <p:nvGrpSpPr>
-        <p:cNvPr id="1" name=""/>
-        <p:cNvGrpSpPr/>
-        <p:nvPr/>
-      </p:nvGrpSpPr>
-      <p:grpSpPr>
-        <a:xfrm>
-          <a:off x="0" y="0"/>
-          <a:ext cx="0" cy="0"/>
-          <a:chOff x="0" y="0"/>
-          <a:chExt cx="0" cy="0"/>
-        </a:xfrm>
-      </p:grpSpPr>
-      <p:sp>
-        <p:nvSpPr>
-          <p:cNvPr id="2" name="Title 1"/>
-          <p:cNvSpPr>
-            <a:spLocks noGrp="1"/>
-          </p:cNvSpPr>
-          <p:nvPr>
-            <p:ph type="ctrTitle"/>
-          </p:nvPr>
-        </p:nvSpPr>
-        <p:spPr>
-          <a:xfrm>
-            <a:off x="685800" y="2130425"/>
-            <a:ext cx="7772400" cy="3432175"/>
-          </a:xfrm>
-        </p:spPr>
-        <p:txBody>
-          <a:bodyPr>
-            <a:normAutofit/>
-          </a:bodyPr>
-          <a:lstStyle/>
-          <a:p>
-            <a:r>
-              <a:rPr lang="en-US" sz="12000" dirty="0" smtClean="0"/>
-              <a:t>?</a:t>
-            </a:r>
-            <a:endParaRPr lang="en-US" sz="12000" dirty="0"/>
-          </a:p>
-        </p:txBody>
-      </p:sp>
-      <p:sp>
-        <p:nvSpPr>
-          <p:cNvPr id="3" name="Subtitle 2"/>
-          <p:cNvSpPr>
-            <a:spLocks noGrp="1"/>
-          </p:cNvSpPr>
-          <p:nvPr>
-            <p:ph type="subTitle" idx="1"/>
-          </p:nvPr>
-        </p:nvSpPr>
-        <p:spPr/>
-        <p:txBody>
-          <a:bodyPr/>
-          <a:lstStyle/>
-          <a:p>
-            <a:endParaRPr lang="en-US"/>
-          </a:p>
-        </p:txBody>
-      </p:sp>
-    </p:spTree>
-    <p:extLst>
-      <p:ext uri="{BB962C8B-B14F-4D97-AF65-F5344CB8AC3E}">
-        <p14:creationId xmlns:p14="http://schemas.microsoft.com/office/powerpoint/2010/main" val="187157294"/>
-      </p:ext>
-    </p:extLst>
-  </p:cSld>
-  <p:clrMapOvr>
-    <a:masterClrMapping/>
-  </p:clrMapOvr>
-  <p:transition spd="slow">
-    <p:push dir="u"/>
-  </p:transition>
-  <p:timing>
-    <p:tnLst>
-      <p:par>
-        <p:cTn id="1" dur="indefinite" restart="never" nodeType="tmRoot"/>
-      </p:par>
-    </p:tnLst>
-  </p:timing>
-</p:sld>
-</file>
-
-<file path=ppt/slides/slide9.xml><?xml version="1.0" encoding="utf-8"?>
-<p:sld xmlns:a="http://schemas.openxmlformats.org/drawingml/2006/main" xmlns:r="http://schemas.openxmlformats.org/officeDocument/2006/relationships" xmlns:p="http://schemas.openxmlformats.org/presentationml/2006/main">
-  <p:cSld>
-    <p:spTree>
-      <p:nvGrpSpPr>
-        <p:cNvPr id="1" name=""/>
-        <p:cNvGrpSpPr/>
-        <p:nvPr/>
-      </p:nvGrpSpPr>
-      <p:grpSpPr>
-        <a:xfrm>
-          <a:off x="0" y="0"/>
-          <a:ext cx="0" cy="0"/>
-          <a:chOff x="0" y="0"/>
-          <a:chExt cx="0" cy="0"/>
-        </a:xfrm>
-      </p:grpSpPr>
-      <p:sp>
-        <p:nvSpPr>
-          <p:cNvPr id="2" name="Title 1"/>
-          <p:cNvSpPr>
-            <a:spLocks noGrp="1"/>
-          </p:cNvSpPr>
-          <p:nvPr>
-            <p:ph type="title"/>
-          </p:nvPr>
-        </p:nvSpPr>
-        <p:spPr/>
-        <p:txBody>
-          <a:bodyPr>
-            <a:normAutofit fontScale="90000"/>
-          </a:bodyPr>
-          <a:lstStyle/>
-          <a:p>
-            <a:r>
-              <a:rPr lang="en-US" dirty="0" smtClean="0"/>
-              <a:t>Pro Agile .NET Development with Scrum</a:t>
-            </a:r>
-            <a:endParaRPr lang="en-US" dirty="0"/>
-          </a:p>
-        </p:txBody>
-      </p:sp>
-      <p:pic>
-        <p:nvPicPr>
-          <p:cNvPr id="4" name="Content Placeholder 3" descr="Screen Shot 2011-10-22 at 9.08.29 AM.png"/>
-          <p:cNvPicPr>
-            <a:picLocks noGrp="1" noChangeAspect="1"/>
-          </p:cNvPicPr>
-          <p:nvPr>
-            <p:ph idx="1"/>
-          </p:nvPr>
-        </p:nvPicPr>
-        <p:blipFill>
-          <a:blip r:embed="rId3">
-            <a:extLst>
-              <a:ext uri="{28A0092B-C50C-407E-A947-70E740481C1C}">
-                <a14:useLocalDpi xmlns:a14="http://schemas.microsoft.com/office/drawing/2010/main" val="0"/>
-              </a:ext>
-            </a:extLst>
-          </a:blip>
-          <a:srcRect l="-88527" r="-88527"/>
-          <a:stretch>
-            <a:fillRect/>
-          </a:stretch>
-        </p:blipFill>
-        <p:spPr>
-          <a:xfrm>
-            <a:off x="457200" y="1676400"/>
-            <a:ext cx="8458200" cy="4343400"/>
-          </a:xfrm>
-        </p:spPr>
-      </p:pic>
-      <p:sp>
-        <p:nvSpPr>
-          <p:cNvPr id="3" name="Footer Placeholder 2"/>
-          <p:cNvSpPr>
-            <a:spLocks noGrp="1"/>
-          </p:cNvSpPr>
-          <p:nvPr>
-            <p:ph type="ftr" sz="quarter" idx="11"/>
-          </p:nvPr>
-        </p:nvSpPr>
-        <p:spPr/>
-        <p:txBody>
-          <a:bodyPr/>
-          <a:lstStyle/>
-          <a:p>
-            <a:r>
-              <a:rPr lang="en-US" sz="2000" dirty="0">
-                <a:solidFill>
-                  <a:srgbClr val="0070C0"/>
-                </a:solidFill>
-              </a:rPr>
-              <a:t>http://amzn.to/1aMYF24</a:t>
-            </a:r>
-          </a:p>
-        </p:txBody>
-      </p:sp>
-    </p:spTree>
-    <p:extLst>
-      <p:ext uri="{BB962C8B-B14F-4D97-AF65-F5344CB8AC3E}">
-        <p14:creationId xmlns:p14="http://schemas.microsoft.com/office/powerpoint/2010/main" val="4255520598"/>
-      </p:ext>
-    </p:extLst>
-  </p:cSld>
-  <p:clrMapOvr>
-    <a:masterClrMapping/>
-  </p:clrMapOvr>
-  <p:transition spd="slow">
-    <p:push dir="u"/>
-  </p:transition>
-  <p:timing>
-    <p:tnLst>
-      <p:par>
-        <p:cTn id="1" dur="indefinite" restart="never" nodeType="tmRoot"/>
       </p:par>
     </p:tnLst>
   </p:timing>
